--- a/Dokumentation/DatabaseSystems.pptx
+++ b/Dokumentation/DatabaseSystems.pptx
@@ -5,18 +5,24 @@
     <p:sldMasterId id="2147483648" r:id="rId1"/>
   </p:sldMasterIdLst>
   <p:notesMasterIdLst>
-    <p:notesMasterId r:id="rId11"/>
+    <p:notesMasterId r:id="rId17"/>
   </p:notesMasterIdLst>
   <p:sldIdLst>
     <p:sldId id="257" r:id="rId2"/>
     <p:sldId id="258" r:id="rId3"/>
     <p:sldId id="259" r:id="rId4"/>
-    <p:sldId id="263" r:id="rId5"/>
-    <p:sldId id="264" r:id="rId6"/>
-    <p:sldId id="260" r:id="rId7"/>
-    <p:sldId id="261" r:id="rId8"/>
-    <p:sldId id="262" r:id="rId9"/>
-    <p:sldId id="265" r:id="rId10"/>
+    <p:sldId id="264" r:id="rId5"/>
+    <p:sldId id="260" r:id="rId6"/>
+    <p:sldId id="266" r:id="rId7"/>
+    <p:sldId id="268" r:id="rId8"/>
+    <p:sldId id="267" r:id="rId9"/>
+    <p:sldId id="261" r:id="rId10"/>
+    <p:sldId id="270" r:id="rId11"/>
+    <p:sldId id="271" r:id="rId12"/>
+    <p:sldId id="269" r:id="rId13"/>
+    <p:sldId id="272" r:id="rId14"/>
+    <p:sldId id="262" r:id="rId15"/>
+    <p:sldId id="265" r:id="rId16"/>
   </p:sldIdLst>
   <p:sldSz cx="12192000" cy="6858000"/>
   <p:notesSz cx="6858000" cy="9144000"/>
@@ -115,6 +121,11 @@
       </a:defRPr>
     </a:lvl9pPr>
   </p:defaultTextStyle>
+  <p:extLst>
+    <p:ext uri="{EFAFB233-063F-42B5-8137-9DF3F51BA10A}">
+      <p15:sldGuideLst xmlns:p15="http://schemas.microsoft.com/office/powerpoint/2012/main"/>
+    </p:ext>
+  </p:extLst>
 </p:presentation>
 </file>
 
@@ -200,7 +211,7 @@
           <a:p>
             <a:fld id="{6888CA36-2061-E148-AF01-EB966AA7650D}" type="datetimeFigureOut">
               <a:rPr lang="de-DE" smtClean="0"/>
-              <a:t>22.12.24</a:t>
+              <a:t>29.12.24</a:t>
             </a:fld>
             <a:endParaRPr lang="de-DE"/>
           </a:p>
@@ -551,6 +562,390 @@
 </p:notes>
 </file>
 
+<file path=ppt/notesSlides/notesSlide2.xml><?xml version="1.0" encoding="utf-8"?>
+<p:notes xmlns:a="http://schemas.openxmlformats.org/drawingml/2006/main" xmlns:r="http://schemas.openxmlformats.org/officeDocument/2006/relationships" xmlns:p="http://schemas.openxmlformats.org/presentationml/2006/main">
+  <p:cSld>
+    <p:spTree>
+      <p:nvGrpSpPr>
+        <p:cNvPr id="1" name=""/>
+        <p:cNvGrpSpPr/>
+        <p:nvPr/>
+      </p:nvGrpSpPr>
+      <p:grpSpPr>
+        <a:xfrm>
+          <a:off x="0" y="0"/>
+          <a:ext cx="0" cy="0"/>
+          <a:chOff x="0" y="0"/>
+          <a:chExt cx="0" cy="0"/>
+        </a:xfrm>
+      </p:grpSpPr>
+      <p:sp>
+        <p:nvSpPr>
+          <p:cNvPr id="2" name="Folienbildplatzhalter 1"/>
+          <p:cNvSpPr>
+            <a:spLocks noGrp="1" noRot="1" noChangeAspect="1"/>
+          </p:cNvSpPr>
+          <p:nvPr>
+            <p:ph type="sldImg"/>
+          </p:nvPr>
+        </p:nvSpPr>
+        <p:spPr/>
+      </p:sp>
+      <p:sp>
+        <p:nvSpPr>
+          <p:cNvPr id="3" name="Notizenplatzhalter 2"/>
+          <p:cNvSpPr>
+            <a:spLocks noGrp="1"/>
+          </p:cNvSpPr>
+          <p:nvPr>
+            <p:ph type="body" idx="1"/>
+          </p:nvPr>
+        </p:nvSpPr>
+        <p:spPr/>
+        <p:txBody>
+          <a:bodyPr/>
+          <a:lstStyle/>
+          <a:p>
+            <a:endParaRPr lang="de-DE"/>
+          </a:p>
+        </p:txBody>
+      </p:sp>
+      <p:sp>
+        <p:nvSpPr>
+          <p:cNvPr id="4" name="Foliennummernplatzhalter 3"/>
+          <p:cNvSpPr>
+            <a:spLocks noGrp="1"/>
+          </p:cNvSpPr>
+          <p:nvPr>
+            <p:ph type="sldNum" sz="quarter" idx="5"/>
+          </p:nvPr>
+        </p:nvSpPr>
+        <p:spPr/>
+        <p:txBody>
+          <a:bodyPr/>
+          <a:lstStyle/>
+          <a:p>
+            <a:fld id="{9279B630-BAA2-D441-8D19-69EDEA0F0126}" type="slidenum">
+              <a:rPr lang="de-DE" smtClean="0"/>
+              <a:t>3</a:t>
+            </a:fld>
+            <a:endParaRPr lang="de-DE"/>
+          </a:p>
+        </p:txBody>
+      </p:sp>
+    </p:spTree>
+    <p:extLst>
+      <p:ext uri="{BB962C8B-B14F-4D97-AF65-F5344CB8AC3E}">
+        <p14:creationId xmlns:p14="http://schemas.microsoft.com/office/powerpoint/2010/main" val="4251174662"/>
+      </p:ext>
+    </p:extLst>
+  </p:cSld>
+  <p:clrMapOvr>
+    <a:masterClrMapping/>
+  </p:clrMapOvr>
+</p:notes>
+</file>
+
+<file path=ppt/notesSlides/notesSlide3.xml><?xml version="1.0" encoding="utf-8"?>
+<p:notes xmlns:a="http://schemas.openxmlformats.org/drawingml/2006/main" xmlns:r="http://schemas.openxmlformats.org/officeDocument/2006/relationships" xmlns:p="http://schemas.openxmlformats.org/presentationml/2006/main">
+  <p:cSld>
+    <p:spTree>
+      <p:nvGrpSpPr>
+        <p:cNvPr id="1" name=""/>
+        <p:cNvGrpSpPr/>
+        <p:nvPr/>
+      </p:nvGrpSpPr>
+      <p:grpSpPr>
+        <a:xfrm>
+          <a:off x="0" y="0"/>
+          <a:ext cx="0" cy="0"/>
+          <a:chOff x="0" y="0"/>
+          <a:chExt cx="0" cy="0"/>
+        </a:xfrm>
+      </p:grpSpPr>
+      <p:sp>
+        <p:nvSpPr>
+          <p:cNvPr id="2" name="Folienbildplatzhalter 1"/>
+          <p:cNvSpPr>
+            <a:spLocks noGrp="1" noRot="1" noChangeAspect="1"/>
+          </p:cNvSpPr>
+          <p:nvPr>
+            <p:ph type="sldImg"/>
+          </p:nvPr>
+        </p:nvSpPr>
+        <p:spPr/>
+      </p:sp>
+      <p:sp>
+        <p:nvSpPr>
+          <p:cNvPr id="3" name="Notizenplatzhalter 2"/>
+          <p:cNvSpPr>
+            <a:spLocks noGrp="1"/>
+          </p:cNvSpPr>
+          <p:nvPr>
+            <p:ph type="body" idx="1"/>
+          </p:nvPr>
+        </p:nvSpPr>
+        <p:spPr/>
+        <p:txBody>
+          <a:bodyPr/>
+          <a:lstStyle/>
+          <a:p>
+            <a:endParaRPr lang="de-DE"/>
+          </a:p>
+        </p:txBody>
+      </p:sp>
+      <p:sp>
+        <p:nvSpPr>
+          <p:cNvPr id="4" name="Foliennummernplatzhalter 3"/>
+          <p:cNvSpPr>
+            <a:spLocks noGrp="1"/>
+          </p:cNvSpPr>
+          <p:nvPr>
+            <p:ph type="sldNum" sz="quarter" idx="5"/>
+          </p:nvPr>
+        </p:nvSpPr>
+        <p:spPr/>
+        <p:txBody>
+          <a:bodyPr/>
+          <a:lstStyle/>
+          <a:p>
+            <a:fld id="{9279B630-BAA2-D441-8D19-69EDEA0F0126}" type="slidenum">
+              <a:rPr lang="de-DE" smtClean="0"/>
+              <a:t>6</a:t>
+            </a:fld>
+            <a:endParaRPr lang="de-DE"/>
+          </a:p>
+        </p:txBody>
+      </p:sp>
+    </p:spTree>
+    <p:extLst>
+      <p:ext uri="{BB962C8B-B14F-4D97-AF65-F5344CB8AC3E}">
+        <p14:creationId xmlns:p14="http://schemas.microsoft.com/office/powerpoint/2010/main" val="2574474370"/>
+      </p:ext>
+    </p:extLst>
+  </p:cSld>
+  <p:clrMapOvr>
+    <a:masterClrMapping/>
+  </p:clrMapOvr>
+</p:notes>
+</file>
+
+<file path=ppt/notesSlides/notesSlide4.xml><?xml version="1.0" encoding="utf-8"?>
+<p:notes xmlns:a="http://schemas.openxmlformats.org/drawingml/2006/main" xmlns:r="http://schemas.openxmlformats.org/officeDocument/2006/relationships" xmlns:p="http://schemas.openxmlformats.org/presentationml/2006/main">
+  <p:cSld>
+    <p:spTree>
+      <p:nvGrpSpPr>
+        <p:cNvPr id="1" name="">
+          <a:extLst>
+            <a:ext uri="{FF2B5EF4-FFF2-40B4-BE49-F238E27FC236}">
+              <a16:creationId xmlns:a16="http://schemas.microsoft.com/office/drawing/2014/main" id="{3B82BAE6-9944-4BC8-ECD3-D3FA3136B3C5}"/>
+            </a:ext>
+          </a:extLst>
+        </p:cNvPr>
+        <p:cNvGrpSpPr/>
+        <p:nvPr/>
+      </p:nvGrpSpPr>
+      <p:grpSpPr>
+        <a:xfrm>
+          <a:off x="0" y="0"/>
+          <a:ext cx="0" cy="0"/>
+          <a:chOff x="0" y="0"/>
+          <a:chExt cx="0" cy="0"/>
+        </a:xfrm>
+      </p:grpSpPr>
+      <p:sp>
+        <p:nvSpPr>
+          <p:cNvPr id="2" name="Folienbildplatzhalter 1">
+            <a:extLst>
+              <a:ext uri="{FF2B5EF4-FFF2-40B4-BE49-F238E27FC236}">
+                <a16:creationId xmlns:a16="http://schemas.microsoft.com/office/drawing/2014/main" id="{A01E68A5-5BE7-9618-1F67-380116CF0586}"/>
+              </a:ext>
+            </a:extLst>
+          </p:cNvPr>
+          <p:cNvSpPr>
+            <a:spLocks noGrp="1" noRot="1" noChangeAspect="1"/>
+          </p:cNvSpPr>
+          <p:nvPr>
+            <p:ph type="sldImg"/>
+          </p:nvPr>
+        </p:nvSpPr>
+        <p:spPr/>
+      </p:sp>
+      <p:sp>
+        <p:nvSpPr>
+          <p:cNvPr id="3" name="Notizenplatzhalter 2">
+            <a:extLst>
+              <a:ext uri="{FF2B5EF4-FFF2-40B4-BE49-F238E27FC236}">
+                <a16:creationId xmlns:a16="http://schemas.microsoft.com/office/drawing/2014/main" id="{A70953B2-22EF-1CE3-9E9E-F114F583AD09}"/>
+              </a:ext>
+            </a:extLst>
+          </p:cNvPr>
+          <p:cNvSpPr>
+            <a:spLocks noGrp="1"/>
+          </p:cNvSpPr>
+          <p:nvPr>
+            <p:ph type="body" idx="1"/>
+          </p:nvPr>
+        </p:nvSpPr>
+        <p:spPr/>
+        <p:txBody>
+          <a:bodyPr/>
+          <a:lstStyle/>
+          <a:p>
+            <a:endParaRPr lang="de-DE"/>
+          </a:p>
+        </p:txBody>
+      </p:sp>
+      <p:sp>
+        <p:nvSpPr>
+          <p:cNvPr id="4" name="Foliennummernplatzhalter 3">
+            <a:extLst>
+              <a:ext uri="{FF2B5EF4-FFF2-40B4-BE49-F238E27FC236}">
+                <a16:creationId xmlns:a16="http://schemas.microsoft.com/office/drawing/2014/main" id="{ED4F6390-96CF-7158-F2F9-5E091FAD1B4A}"/>
+              </a:ext>
+            </a:extLst>
+          </p:cNvPr>
+          <p:cNvSpPr>
+            <a:spLocks noGrp="1"/>
+          </p:cNvSpPr>
+          <p:nvPr>
+            <p:ph type="sldNum" sz="quarter" idx="5"/>
+          </p:nvPr>
+        </p:nvSpPr>
+        <p:spPr/>
+        <p:txBody>
+          <a:bodyPr/>
+          <a:lstStyle/>
+          <a:p>
+            <a:fld id="{9279B630-BAA2-D441-8D19-69EDEA0F0126}" type="slidenum">
+              <a:rPr lang="de-DE" smtClean="0"/>
+              <a:t>7</a:t>
+            </a:fld>
+            <a:endParaRPr lang="de-DE"/>
+          </a:p>
+        </p:txBody>
+      </p:sp>
+    </p:spTree>
+    <p:extLst>
+      <p:ext uri="{BB962C8B-B14F-4D97-AF65-F5344CB8AC3E}">
+        <p14:creationId xmlns:p14="http://schemas.microsoft.com/office/powerpoint/2010/main" val="1885987215"/>
+      </p:ext>
+    </p:extLst>
+  </p:cSld>
+  <p:clrMapOvr>
+    <a:masterClrMapping/>
+  </p:clrMapOvr>
+</p:notes>
+</file>
+
+<file path=ppt/notesSlides/notesSlide5.xml><?xml version="1.0" encoding="utf-8"?>
+<p:notes xmlns:a="http://schemas.openxmlformats.org/drawingml/2006/main" xmlns:r="http://schemas.openxmlformats.org/officeDocument/2006/relationships" xmlns:p="http://schemas.openxmlformats.org/presentationml/2006/main">
+  <p:cSld>
+    <p:spTree>
+      <p:nvGrpSpPr>
+        <p:cNvPr id="1" name="">
+          <a:extLst>
+            <a:ext uri="{FF2B5EF4-FFF2-40B4-BE49-F238E27FC236}">
+              <a16:creationId xmlns:a16="http://schemas.microsoft.com/office/drawing/2014/main" id="{C92248B5-B7FF-1133-6570-CED5EF75EB56}"/>
+            </a:ext>
+          </a:extLst>
+        </p:cNvPr>
+        <p:cNvGrpSpPr/>
+        <p:nvPr/>
+      </p:nvGrpSpPr>
+      <p:grpSpPr>
+        <a:xfrm>
+          <a:off x="0" y="0"/>
+          <a:ext cx="0" cy="0"/>
+          <a:chOff x="0" y="0"/>
+          <a:chExt cx="0" cy="0"/>
+        </a:xfrm>
+      </p:grpSpPr>
+      <p:sp>
+        <p:nvSpPr>
+          <p:cNvPr id="2" name="Folienbildplatzhalter 1">
+            <a:extLst>
+              <a:ext uri="{FF2B5EF4-FFF2-40B4-BE49-F238E27FC236}">
+                <a16:creationId xmlns:a16="http://schemas.microsoft.com/office/drawing/2014/main" id="{36B4AA96-1B87-5EAF-EE37-47D5ADD8EA0A}"/>
+              </a:ext>
+            </a:extLst>
+          </p:cNvPr>
+          <p:cNvSpPr>
+            <a:spLocks noGrp="1" noRot="1" noChangeAspect="1"/>
+          </p:cNvSpPr>
+          <p:nvPr>
+            <p:ph type="sldImg"/>
+          </p:nvPr>
+        </p:nvSpPr>
+        <p:spPr/>
+      </p:sp>
+      <p:sp>
+        <p:nvSpPr>
+          <p:cNvPr id="3" name="Notizenplatzhalter 2">
+            <a:extLst>
+              <a:ext uri="{FF2B5EF4-FFF2-40B4-BE49-F238E27FC236}">
+                <a16:creationId xmlns:a16="http://schemas.microsoft.com/office/drawing/2014/main" id="{37C51AB5-46E7-D1F8-2583-5C5D72AA9305}"/>
+              </a:ext>
+            </a:extLst>
+          </p:cNvPr>
+          <p:cNvSpPr>
+            <a:spLocks noGrp="1"/>
+          </p:cNvSpPr>
+          <p:nvPr>
+            <p:ph type="body" idx="1"/>
+          </p:nvPr>
+        </p:nvSpPr>
+        <p:spPr/>
+        <p:txBody>
+          <a:bodyPr/>
+          <a:lstStyle/>
+          <a:p>
+            <a:endParaRPr lang="de-DE"/>
+          </a:p>
+        </p:txBody>
+      </p:sp>
+      <p:sp>
+        <p:nvSpPr>
+          <p:cNvPr id="4" name="Foliennummernplatzhalter 3">
+            <a:extLst>
+              <a:ext uri="{FF2B5EF4-FFF2-40B4-BE49-F238E27FC236}">
+                <a16:creationId xmlns:a16="http://schemas.microsoft.com/office/drawing/2014/main" id="{693E032D-8F88-6D3D-2F4E-F6CAF2BDABC6}"/>
+              </a:ext>
+            </a:extLst>
+          </p:cNvPr>
+          <p:cNvSpPr>
+            <a:spLocks noGrp="1"/>
+          </p:cNvSpPr>
+          <p:nvPr>
+            <p:ph type="sldNum" sz="quarter" idx="5"/>
+          </p:nvPr>
+        </p:nvSpPr>
+        <p:spPr/>
+        <p:txBody>
+          <a:bodyPr/>
+          <a:lstStyle/>
+          <a:p>
+            <a:fld id="{9279B630-BAA2-D441-8D19-69EDEA0F0126}" type="slidenum">
+              <a:rPr lang="de-DE" smtClean="0"/>
+              <a:t>8</a:t>
+            </a:fld>
+            <a:endParaRPr lang="de-DE"/>
+          </a:p>
+        </p:txBody>
+      </p:sp>
+    </p:spTree>
+    <p:extLst>
+      <p:ext uri="{BB962C8B-B14F-4D97-AF65-F5344CB8AC3E}">
+        <p14:creationId xmlns:p14="http://schemas.microsoft.com/office/powerpoint/2010/main" val="1070730825"/>
+      </p:ext>
+    </p:extLst>
+  </p:cSld>
+  <p:clrMapOvr>
+    <a:masterClrMapping/>
+  </p:clrMapOvr>
+</p:notes>
+</file>
+
 <file path=ppt/slideLayouts/slideLayout1.xml><?xml version="1.0" encoding="utf-8"?>
 <p:sldLayout xmlns:a="http://schemas.openxmlformats.org/drawingml/2006/main" xmlns:r="http://schemas.openxmlformats.org/officeDocument/2006/relationships" xmlns:p="http://schemas.openxmlformats.org/presentationml/2006/main" type="title" preserve="1">
   <p:cSld name="Titelfolie">
@@ -698,7 +1093,7 @@
           <a:p>
             <a:fld id="{D0E946A1-B551-6E40-A11D-5EC94FC2725E}" type="datetimeFigureOut">
               <a:rPr lang="de-DE" smtClean="0"/>
-              <a:t>22.12.24</a:t>
+              <a:t>29.12.24</a:t>
             </a:fld>
             <a:endParaRPr lang="de-DE" dirty="0"/>
           </a:p>
@@ -896,7 +1291,7 @@
           <a:p>
             <a:fld id="{D0E946A1-B551-6E40-A11D-5EC94FC2725E}" type="datetimeFigureOut">
               <a:rPr lang="de-DE" smtClean="0"/>
-              <a:t>22.12.24</a:t>
+              <a:t>29.12.24</a:t>
             </a:fld>
             <a:endParaRPr lang="de-DE" dirty="0"/>
           </a:p>
@@ -1104,7 +1499,7 @@
           <a:p>
             <a:fld id="{D0E946A1-B551-6E40-A11D-5EC94FC2725E}" type="datetimeFigureOut">
               <a:rPr lang="de-DE" smtClean="0"/>
-              <a:t>22.12.24</a:t>
+              <a:t>29.12.24</a:t>
             </a:fld>
             <a:endParaRPr lang="de-DE" dirty="0"/>
           </a:p>
@@ -1302,7 +1697,7 @@
           <a:p>
             <a:fld id="{D0E946A1-B551-6E40-A11D-5EC94FC2725E}" type="datetimeFigureOut">
               <a:rPr lang="de-DE" smtClean="0"/>
-              <a:t>22.12.24</a:t>
+              <a:t>29.12.24</a:t>
             </a:fld>
             <a:endParaRPr lang="de-DE" dirty="0"/>
           </a:p>
@@ -1577,7 +1972,7 @@
           <a:p>
             <a:fld id="{D0E946A1-B551-6E40-A11D-5EC94FC2725E}" type="datetimeFigureOut">
               <a:rPr lang="de-DE" smtClean="0"/>
-              <a:t>22.12.24</a:t>
+              <a:t>29.12.24</a:t>
             </a:fld>
             <a:endParaRPr lang="de-DE" dirty="0"/>
           </a:p>
@@ -1842,7 +2237,7 @@
           <a:p>
             <a:fld id="{D0E946A1-B551-6E40-A11D-5EC94FC2725E}" type="datetimeFigureOut">
               <a:rPr lang="de-DE" smtClean="0"/>
-              <a:t>22.12.24</a:t>
+              <a:t>29.12.24</a:t>
             </a:fld>
             <a:endParaRPr lang="de-DE" dirty="0"/>
           </a:p>
@@ -2254,7 +2649,7 @@
           <a:p>
             <a:fld id="{D0E946A1-B551-6E40-A11D-5EC94FC2725E}" type="datetimeFigureOut">
               <a:rPr lang="de-DE" smtClean="0"/>
-              <a:t>22.12.24</a:t>
+              <a:t>29.12.24</a:t>
             </a:fld>
             <a:endParaRPr lang="de-DE" dirty="0"/>
           </a:p>
@@ -2395,7 +2790,7 @@
           <a:p>
             <a:fld id="{D0E946A1-B551-6E40-A11D-5EC94FC2725E}" type="datetimeFigureOut">
               <a:rPr lang="de-DE" smtClean="0"/>
-              <a:t>22.12.24</a:t>
+              <a:t>29.12.24</a:t>
             </a:fld>
             <a:endParaRPr lang="de-DE" dirty="0"/>
           </a:p>
@@ -2508,7 +2903,7 @@
           <a:p>
             <a:fld id="{D0E946A1-B551-6E40-A11D-5EC94FC2725E}" type="datetimeFigureOut">
               <a:rPr lang="de-DE" smtClean="0"/>
-              <a:t>22.12.24</a:t>
+              <a:t>29.12.24</a:t>
             </a:fld>
             <a:endParaRPr lang="de-DE" dirty="0"/>
           </a:p>
@@ -2819,7 +3214,7 @@
           <a:p>
             <a:fld id="{D0E946A1-B551-6E40-A11D-5EC94FC2725E}" type="datetimeFigureOut">
               <a:rPr lang="de-DE" smtClean="0"/>
-              <a:t>22.12.24</a:t>
+              <a:t>29.12.24</a:t>
             </a:fld>
             <a:endParaRPr lang="de-DE" dirty="0"/>
           </a:p>
@@ -3107,7 +3502,7 @@
           <a:p>
             <a:fld id="{D0E946A1-B551-6E40-A11D-5EC94FC2725E}" type="datetimeFigureOut">
               <a:rPr lang="de-DE" smtClean="0"/>
-              <a:t>22.12.24</a:t>
+              <a:t>29.12.24</a:t>
             </a:fld>
             <a:endParaRPr lang="de-DE" dirty="0"/>
           </a:p>
@@ -3354,7 +3749,7 @@
           <a:p>
             <a:fld id="{D0E946A1-B551-6E40-A11D-5EC94FC2725E}" type="datetimeFigureOut">
               <a:rPr lang="de-DE" smtClean="0"/>
-              <a:t>22.12.24</a:t>
+              <a:t>29.12.24</a:t>
             </a:fld>
             <a:endParaRPr lang="de-DE" dirty="0"/>
           </a:p>
@@ -3771,12 +4166,72 @@
           <a:chExt cx="0" cy="0"/>
         </a:xfrm>
       </p:grpSpPr>
+      <p:pic>
+        <p:nvPicPr>
+          <p:cNvPr id="49" name="Grafik 48">
+            <a:extLst>
+              <a:ext uri="{FF2B5EF4-FFF2-40B4-BE49-F238E27FC236}">
+                <a16:creationId xmlns:a16="http://schemas.microsoft.com/office/drawing/2014/main" id="{77B7DECB-9D7E-EF38-4BA8-5A2D405D084D}"/>
+              </a:ext>
+            </a:extLst>
+          </p:cNvPr>
+          <p:cNvPicPr>
+            <a:picLocks noChangeAspect="1"/>
+          </p:cNvPicPr>
+          <p:nvPr/>
+        </p:nvPicPr>
+        <p:blipFill>
+          <a:blip r:embed="rId3"/>
+          <a:stretch>
+            <a:fillRect/>
+          </a:stretch>
+        </p:blipFill>
+        <p:spPr>
+          <a:xfrm rot="457495">
+            <a:off x="10164115" y="429023"/>
+            <a:ext cx="1875716" cy="1875716"/>
+          </a:xfrm>
+          <a:prstGeom prst="rect">
+            <a:avLst/>
+          </a:prstGeom>
+        </p:spPr>
+      </p:pic>
+      <p:pic>
+        <p:nvPicPr>
+          <p:cNvPr id="48" name="Grafik 47">
+            <a:extLst>
+              <a:ext uri="{FF2B5EF4-FFF2-40B4-BE49-F238E27FC236}">
+                <a16:creationId xmlns:a16="http://schemas.microsoft.com/office/drawing/2014/main" id="{D6BF15E1-2372-415D-6E00-82A272B5C4B9}"/>
+              </a:ext>
+            </a:extLst>
+          </p:cNvPr>
+          <p:cNvPicPr>
+            <a:picLocks noChangeAspect="1"/>
+          </p:cNvPicPr>
+          <p:nvPr/>
+        </p:nvPicPr>
+        <p:blipFill>
+          <a:blip r:embed="rId4"/>
+          <a:stretch>
+            <a:fillRect/>
+          </a:stretch>
+        </p:blipFill>
+        <p:spPr>
+          <a:xfrm rot="227347">
+            <a:off x="9734426" y="4616946"/>
+            <a:ext cx="1868484" cy="1868484"/>
+          </a:xfrm>
+          <a:prstGeom prst="rect">
+            <a:avLst/>
+          </a:prstGeom>
+        </p:spPr>
+      </p:pic>
       <p:grpSp>
         <p:nvGrpSpPr>
-          <p:cNvPr id="75" name="Gruppieren 74">
-            <a:extLst>
-              <a:ext uri="{FF2B5EF4-FFF2-40B4-BE49-F238E27FC236}">
-                <a16:creationId xmlns:a16="http://schemas.microsoft.com/office/drawing/2014/main" id="{CBA25074-74FB-AAFD-4CFD-027EB5D781F9}"/>
+          <p:cNvPr id="21" name="Gruppieren 20">
+            <a:extLst>
+              <a:ext uri="{FF2B5EF4-FFF2-40B4-BE49-F238E27FC236}">
+                <a16:creationId xmlns:a16="http://schemas.microsoft.com/office/drawing/2014/main" id="{C2268FD5-6D42-D956-A40C-B1A548AEC7CA}"/>
               </a:ext>
             </a:extLst>
           </p:cNvPr>
@@ -3785,18 +4240,18 @@
         </p:nvGrpSpPr>
         <p:grpSpPr>
           <a:xfrm>
-            <a:off x="-1055797" y="-2503"/>
-            <a:ext cx="3575824" cy="6875299"/>
+            <a:off x="-1406153" y="0"/>
+            <a:ext cx="3575824" cy="6858000"/>
             <a:chOff x="-899555" y="-9258"/>
             <a:chExt cx="3389976" cy="6858000"/>
           </a:xfrm>
         </p:grpSpPr>
         <p:sp>
           <p:nvSpPr>
-            <p:cNvPr id="76" name="Dreieck 75">
+            <p:cNvPr id="22" name="Dreieck 21">
               <a:extLst>
                 <a:ext uri="{FF2B5EF4-FFF2-40B4-BE49-F238E27FC236}">
-                  <a16:creationId xmlns:a16="http://schemas.microsoft.com/office/drawing/2014/main" id="{3E3F4B2E-2883-D00C-2866-7A8FE91E515A}"/>
+                  <a16:creationId xmlns:a16="http://schemas.microsoft.com/office/drawing/2014/main" id="{9441A91A-BEAD-CFE3-2DAA-1D956AAC06F6}"/>
                 </a:ext>
               </a:extLst>
             </p:cNvPr>
@@ -3848,10 +4303,10 @@
         </p:sp>
         <p:grpSp>
           <p:nvGrpSpPr>
-            <p:cNvPr id="77" name="Gruppieren 76">
+            <p:cNvPr id="23" name="Gruppieren 22">
               <a:extLst>
                 <a:ext uri="{FF2B5EF4-FFF2-40B4-BE49-F238E27FC236}">
-                  <a16:creationId xmlns:a16="http://schemas.microsoft.com/office/drawing/2014/main" id="{6ACA20F0-53E1-A720-D2A8-07227D444D50}"/>
+                  <a16:creationId xmlns:a16="http://schemas.microsoft.com/office/drawing/2014/main" id="{A2543E40-E3D9-ED60-D9FD-E902D088D7B0}"/>
                 </a:ext>
               </a:extLst>
             </p:cNvPr>
@@ -3868,10 +4323,10 @@
           </p:grpSpPr>
           <p:sp>
             <p:nvSpPr>
-              <p:cNvPr id="78" name="Rechteck 77">
+              <p:cNvPr id="24" name="Rechteck 23">
                 <a:extLst>
                   <a:ext uri="{FF2B5EF4-FFF2-40B4-BE49-F238E27FC236}">
-                    <a16:creationId xmlns:a16="http://schemas.microsoft.com/office/drawing/2014/main" id="{192B5A4B-9168-8893-9003-831B165ADD86}"/>
+                    <a16:creationId xmlns:a16="http://schemas.microsoft.com/office/drawing/2014/main" id="{73879717-7BAA-DB1F-C02F-1EB4C6572CB1}"/>
                   </a:ext>
                 </a:extLst>
               </p:cNvPr>
@@ -3923,10 +4378,10 @@
           </p:sp>
           <p:sp>
             <p:nvSpPr>
-              <p:cNvPr id="79" name="Textfeld 78">
+              <p:cNvPr id="25" name="Textfeld 24">
                 <a:extLst>
                   <a:ext uri="{FF2B5EF4-FFF2-40B4-BE49-F238E27FC236}">
-                    <a16:creationId xmlns:a16="http://schemas.microsoft.com/office/drawing/2014/main" id="{8296AEE1-DF22-9713-56CA-8240B8BB12FD}"/>
+                    <a16:creationId xmlns:a16="http://schemas.microsoft.com/office/drawing/2014/main" id="{456B2C52-AD8D-F3EE-A1DB-EF6C46348F86}"/>
                   </a:ext>
                 </a:extLst>
               </p:cNvPr>
@@ -3966,10 +4421,10 @@
           </p:sp>
           <p:sp>
             <p:nvSpPr>
-              <p:cNvPr id="80" name="Textfeld 79">
+              <p:cNvPr id="26" name="Textfeld 25">
                 <a:extLst>
                   <a:ext uri="{FF2B5EF4-FFF2-40B4-BE49-F238E27FC236}">
-                    <a16:creationId xmlns:a16="http://schemas.microsoft.com/office/drawing/2014/main" id="{AB398290-7DC7-FE3D-F309-4DA14ABF774A}"/>
+                    <a16:creationId xmlns:a16="http://schemas.microsoft.com/office/drawing/2014/main" id="{6294F186-EB60-85BD-4C02-F8641608D833}"/>
                   </a:ext>
                 </a:extLst>
               </p:cNvPr>
@@ -4007,10 +4462,10 @@
           </p:sp>
           <p:sp>
             <p:nvSpPr>
-              <p:cNvPr id="81" name="Textfeld 80">
+              <p:cNvPr id="27" name="Textfeld 26">
                 <a:extLst>
                   <a:ext uri="{FF2B5EF4-FFF2-40B4-BE49-F238E27FC236}">
-                    <a16:creationId xmlns:a16="http://schemas.microsoft.com/office/drawing/2014/main" id="{F8741176-2541-A0F5-76CC-32CBE8D714F5}"/>
+                    <a16:creationId xmlns:a16="http://schemas.microsoft.com/office/drawing/2014/main" id="{8EEBACDC-B21C-4723-A3EA-4E2227AA93AE}"/>
                   </a:ext>
                 </a:extLst>
               </p:cNvPr>
@@ -4020,7 +4475,7 @@
             <p:spPr>
               <a:xfrm>
                 <a:off x="9616068" y="3434574"/>
-                <a:ext cx="2304586" cy="1323439"/>
+                <a:ext cx="2304586" cy="1077218"/>
               </a:xfrm>
               <a:prstGeom prst="rect">
                 <a:avLst/>
@@ -4035,7 +4490,7 @@
               <a:p>
                 <a:pPr algn="ctr"/>
                 <a:r>
-                  <a:rPr lang="de-DE" sz="1600" b="1" dirty="0">
+                  <a:rPr lang="de-DE" sz="1600" b="1">
                     <a:solidFill>
                       <a:schemeClr val="bg1"/>
                     </a:solidFill>
@@ -4043,7 +4498,7 @@
                     <a:latin typeface="Calibri" panose="020F0502020204030204" pitchFamily="34" charset="0"/>
                     <a:cs typeface="Calibri" panose="020F0502020204030204" pitchFamily="34" charset="0"/>
                   </a:rPr>
-                  <a:t>Showcase complex SQL queries used to analyze and process data. Explain their purpose and provide examples of results.</a:t>
+                  <a:t>Present SQL queries for data analysis. Explain their goals and highlight key results</a:t>
                 </a:r>
               </a:p>
             </p:txBody>
@@ -4052,10 +4507,10 @@
       </p:grpSp>
       <p:grpSp>
         <p:nvGrpSpPr>
-          <p:cNvPr id="69" name="Gruppieren 68">
-            <a:extLst>
-              <a:ext uri="{FF2B5EF4-FFF2-40B4-BE49-F238E27FC236}">
-                <a16:creationId xmlns:a16="http://schemas.microsoft.com/office/drawing/2014/main" id="{727D8540-5A14-0971-3625-8BFC073784ED}"/>
+          <p:cNvPr id="14" name="Gruppieren 13">
+            <a:extLst>
+              <a:ext uri="{FF2B5EF4-FFF2-40B4-BE49-F238E27FC236}">
+                <a16:creationId xmlns:a16="http://schemas.microsoft.com/office/drawing/2014/main" id="{32237487-AA11-AF2E-0ADF-224C795BB10F}"/>
               </a:ext>
             </a:extLst>
           </p:cNvPr>
@@ -4064,18 +4519,18 @@
         </p:nvGrpSpPr>
         <p:grpSpPr>
           <a:xfrm>
-            <a:off x="-1592890" y="-5576"/>
-            <a:ext cx="3767257" cy="6869152"/>
+            <a:off x="-1916741" y="0"/>
+            <a:ext cx="3767257" cy="6858000"/>
             <a:chOff x="6096000" y="0"/>
             <a:chExt cx="3767257" cy="6858000"/>
           </a:xfrm>
         </p:grpSpPr>
         <p:sp>
           <p:nvSpPr>
-            <p:cNvPr id="70" name="Rechteck 69">
+            <p:cNvPr id="15" name="Rechteck 14">
               <a:extLst>
                 <a:ext uri="{FF2B5EF4-FFF2-40B4-BE49-F238E27FC236}">
-                  <a16:creationId xmlns:a16="http://schemas.microsoft.com/office/drawing/2014/main" id="{5FD138D1-04A5-1AA7-B41C-DC4A8011DCAB}"/>
+                  <a16:creationId xmlns:a16="http://schemas.microsoft.com/office/drawing/2014/main" id="{19A55789-F771-2D1A-7B16-7B8BA08C75C7}"/>
                 </a:ext>
               </a:extLst>
             </p:cNvPr>
@@ -4127,10 +4582,10 @@
         </p:sp>
         <p:sp>
           <p:nvSpPr>
-            <p:cNvPr id="71" name="Textfeld 70">
+            <p:cNvPr id="16" name="Textfeld 15">
               <a:extLst>
                 <a:ext uri="{FF2B5EF4-FFF2-40B4-BE49-F238E27FC236}">
-                  <a16:creationId xmlns:a16="http://schemas.microsoft.com/office/drawing/2014/main" id="{21ACA3A3-B76A-E168-A6B1-BFB42024EB19}"/>
+                  <a16:creationId xmlns:a16="http://schemas.microsoft.com/office/drawing/2014/main" id="{2E7B43F6-A1DA-E735-35C5-D50D6333BF7E}"/>
                 </a:ext>
               </a:extLst>
             </p:cNvPr>
@@ -4170,10 +4625,10 @@
         </p:sp>
         <p:sp>
           <p:nvSpPr>
-            <p:cNvPr id="72" name="Textfeld 71">
+            <p:cNvPr id="17" name="Textfeld 16">
               <a:extLst>
                 <a:ext uri="{FF2B5EF4-FFF2-40B4-BE49-F238E27FC236}">
-                  <a16:creationId xmlns:a16="http://schemas.microsoft.com/office/drawing/2014/main" id="{3B74FB23-053A-E45B-1198-13A370627BB5}"/>
+                  <a16:creationId xmlns:a16="http://schemas.microsoft.com/office/drawing/2014/main" id="{8A8FA407-9066-B86B-351E-36C14C7E9C20}"/>
                 </a:ext>
               </a:extLst>
             </p:cNvPr>
@@ -4211,10 +4666,10 @@
         </p:sp>
         <p:sp>
           <p:nvSpPr>
-            <p:cNvPr id="73" name="Textfeld 72">
+            <p:cNvPr id="18" name="Textfeld 17">
               <a:extLst>
                 <a:ext uri="{FF2B5EF4-FFF2-40B4-BE49-F238E27FC236}">
-                  <a16:creationId xmlns:a16="http://schemas.microsoft.com/office/drawing/2014/main" id="{D21FAAF3-AFBE-1E4B-FD60-C067F6BDEC46}"/>
+                  <a16:creationId xmlns:a16="http://schemas.microsoft.com/office/drawing/2014/main" id="{991E8A38-51AB-14DE-7B7C-38C72E81C961}"/>
                 </a:ext>
               </a:extLst>
             </p:cNvPr>
@@ -4254,10 +4709,10 @@
         </p:sp>
         <p:sp>
           <p:nvSpPr>
-            <p:cNvPr id="74" name="Dreieck 73">
+            <p:cNvPr id="19" name="Dreieck 18">
               <a:extLst>
                 <a:ext uri="{FF2B5EF4-FFF2-40B4-BE49-F238E27FC236}">
-                  <a16:creationId xmlns:a16="http://schemas.microsoft.com/office/drawing/2014/main" id="{BD90CD78-9294-BC98-F745-57F0FA2A4AF9}"/>
+                  <a16:creationId xmlns:a16="http://schemas.microsoft.com/office/drawing/2014/main" id="{885CED3C-58F5-515D-B5F6-8706F0D3D39F}"/>
                 </a:ext>
               </a:extLst>
             </p:cNvPr>
@@ -4310,10 +4765,10 @@
       </p:grpSp>
       <p:grpSp>
         <p:nvGrpSpPr>
-          <p:cNvPr id="63" name="Gruppieren 62">
-            <a:extLst>
-              <a:ext uri="{FF2B5EF4-FFF2-40B4-BE49-F238E27FC236}">
-                <a16:creationId xmlns:a16="http://schemas.microsoft.com/office/drawing/2014/main" id="{347774EA-6820-BD7C-35A8-F77AE790A9F1}"/>
+          <p:cNvPr id="8" name="Gruppieren 7">
+            <a:extLst>
+              <a:ext uri="{FF2B5EF4-FFF2-40B4-BE49-F238E27FC236}">
+                <a16:creationId xmlns:a16="http://schemas.microsoft.com/office/drawing/2014/main" id="{D3A85C85-207D-DCE8-72BC-45931CDDDDB9}"/>
               </a:ext>
             </a:extLst>
           </p:cNvPr>
@@ -4322,18 +4777,18 @@
         </p:nvGrpSpPr>
         <p:grpSpPr>
           <a:xfrm>
-            <a:off x="-2088135" y="-5576"/>
-            <a:ext cx="3681759" cy="6869723"/>
+            <a:off x="-2219876" y="0"/>
+            <a:ext cx="3681759" cy="6858000"/>
             <a:chOff x="3033131" y="0"/>
             <a:chExt cx="3681759" cy="6858000"/>
           </a:xfrm>
         </p:grpSpPr>
         <p:sp>
           <p:nvSpPr>
-            <p:cNvPr id="64" name="Rechteck 63">
+            <p:cNvPr id="9" name="Rechteck 8">
               <a:extLst>
                 <a:ext uri="{FF2B5EF4-FFF2-40B4-BE49-F238E27FC236}">
-                  <a16:creationId xmlns:a16="http://schemas.microsoft.com/office/drawing/2014/main" id="{D336CB6E-9418-2F79-E5D7-5D3A13B37BD7}"/>
+                  <a16:creationId xmlns:a16="http://schemas.microsoft.com/office/drawing/2014/main" id="{C1815B98-1135-3C74-327F-DB148A097DD1}"/>
                 </a:ext>
               </a:extLst>
             </p:cNvPr>
@@ -4384,10 +4839,10 @@
         </p:sp>
         <p:sp>
           <p:nvSpPr>
-            <p:cNvPr id="65" name="Textfeld 64">
+            <p:cNvPr id="10" name="Textfeld 9">
               <a:extLst>
                 <a:ext uri="{FF2B5EF4-FFF2-40B4-BE49-F238E27FC236}">
-                  <a16:creationId xmlns:a16="http://schemas.microsoft.com/office/drawing/2014/main" id="{2D4B33FF-3E20-1787-2DCF-0518BE8D8F40}"/>
+                  <a16:creationId xmlns:a16="http://schemas.microsoft.com/office/drawing/2014/main" id="{0F1F5CB1-EAEB-B3F0-B1D6-0114106A10D6}"/>
                 </a:ext>
               </a:extLst>
             </p:cNvPr>
@@ -4427,10 +4882,10 @@
         </p:sp>
         <p:sp>
           <p:nvSpPr>
-            <p:cNvPr id="66" name="Textfeld 65">
+            <p:cNvPr id="11" name="Textfeld 10">
               <a:extLst>
                 <a:ext uri="{FF2B5EF4-FFF2-40B4-BE49-F238E27FC236}">
-                  <a16:creationId xmlns:a16="http://schemas.microsoft.com/office/drawing/2014/main" id="{019B7293-6E46-E082-9382-D29158167CD3}"/>
+                  <a16:creationId xmlns:a16="http://schemas.microsoft.com/office/drawing/2014/main" id="{0A8AA3D1-3B63-524E-E659-F4D72AEE0474}"/>
                 </a:ext>
               </a:extLst>
             </p:cNvPr>
@@ -4468,10 +4923,10 @@
         </p:sp>
         <p:sp>
           <p:nvSpPr>
-            <p:cNvPr id="67" name="Textfeld 66">
+            <p:cNvPr id="12" name="Textfeld 11">
               <a:extLst>
                 <a:ext uri="{FF2B5EF4-FFF2-40B4-BE49-F238E27FC236}">
-                  <a16:creationId xmlns:a16="http://schemas.microsoft.com/office/drawing/2014/main" id="{4BC2DA10-F4EB-3478-7E0B-58BC38584030}"/>
+                  <a16:creationId xmlns:a16="http://schemas.microsoft.com/office/drawing/2014/main" id="{65020144-BF67-3E47-F281-96F35710C7D3}"/>
                 </a:ext>
               </a:extLst>
             </p:cNvPr>
@@ -4481,7 +4936,7 @@
           <p:spPr>
             <a:xfrm>
               <a:off x="3430856" y="3412273"/>
-              <a:ext cx="2304586" cy="2092881"/>
+              <a:ext cx="2304586" cy="1323439"/>
             </a:xfrm>
             <a:prstGeom prst="rect">
               <a:avLst/>
@@ -4496,7 +4951,7 @@
             <a:p>
               <a:pPr algn="ctr"/>
               <a:r>
-                <a:rPr lang="de-DE" sz="1600" b="1" dirty="0">
+                <a:rPr lang="de-DE" sz="1600" b="1">
                   <a:solidFill>
                     <a:schemeClr val="bg1"/>
                   </a:solidFill>
@@ -4504,27 +4959,17 @@
                   <a:latin typeface="Calibri" panose="020F0502020204030204" pitchFamily="34" charset="0"/>
                   <a:cs typeface="Calibri" panose="020F0502020204030204" pitchFamily="34" charset="0"/>
                 </a:rPr>
-                <a:t>Discuss the basics of Git: version control, branches, commits, and merges. Demonstrate how Git was utilized in our development process.</a:t>
+                <a:t>Explain Git’s basics: version control, branches, commits, and merges. Highlight its role in our workflow.</a:t>
               </a:r>
-            </a:p>
-            <a:p>
-              <a:pPr algn="ctr"/>
-              <a:endParaRPr lang="de-DE" sz="1600" b="1" dirty="0">
-                <a:solidFill>
-                  <a:schemeClr val="bg1"/>
-                </a:solidFill>
-                <a:latin typeface="Calibri" panose="020F0502020204030204" pitchFamily="34" charset="0"/>
-                <a:cs typeface="Calibri" panose="020F0502020204030204" pitchFamily="34" charset="0"/>
-              </a:endParaRPr>
             </a:p>
           </p:txBody>
         </p:sp>
         <p:sp>
           <p:nvSpPr>
-            <p:cNvPr id="68" name="Dreieck 67">
+            <p:cNvPr id="13" name="Dreieck 12">
               <a:extLst>
                 <a:ext uri="{FF2B5EF4-FFF2-40B4-BE49-F238E27FC236}">
-                  <a16:creationId xmlns:a16="http://schemas.microsoft.com/office/drawing/2014/main" id="{7B6C77CA-FE09-EB55-F612-B4605786833C}"/>
+                  <a16:creationId xmlns:a16="http://schemas.microsoft.com/office/drawing/2014/main" id="{9A3BF4D3-C456-12D6-A46E-D3A7801E68F2}"/>
                 </a:ext>
               </a:extLst>
             </p:cNvPr>
@@ -4576,10 +5021,10 @@
       </p:grpSp>
       <p:grpSp>
         <p:nvGrpSpPr>
-          <p:cNvPr id="57" name="Gruppieren 56">
-            <a:extLst>
-              <a:ext uri="{FF2B5EF4-FFF2-40B4-BE49-F238E27FC236}">
-                <a16:creationId xmlns:a16="http://schemas.microsoft.com/office/drawing/2014/main" id="{6F8C3F0B-9475-3CD3-4EBC-016C87614354}"/>
+          <p:cNvPr id="2" name="Gruppieren 1">
+            <a:extLst>
+              <a:ext uri="{FF2B5EF4-FFF2-40B4-BE49-F238E27FC236}">
+                <a16:creationId xmlns:a16="http://schemas.microsoft.com/office/drawing/2014/main" id="{D285B3EF-8EFF-AB2C-C561-A5EECF994841}"/>
               </a:ext>
             </a:extLst>
           </p:cNvPr>
@@ -4588,18 +5033,18 @@
         </p:nvGrpSpPr>
         <p:grpSpPr>
           <a:xfrm>
-            <a:off x="-2567353" y="-5576"/>
-            <a:ext cx="3657605" cy="6875299"/>
+            <a:off x="-2680763" y="0"/>
+            <a:ext cx="3657605" cy="6858000"/>
             <a:chOff x="0" y="0"/>
             <a:chExt cx="3657605" cy="6858000"/>
           </a:xfrm>
         </p:grpSpPr>
         <p:sp>
           <p:nvSpPr>
-            <p:cNvPr id="58" name="Rechteck 57">
+            <p:cNvPr id="3" name="Rechteck 2">
               <a:extLst>
                 <a:ext uri="{FF2B5EF4-FFF2-40B4-BE49-F238E27FC236}">
-                  <a16:creationId xmlns:a16="http://schemas.microsoft.com/office/drawing/2014/main" id="{C5080E7E-8FA6-F4F9-19CF-D762401DDE93}"/>
+                  <a16:creationId xmlns:a16="http://schemas.microsoft.com/office/drawing/2014/main" id="{E78A2012-9CCE-92CC-453A-95178A025CDE}"/>
                 </a:ext>
               </a:extLst>
             </p:cNvPr>
@@ -4650,10 +5095,10 @@
         </p:sp>
         <p:sp>
           <p:nvSpPr>
-            <p:cNvPr id="59" name="Textfeld 58">
+            <p:cNvPr id="4" name="Textfeld 3">
               <a:extLst>
                 <a:ext uri="{FF2B5EF4-FFF2-40B4-BE49-F238E27FC236}">
-                  <a16:creationId xmlns:a16="http://schemas.microsoft.com/office/drawing/2014/main" id="{0788FAFC-4E57-91DE-5F65-EAA9AF6EF265}"/>
+                  <a16:creationId xmlns:a16="http://schemas.microsoft.com/office/drawing/2014/main" id="{B9B9D915-09E0-5608-B65E-46719852F467}"/>
                 </a:ext>
               </a:extLst>
             </p:cNvPr>
@@ -4693,10 +5138,10 @@
         </p:sp>
         <p:sp>
           <p:nvSpPr>
-            <p:cNvPr id="60" name="Textfeld 59">
+            <p:cNvPr id="5" name="Textfeld 4">
               <a:extLst>
                 <a:ext uri="{FF2B5EF4-FFF2-40B4-BE49-F238E27FC236}">
-                  <a16:creationId xmlns:a16="http://schemas.microsoft.com/office/drawing/2014/main" id="{5324595E-B896-6C4E-B0CF-ED530D5F1F76}"/>
+                  <a16:creationId xmlns:a16="http://schemas.microsoft.com/office/drawing/2014/main" id="{EB658522-EC62-F646-6CD7-124301103E64}"/>
                 </a:ext>
               </a:extLst>
             </p:cNvPr>
@@ -4734,10 +5179,10 @@
         </p:sp>
         <p:sp>
           <p:nvSpPr>
-            <p:cNvPr id="61" name="Textfeld 60">
+            <p:cNvPr id="6" name="Textfeld 5">
               <a:extLst>
                 <a:ext uri="{FF2B5EF4-FFF2-40B4-BE49-F238E27FC236}">
-                  <a16:creationId xmlns:a16="http://schemas.microsoft.com/office/drawing/2014/main" id="{FD9A7F29-878E-533D-3341-188576127721}"/>
+                  <a16:creationId xmlns:a16="http://schemas.microsoft.com/office/drawing/2014/main" id="{D0BD9CCF-C11C-4EB1-BC9F-8A55A7EB86FF}"/>
                 </a:ext>
               </a:extLst>
             </p:cNvPr>
@@ -4747,7 +5192,7 @@
           <p:spPr>
             <a:xfrm>
               <a:off x="356836" y="3423424"/>
-              <a:ext cx="2304586" cy="1846659"/>
+              <a:ext cx="2304586" cy="830997"/>
             </a:xfrm>
             <a:prstGeom prst="rect">
               <a:avLst/>
@@ -4762,7 +5207,7 @@
             <a:p>
               <a:pPr algn="ctr"/>
               <a:r>
-                <a:rPr lang="de-DE" sz="1600" b="1" dirty="0">
+                <a:rPr lang="de-DE" sz="1600" b="1">
                   <a:solidFill>
                     <a:schemeClr val="bg1"/>
                   </a:solidFill>
@@ -4770,11 +5215,8 @@
                   <a:latin typeface="Calibri" panose="020F0502020204030204" pitchFamily="34" charset="0"/>
                   <a:cs typeface="Calibri" panose="020F0502020204030204" pitchFamily="34" charset="0"/>
                 </a:rPr>
-                <a:t>Explain the purpose of GitHub and how we used it to collaborate on our project. Showcase repositories and workflows.</a:t>
+                <a:t>Describe GitHub’s role in our project and its use for collaboration. </a:t>
               </a:r>
-            </a:p>
-            <a:p>
-              <a:pPr algn="just"/>
               <a:endParaRPr lang="de-DE" b="1" dirty="0">
                 <a:solidFill>
                   <a:schemeClr val="bg1"/>
@@ -4787,10 +5229,10 @@
         </p:sp>
         <p:sp>
           <p:nvSpPr>
-            <p:cNvPr id="62" name="Dreieck 61">
+            <p:cNvPr id="7" name="Dreieck 6">
               <a:extLst>
                 <a:ext uri="{FF2B5EF4-FFF2-40B4-BE49-F238E27FC236}">
-                  <a16:creationId xmlns:a16="http://schemas.microsoft.com/office/drawing/2014/main" id="{E240958B-7738-1691-9322-653A364266C2}"/>
+                  <a16:creationId xmlns:a16="http://schemas.microsoft.com/office/drawing/2014/main" id="{D0B82E35-28E0-C44D-243C-F5F2B741A867}"/>
                 </a:ext>
               </a:extLst>
             </p:cNvPr>
@@ -4840,36 +5282,6 @@
           </p:txBody>
         </p:sp>
       </p:grpSp>
-      <p:pic>
-        <p:nvPicPr>
-          <p:cNvPr id="49" name="Grafik 48">
-            <a:extLst>
-              <a:ext uri="{FF2B5EF4-FFF2-40B4-BE49-F238E27FC236}">
-                <a16:creationId xmlns:a16="http://schemas.microsoft.com/office/drawing/2014/main" id="{77B7DECB-9D7E-EF38-4BA8-5A2D405D084D}"/>
-              </a:ext>
-            </a:extLst>
-          </p:cNvPr>
-          <p:cNvPicPr>
-            <a:picLocks noChangeAspect="1"/>
-          </p:cNvPicPr>
-          <p:nvPr/>
-        </p:nvPicPr>
-        <p:blipFill>
-          <a:blip r:embed="rId3"/>
-          <a:stretch>
-            <a:fillRect/>
-          </a:stretch>
-        </p:blipFill>
-        <p:spPr>
-          <a:xfrm rot="457495">
-            <a:off x="10164115" y="429023"/>
-            <a:ext cx="1875716" cy="1875716"/>
-          </a:xfrm>
-          <a:prstGeom prst="rect">
-            <a:avLst/>
-          </a:prstGeom>
-        </p:spPr>
-      </p:pic>
       <p:sp>
         <p:nvSpPr>
           <p:cNvPr id="55" name="Textfeld 54">
@@ -4921,36 +5333,6 @@
           </a:p>
         </p:txBody>
       </p:sp>
-      <p:pic>
-        <p:nvPicPr>
-          <p:cNvPr id="48" name="Grafik 47">
-            <a:extLst>
-              <a:ext uri="{FF2B5EF4-FFF2-40B4-BE49-F238E27FC236}">
-                <a16:creationId xmlns:a16="http://schemas.microsoft.com/office/drawing/2014/main" id="{D6BF15E1-2372-415D-6E00-82A272B5C4B9}"/>
-              </a:ext>
-            </a:extLst>
-          </p:cNvPr>
-          <p:cNvPicPr>
-            <a:picLocks noChangeAspect="1"/>
-          </p:cNvPicPr>
-          <p:nvPr/>
-        </p:nvPicPr>
-        <p:blipFill>
-          <a:blip r:embed="rId4"/>
-          <a:stretch>
-            <a:fillRect/>
-          </a:stretch>
-        </p:blipFill>
-        <p:spPr>
-          <a:xfrm rot="227347">
-            <a:off x="9734426" y="4616946"/>
-            <a:ext cx="1868484" cy="1868484"/>
-          </a:xfrm>
-          <a:prstGeom prst="rect">
-            <a:avLst/>
-          </a:prstGeom>
-        </p:spPr>
-      </p:pic>
     </p:spTree>
     <p:extLst>
       <p:ext uri="{BB962C8B-B14F-4D97-AF65-F5344CB8AC3E}">
@@ -4961,6 +5343,2180 @@
   <p:clrMapOvr>
     <a:masterClrMapping/>
   </p:clrMapOvr>
+</p:sld>
+</file>
+
+<file path=ppt/slides/slide10.xml><?xml version="1.0" encoding="utf-8"?>
+<p:sld xmlns:a="http://schemas.openxmlformats.org/drawingml/2006/main" xmlns:r="http://schemas.openxmlformats.org/officeDocument/2006/relationships" xmlns:p="http://schemas.openxmlformats.org/presentationml/2006/main">
+  <p:cSld>
+    <p:spTree>
+      <p:nvGrpSpPr>
+        <p:cNvPr id="1" name="">
+          <a:extLst>
+            <a:ext uri="{FF2B5EF4-FFF2-40B4-BE49-F238E27FC236}">
+              <a16:creationId xmlns:a16="http://schemas.microsoft.com/office/drawing/2014/main" id="{D9BD0B60-D1E0-B0D9-08CC-436C53F4C368}"/>
+            </a:ext>
+          </a:extLst>
+        </p:cNvPr>
+        <p:cNvGrpSpPr/>
+        <p:nvPr/>
+      </p:nvGrpSpPr>
+      <p:grpSpPr>
+        <a:xfrm>
+          <a:off x="0" y="0"/>
+          <a:ext cx="0" cy="0"/>
+          <a:chOff x="0" y="0"/>
+          <a:chExt cx="0" cy="0"/>
+        </a:xfrm>
+      </p:grpSpPr>
+      <p:sp>
+        <p:nvSpPr>
+          <p:cNvPr id="18" name="Oval 17">
+            <a:extLst>
+              <a:ext uri="{FF2B5EF4-FFF2-40B4-BE49-F238E27FC236}">
+                <a16:creationId xmlns:a16="http://schemas.microsoft.com/office/drawing/2014/main" id="{CE76371A-7937-5DB4-6349-4E82B5AFB97D}"/>
+              </a:ext>
+            </a:extLst>
+          </p:cNvPr>
+          <p:cNvSpPr/>
+          <p:nvPr/>
+        </p:nvSpPr>
+        <p:spPr>
+          <a:xfrm>
+            <a:off x="11324030" y="1848639"/>
+            <a:ext cx="1080000" cy="1080000"/>
+          </a:xfrm>
+          <a:prstGeom prst="ellipse">
+            <a:avLst/>
+          </a:prstGeom>
+          <a:solidFill>
+            <a:schemeClr val="accent1">
+              <a:lumMod val="75000"/>
+            </a:schemeClr>
+          </a:solidFill>
+          <a:ln w="76200">
+            <a:noFill/>
+          </a:ln>
+        </p:spPr>
+        <p:style>
+          <a:lnRef idx="2">
+            <a:schemeClr val="accent1">
+              <a:shade val="15000"/>
+            </a:schemeClr>
+          </a:lnRef>
+          <a:fillRef idx="1">
+            <a:schemeClr val="accent1"/>
+          </a:fillRef>
+          <a:effectRef idx="0">
+            <a:schemeClr val="accent1"/>
+          </a:effectRef>
+          <a:fontRef idx="minor">
+            <a:schemeClr val="lt1"/>
+          </a:fontRef>
+        </p:style>
+        <p:txBody>
+          <a:bodyPr rtlCol="0" anchor="ctr"/>
+          <a:lstStyle/>
+          <a:p>
+            <a:pPr algn="ctr"/>
+            <a:r>
+              <a:rPr lang="de-DE" sz="5000" b="1" dirty="0">
+                <a:latin typeface="Perpetua Titling MT" panose="02020502060505020804" pitchFamily="18" charset="77"/>
+              </a:rPr>
+              <a:t>2</a:t>
+            </a:r>
+          </a:p>
+        </p:txBody>
+      </p:sp>
+      <p:sp>
+        <p:nvSpPr>
+          <p:cNvPr id="17" name="Oval 16">
+            <a:extLst>
+              <a:ext uri="{FF2B5EF4-FFF2-40B4-BE49-F238E27FC236}">
+                <a16:creationId xmlns:a16="http://schemas.microsoft.com/office/drawing/2014/main" id="{3C83E18A-112A-DD4C-86FC-A52A7C62EE6E}"/>
+              </a:ext>
+            </a:extLst>
+          </p:cNvPr>
+          <p:cNvSpPr/>
+          <p:nvPr/>
+        </p:nvSpPr>
+        <p:spPr>
+          <a:xfrm>
+            <a:off x="11324030" y="928932"/>
+            <a:ext cx="1080000" cy="1080000"/>
+          </a:xfrm>
+          <a:prstGeom prst="ellipse">
+            <a:avLst/>
+          </a:prstGeom>
+          <a:solidFill>
+            <a:schemeClr val="accent1">
+              <a:lumMod val="50000"/>
+            </a:schemeClr>
+          </a:solidFill>
+          <a:ln w="76200">
+            <a:noFill/>
+          </a:ln>
+        </p:spPr>
+        <p:style>
+          <a:lnRef idx="2">
+            <a:schemeClr val="accent1">
+              <a:shade val="15000"/>
+            </a:schemeClr>
+          </a:lnRef>
+          <a:fillRef idx="1">
+            <a:schemeClr val="accent1"/>
+          </a:fillRef>
+          <a:effectRef idx="0">
+            <a:schemeClr val="accent1"/>
+          </a:effectRef>
+          <a:fontRef idx="minor">
+            <a:schemeClr val="lt1"/>
+          </a:fontRef>
+        </p:style>
+        <p:txBody>
+          <a:bodyPr rtlCol="0" anchor="ctr"/>
+          <a:lstStyle/>
+          <a:p>
+            <a:pPr algn="ctr"/>
+            <a:r>
+              <a:rPr lang="de-DE" sz="5000" b="1" dirty="0">
+                <a:latin typeface="Perpetua Titling MT" panose="02020502060505020804" pitchFamily="18" charset="77"/>
+              </a:rPr>
+              <a:t>1</a:t>
+            </a:r>
+          </a:p>
+        </p:txBody>
+      </p:sp>
+      <p:sp>
+        <p:nvSpPr>
+          <p:cNvPr id="20" name="Oval 19">
+            <a:extLst>
+              <a:ext uri="{FF2B5EF4-FFF2-40B4-BE49-F238E27FC236}">
+                <a16:creationId xmlns:a16="http://schemas.microsoft.com/office/drawing/2014/main" id="{442A168E-A81C-EC5E-2810-AE849808DE0F}"/>
+              </a:ext>
+            </a:extLst>
+          </p:cNvPr>
+          <p:cNvSpPr/>
+          <p:nvPr/>
+        </p:nvSpPr>
+        <p:spPr>
+          <a:xfrm>
+            <a:off x="11324030" y="4126566"/>
+            <a:ext cx="1080000" cy="1080000"/>
+          </a:xfrm>
+          <a:prstGeom prst="ellipse">
+            <a:avLst/>
+          </a:prstGeom>
+          <a:solidFill>
+            <a:schemeClr val="accent1">
+              <a:lumMod val="40000"/>
+              <a:lumOff val="60000"/>
+            </a:schemeClr>
+          </a:solidFill>
+          <a:ln>
+            <a:noFill/>
+          </a:ln>
+        </p:spPr>
+        <p:style>
+          <a:lnRef idx="2">
+            <a:schemeClr val="accent1">
+              <a:shade val="15000"/>
+            </a:schemeClr>
+          </a:lnRef>
+          <a:fillRef idx="1">
+            <a:schemeClr val="accent1"/>
+          </a:fillRef>
+          <a:effectRef idx="0">
+            <a:schemeClr val="accent1"/>
+          </a:effectRef>
+          <a:fontRef idx="minor">
+            <a:schemeClr val="lt1"/>
+          </a:fontRef>
+        </p:style>
+        <p:txBody>
+          <a:bodyPr rtlCol="0" anchor="ctr"/>
+          <a:lstStyle/>
+          <a:p>
+            <a:pPr algn="ctr"/>
+            <a:r>
+              <a:rPr lang="de-DE" sz="5000" b="1" dirty="0">
+                <a:latin typeface="Perpetua Titling MT" panose="02020502060505020804" pitchFamily="18" charset="77"/>
+              </a:rPr>
+              <a:t>4</a:t>
+            </a:r>
+          </a:p>
+        </p:txBody>
+      </p:sp>
+      <p:sp>
+        <p:nvSpPr>
+          <p:cNvPr id="19" name="Oval 18">
+            <a:extLst>
+              <a:ext uri="{FF2B5EF4-FFF2-40B4-BE49-F238E27FC236}">
+                <a16:creationId xmlns:a16="http://schemas.microsoft.com/office/drawing/2014/main" id="{C9DBE518-EF9A-EE57-8C3D-E81A9E22646A}"/>
+              </a:ext>
+            </a:extLst>
+          </p:cNvPr>
+          <p:cNvSpPr/>
+          <p:nvPr/>
+        </p:nvSpPr>
+        <p:spPr>
+          <a:xfrm>
+            <a:off x="10917138" y="2742918"/>
+            <a:ext cx="1800000" cy="1800000"/>
+          </a:xfrm>
+          <a:prstGeom prst="ellipse">
+            <a:avLst/>
+          </a:prstGeom>
+          <a:solidFill>
+            <a:schemeClr val="accent1">
+              <a:lumMod val="60000"/>
+              <a:lumOff val="40000"/>
+            </a:schemeClr>
+          </a:solidFill>
+          <a:ln w="76200">
+            <a:solidFill>
+              <a:srgbClr val="FF0000"/>
+            </a:solidFill>
+          </a:ln>
+        </p:spPr>
+        <p:style>
+          <a:lnRef idx="2">
+            <a:schemeClr val="accent1">
+              <a:shade val="15000"/>
+            </a:schemeClr>
+          </a:lnRef>
+          <a:fillRef idx="1">
+            <a:schemeClr val="accent1"/>
+          </a:fillRef>
+          <a:effectRef idx="0">
+            <a:schemeClr val="accent1"/>
+          </a:effectRef>
+          <a:fontRef idx="minor">
+            <a:schemeClr val="lt1"/>
+          </a:fontRef>
+        </p:style>
+        <p:txBody>
+          <a:bodyPr rtlCol="0" anchor="ctr"/>
+          <a:lstStyle/>
+          <a:p>
+            <a:pPr algn="ctr"/>
+            <a:r>
+              <a:rPr lang="de-DE" sz="12000" b="1" dirty="0">
+                <a:latin typeface="Perpetua Titling MT" panose="02020502060505020804" pitchFamily="18" charset="77"/>
+              </a:rPr>
+              <a:t>3</a:t>
+            </a:r>
+            <a:endParaRPr lang="de-DE" sz="12000" dirty="0"/>
+          </a:p>
+        </p:txBody>
+      </p:sp>
+      <p:sp>
+        <p:nvSpPr>
+          <p:cNvPr id="21" name="Textfeld 20">
+            <a:extLst>
+              <a:ext uri="{FF2B5EF4-FFF2-40B4-BE49-F238E27FC236}">
+                <a16:creationId xmlns:a16="http://schemas.microsoft.com/office/drawing/2014/main" id="{AA7F3892-39E8-7BEA-BC0F-2FBEE84D04BB}"/>
+              </a:ext>
+            </a:extLst>
+          </p:cNvPr>
+          <p:cNvSpPr txBox="1"/>
+          <p:nvPr/>
+        </p:nvSpPr>
+        <p:spPr>
+          <a:xfrm>
+            <a:off x="1545682" y="152401"/>
+            <a:ext cx="9100637" cy="1938992"/>
+          </a:xfrm>
+          <a:prstGeom prst="rect">
+            <a:avLst/>
+          </a:prstGeom>
+          <a:noFill/>
+        </p:spPr>
+        <p:txBody>
+          <a:bodyPr wrap="square" rtlCol="0">
+            <a:spAutoFit/>
+          </a:bodyPr>
+          <a:lstStyle/>
+          <a:p>
+            <a:pPr algn="ctr"/>
+            <a:r>
+              <a:rPr lang="de-DE" sz="6000" b="1" dirty="0">
+                <a:solidFill>
+                  <a:schemeClr val="bg1"/>
+                </a:solidFill>
+                <a:latin typeface="Perpetua" panose="02020502060401020303" pitchFamily="18" charset="77"/>
+              </a:rPr>
+              <a:t>Data and GitHub Setup</a:t>
+            </a:r>
+          </a:p>
+          <a:p>
+            <a:pPr algn="ctr"/>
+            <a:endParaRPr lang="de-DE" sz="6000" b="1" dirty="0">
+              <a:solidFill>
+                <a:schemeClr val="bg1"/>
+              </a:solidFill>
+              <a:latin typeface="Perpetua" panose="02020502060401020303" pitchFamily="18" charset="77"/>
+            </a:endParaRPr>
+          </a:p>
+        </p:txBody>
+      </p:sp>
+      <p:pic>
+        <p:nvPicPr>
+          <p:cNvPr id="4" name="Grafik 3">
+            <a:extLst>
+              <a:ext uri="{FF2B5EF4-FFF2-40B4-BE49-F238E27FC236}">
+                <a16:creationId xmlns:a16="http://schemas.microsoft.com/office/drawing/2014/main" id="{000FE3D7-784F-498B-C847-5000409DF12C}"/>
+              </a:ext>
+            </a:extLst>
+          </p:cNvPr>
+          <p:cNvPicPr>
+            <a:picLocks noChangeAspect="1"/>
+          </p:cNvPicPr>
+          <p:nvPr/>
+        </p:nvPicPr>
+        <p:blipFill>
+          <a:blip r:embed="rId2"/>
+          <a:stretch>
+            <a:fillRect/>
+          </a:stretch>
+        </p:blipFill>
+        <p:spPr>
+          <a:xfrm rot="360440">
+            <a:off x="385157" y="238157"/>
+            <a:ext cx="1443674" cy="1443674"/>
+          </a:xfrm>
+          <a:prstGeom prst="rect">
+            <a:avLst/>
+          </a:prstGeom>
+        </p:spPr>
+      </p:pic>
+      <p:sp>
+        <p:nvSpPr>
+          <p:cNvPr id="2" name="Textfeld 1">
+            <a:extLst>
+              <a:ext uri="{FF2B5EF4-FFF2-40B4-BE49-F238E27FC236}">
+                <a16:creationId xmlns:a16="http://schemas.microsoft.com/office/drawing/2014/main" id="{CD349740-2391-A041-4D18-C2FCF2628682}"/>
+              </a:ext>
+            </a:extLst>
+          </p:cNvPr>
+          <p:cNvSpPr txBox="1"/>
+          <p:nvPr/>
+        </p:nvSpPr>
+        <p:spPr>
+          <a:xfrm>
+            <a:off x="2770766" y="1337050"/>
+            <a:ext cx="6650468" cy="5078313"/>
+          </a:xfrm>
+          <a:prstGeom prst="rect">
+            <a:avLst/>
+          </a:prstGeom>
+          <a:noFill/>
+        </p:spPr>
+        <p:txBody>
+          <a:bodyPr wrap="square" rtlCol="0">
+            <a:spAutoFit/>
+          </a:bodyPr>
+          <a:lstStyle/>
+          <a:p>
+            <a:pPr marL="342900" indent="-342900">
+              <a:buAutoNum type="arabicPeriod"/>
+            </a:pPr>
+            <a:r>
+              <a:rPr lang="de-DE" sz="3600" b="1">
+                <a:solidFill>
+                  <a:schemeClr val="bg1"/>
+                </a:solidFill>
+                <a:latin typeface="Perpetua" panose="02020502060401020303" pitchFamily="18" charset="77"/>
+              </a:rPr>
+              <a:t>Data Collection</a:t>
+            </a:r>
+          </a:p>
+          <a:p>
+            <a:pPr marL="285750" indent="-285750">
+              <a:buFont typeface="Wingdings" pitchFamily="2" charset="2"/>
+              <a:buChar char="Ø"/>
+            </a:pPr>
+            <a:r>
+              <a:rPr lang="de-DE" sz="3600" b="1">
+                <a:solidFill>
+                  <a:schemeClr val="bg1"/>
+                </a:solidFill>
+                <a:latin typeface="Perpetua" panose="02020502060401020303" pitchFamily="18" charset="77"/>
+              </a:rPr>
+              <a:t> Searched datasets from </a:t>
+            </a:r>
+            <a:r>
+              <a:rPr lang="de-DE" sz="2400" u="sng">
+                <a:solidFill>
+                  <a:srgbClr val="0563C1"/>
+                </a:solidFill>
+                <a:latin typeface="Verdana" panose="020B0604030504040204" pitchFamily="34" charset="0"/>
+                <a:ea typeface="Verdana" panose="020B0604030504040204" pitchFamily="34" charset="0"/>
+                <a:cs typeface="Verdana" panose="020B0604030504040204" pitchFamily="34" charset="0"/>
+                <a:hlinkClick r:id="rId3"/>
+              </a:rPr>
+              <a:t>kaggle.com</a:t>
+            </a:r>
+            <a:endParaRPr lang="de-DE" sz="2400" u="sng">
+              <a:solidFill>
+                <a:srgbClr val="0563C1"/>
+              </a:solidFill>
+              <a:latin typeface="Verdana" panose="020B0604030504040204" pitchFamily="34" charset="0"/>
+              <a:ea typeface="Verdana" panose="020B0604030504040204" pitchFamily="34" charset="0"/>
+              <a:cs typeface="Verdana" panose="020B0604030504040204" pitchFamily="34" charset="0"/>
+            </a:endParaRPr>
+          </a:p>
+          <a:p>
+            <a:pPr marL="285750" indent="-285750">
+              <a:buFont typeface="Wingdings" pitchFamily="2" charset="2"/>
+              <a:buChar char="Ø"/>
+            </a:pPr>
+            <a:r>
+              <a:rPr lang="de-DE" sz="3600" b="1">
+                <a:solidFill>
+                  <a:schemeClr val="bg1"/>
+                </a:solidFill>
+                <a:latin typeface="Perpetua" panose="02020502060401020303" pitchFamily="18" charset="77"/>
+                <a:ea typeface="Verdana" panose="020B0604030504040204" pitchFamily="34" charset="0"/>
+                <a:cs typeface="Verdana" panose="020B0604030504040204" pitchFamily="34" charset="0"/>
+              </a:rPr>
+              <a:t> Downloaded CSV files matching our project theme</a:t>
+            </a:r>
+          </a:p>
+          <a:p>
+            <a:endParaRPr lang="de-DE" sz="3600" u="sng">
+              <a:solidFill>
+                <a:srgbClr val="0563C1"/>
+              </a:solidFill>
+              <a:latin typeface="Verdana" panose="020B0604030504040204" pitchFamily="34" charset="0"/>
+              <a:ea typeface="Verdana" panose="020B0604030504040204" pitchFamily="34" charset="0"/>
+              <a:cs typeface="Verdana" panose="020B0604030504040204" pitchFamily="34" charset="0"/>
+            </a:endParaRPr>
+          </a:p>
+          <a:p>
+            <a:pPr marL="514350" indent="-514350">
+              <a:buFont typeface="+mj-lt"/>
+              <a:buAutoNum type="arabicPeriod" startAt="2"/>
+            </a:pPr>
+            <a:r>
+              <a:rPr lang="de-DE" sz="3600" b="1">
+                <a:solidFill>
+                  <a:schemeClr val="bg1"/>
+                </a:solidFill>
+                <a:latin typeface="Perpetua" panose="02020502060401020303" pitchFamily="18" charset="77"/>
+                <a:ea typeface="Verdana" panose="020B0604030504040204" pitchFamily="34" charset="0"/>
+                <a:cs typeface="Verdana" panose="020B0604030504040204" pitchFamily="34" charset="0"/>
+              </a:rPr>
+              <a:t>GitHub Setup</a:t>
+            </a:r>
+          </a:p>
+          <a:p>
+            <a:pPr marL="457200" indent="-457200">
+              <a:buFont typeface="Wingdings" pitchFamily="2" charset="2"/>
+              <a:buChar char="Ø"/>
+            </a:pPr>
+            <a:r>
+              <a:rPr lang="de-DE" sz="3600" b="1">
+                <a:solidFill>
+                  <a:schemeClr val="bg1"/>
+                </a:solidFill>
+                <a:latin typeface="Perpetua" panose="02020502060401020303" pitchFamily="18" charset="77"/>
+                <a:ea typeface="Verdana" panose="020B0604030504040204" pitchFamily="34" charset="0"/>
+                <a:cs typeface="Verdana" panose="020B0604030504040204" pitchFamily="34" charset="0"/>
+              </a:rPr>
+              <a:t>Created Repository</a:t>
+            </a:r>
+          </a:p>
+          <a:p>
+            <a:pPr marL="457200" indent="-457200">
+              <a:buFont typeface="Wingdings" pitchFamily="2" charset="2"/>
+              <a:buChar char="Ø"/>
+            </a:pPr>
+            <a:r>
+              <a:rPr lang="de-DE" sz="3600" b="1">
+                <a:solidFill>
+                  <a:schemeClr val="bg1"/>
+                </a:solidFill>
+                <a:latin typeface="Perpetua" panose="02020502060401020303" pitchFamily="18" charset="77"/>
+                <a:ea typeface="Verdana" panose="020B0604030504040204" pitchFamily="34" charset="0"/>
+                <a:cs typeface="Verdana" panose="020B0604030504040204" pitchFamily="34" charset="0"/>
+              </a:rPr>
+              <a:t>Imported CSV files to GitHub</a:t>
+            </a:r>
+          </a:p>
+        </p:txBody>
+      </p:sp>
+    </p:spTree>
+    <p:extLst>
+      <p:ext uri="{BB962C8B-B14F-4D97-AF65-F5344CB8AC3E}">
+        <p14:creationId xmlns:p14="http://schemas.microsoft.com/office/powerpoint/2010/main" val="728878829"/>
+      </p:ext>
+    </p:extLst>
+  </p:cSld>
+  <p:clrMapOvr>
+    <a:masterClrMapping/>
+  </p:clrMapOvr>
+  <mc:AlternateContent xmlns:mc="http://schemas.openxmlformats.org/markup-compatibility/2006">
+    <mc:Choice xmlns:p159="http://schemas.microsoft.com/office/powerpoint/2015/09/main" Requires="p159">
+      <p:transition>
+        <p159:morph option="byObject"/>
+      </p:transition>
+    </mc:Choice>
+    <mc:Fallback>
+      <p:transition>
+        <p:fade/>
+      </p:transition>
+    </mc:Fallback>
+  </mc:AlternateContent>
+</p:sld>
+</file>
+
+<file path=ppt/slides/slide11.xml><?xml version="1.0" encoding="utf-8"?>
+<p:sld xmlns:a="http://schemas.openxmlformats.org/drawingml/2006/main" xmlns:r="http://schemas.openxmlformats.org/officeDocument/2006/relationships" xmlns:p="http://schemas.openxmlformats.org/presentationml/2006/main">
+  <p:cSld>
+    <p:spTree>
+      <p:nvGrpSpPr>
+        <p:cNvPr id="1" name="">
+          <a:extLst>
+            <a:ext uri="{FF2B5EF4-FFF2-40B4-BE49-F238E27FC236}">
+              <a16:creationId xmlns:a16="http://schemas.microsoft.com/office/drawing/2014/main" id="{8779670C-5134-EDA4-4295-6C427A83CD25}"/>
+            </a:ext>
+          </a:extLst>
+        </p:cNvPr>
+        <p:cNvGrpSpPr/>
+        <p:nvPr/>
+      </p:nvGrpSpPr>
+      <p:grpSpPr>
+        <a:xfrm>
+          <a:off x="0" y="0"/>
+          <a:ext cx="0" cy="0"/>
+          <a:chOff x="0" y="0"/>
+          <a:chExt cx="0" cy="0"/>
+        </a:xfrm>
+      </p:grpSpPr>
+      <p:sp>
+        <p:nvSpPr>
+          <p:cNvPr id="18" name="Oval 17">
+            <a:extLst>
+              <a:ext uri="{FF2B5EF4-FFF2-40B4-BE49-F238E27FC236}">
+                <a16:creationId xmlns:a16="http://schemas.microsoft.com/office/drawing/2014/main" id="{DB9833E7-3703-0F34-EB22-129AF6DFE714}"/>
+              </a:ext>
+            </a:extLst>
+          </p:cNvPr>
+          <p:cNvSpPr/>
+          <p:nvPr/>
+        </p:nvSpPr>
+        <p:spPr>
+          <a:xfrm>
+            <a:off x="11324030" y="1848639"/>
+            <a:ext cx="1080000" cy="1080000"/>
+          </a:xfrm>
+          <a:prstGeom prst="ellipse">
+            <a:avLst/>
+          </a:prstGeom>
+          <a:solidFill>
+            <a:schemeClr val="accent1">
+              <a:lumMod val="75000"/>
+            </a:schemeClr>
+          </a:solidFill>
+          <a:ln w="76200">
+            <a:noFill/>
+          </a:ln>
+        </p:spPr>
+        <p:style>
+          <a:lnRef idx="2">
+            <a:schemeClr val="accent1">
+              <a:shade val="15000"/>
+            </a:schemeClr>
+          </a:lnRef>
+          <a:fillRef idx="1">
+            <a:schemeClr val="accent1"/>
+          </a:fillRef>
+          <a:effectRef idx="0">
+            <a:schemeClr val="accent1"/>
+          </a:effectRef>
+          <a:fontRef idx="minor">
+            <a:schemeClr val="lt1"/>
+          </a:fontRef>
+        </p:style>
+        <p:txBody>
+          <a:bodyPr rtlCol="0" anchor="ctr"/>
+          <a:lstStyle/>
+          <a:p>
+            <a:pPr algn="ctr"/>
+            <a:r>
+              <a:rPr lang="de-DE" sz="5000" b="1" dirty="0">
+                <a:latin typeface="Perpetua Titling MT" panose="02020502060505020804" pitchFamily="18" charset="77"/>
+              </a:rPr>
+              <a:t>2</a:t>
+            </a:r>
+          </a:p>
+        </p:txBody>
+      </p:sp>
+      <p:sp>
+        <p:nvSpPr>
+          <p:cNvPr id="17" name="Oval 16">
+            <a:extLst>
+              <a:ext uri="{FF2B5EF4-FFF2-40B4-BE49-F238E27FC236}">
+                <a16:creationId xmlns:a16="http://schemas.microsoft.com/office/drawing/2014/main" id="{343872B9-8F36-9C97-70BF-96D67F003A99}"/>
+              </a:ext>
+            </a:extLst>
+          </p:cNvPr>
+          <p:cNvSpPr/>
+          <p:nvPr/>
+        </p:nvSpPr>
+        <p:spPr>
+          <a:xfrm>
+            <a:off x="11324030" y="928932"/>
+            <a:ext cx="1080000" cy="1080000"/>
+          </a:xfrm>
+          <a:prstGeom prst="ellipse">
+            <a:avLst/>
+          </a:prstGeom>
+          <a:solidFill>
+            <a:schemeClr val="accent1">
+              <a:lumMod val="50000"/>
+            </a:schemeClr>
+          </a:solidFill>
+          <a:ln w="76200">
+            <a:noFill/>
+          </a:ln>
+        </p:spPr>
+        <p:style>
+          <a:lnRef idx="2">
+            <a:schemeClr val="accent1">
+              <a:shade val="15000"/>
+            </a:schemeClr>
+          </a:lnRef>
+          <a:fillRef idx="1">
+            <a:schemeClr val="accent1"/>
+          </a:fillRef>
+          <a:effectRef idx="0">
+            <a:schemeClr val="accent1"/>
+          </a:effectRef>
+          <a:fontRef idx="minor">
+            <a:schemeClr val="lt1"/>
+          </a:fontRef>
+        </p:style>
+        <p:txBody>
+          <a:bodyPr rtlCol="0" anchor="ctr"/>
+          <a:lstStyle/>
+          <a:p>
+            <a:pPr algn="ctr"/>
+            <a:r>
+              <a:rPr lang="de-DE" sz="5000" b="1" dirty="0">
+                <a:latin typeface="Perpetua Titling MT" panose="02020502060505020804" pitchFamily="18" charset="77"/>
+              </a:rPr>
+              <a:t>1</a:t>
+            </a:r>
+          </a:p>
+        </p:txBody>
+      </p:sp>
+      <p:sp>
+        <p:nvSpPr>
+          <p:cNvPr id="20" name="Oval 19">
+            <a:extLst>
+              <a:ext uri="{FF2B5EF4-FFF2-40B4-BE49-F238E27FC236}">
+                <a16:creationId xmlns:a16="http://schemas.microsoft.com/office/drawing/2014/main" id="{625DE862-8715-A724-4B79-4770507DF70A}"/>
+              </a:ext>
+            </a:extLst>
+          </p:cNvPr>
+          <p:cNvSpPr/>
+          <p:nvPr/>
+        </p:nvSpPr>
+        <p:spPr>
+          <a:xfrm>
+            <a:off x="11324030" y="4126566"/>
+            <a:ext cx="1080000" cy="1080000"/>
+          </a:xfrm>
+          <a:prstGeom prst="ellipse">
+            <a:avLst/>
+          </a:prstGeom>
+          <a:solidFill>
+            <a:schemeClr val="accent1">
+              <a:lumMod val="40000"/>
+              <a:lumOff val="60000"/>
+            </a:schemeClr>
+          </a:solidFill>
+          <a:ln>
+            <a:noFill/>
+          </a:ln>
+        </p:spPr>
+        <p:style>
+          <a:lnRef idx="2">
+            <a:schemeClr val="accent1">
+              <a:shade val="15000"/>
+            </a:schemeClr>
+          </a:lnRef>
+          <a:fillRef idx="1">
+            <a:schemeClr val="accent1"/>
+          </a:fillRef>
+          <a:effectRef idx="0">
+            <a:schemeClr val="accent1"/>
+          </a:effectRef>
+          <a:fontRef idx="minor">
+            <a:schemeClr val="lt1"/>
+          </a:fontRef>
+        </p:style>
+        <p:txBody>
+          <a:bodyPr rtlCol="0" anchor="ctr"/>
+          <a:lstStyle/>
+          <a:p>
+            <a:pPr algn="ctr"/>
+            <a:r>
+              <a:rPr lang="de-DE" sz="5000" b="1" dirty="0">
+                <a:latin typeface="Perpetua Titling MT" panose="02020502060505020804" pitchFamily="18" charset="77"/>
+              </a:rPr>
+              <a:t>4</a:t>
+            </a:r>
+          </a:p>
+        </p:txBody>
+      </p:sp>
+      <p:sp>
+        <p:nvSpPr>
+          <p:cNvPr id="19" name="Oval 18">
+            <a:extLst>
+              <a:ext uri="{FF2B5EF4-FFF2-40B4-BE49-F238E27FC236}">
+                <a16:creationId xmlns:a16="http://schemas.microsoft.com/office/drawing/2014/main" id="{34E01B70-56FD-7C11-ABB7-491D0F639839}"/>
+              </a:ext>
+            </a:extLst>
+          </p:cNvPr>
+          <p:cNvSpPr/>
+          <p:nvPr/>
+        </p:nvSpPr>
+        <p:spPr>
+          <a:xfrm>
+            <a:off x="10917138" y="2742918"/>
+            <a:ext cx="1800000" cy="1800000"/>
+          </a:xfrm>
+          <a:prstGeom prst="ellipse">
+            <a:avLst/>
+          </a:prstGeom>
+          <a:solidFill>
+            <a:schemeClr val="accent1">
+              <a:lumMod val="60000"/>
+              <a:lumOff val="40000"/>
+            </a:schemeClr>
+          </a:solidFill>
+          <a:ln w="76200">
+            <a:solidFill>
+              <a:srgbClr val="FF0000"/>
+            </a:solidFill>
+          </a:ln>
+        </p:spPr>
+        <p:style>
+          <a:lnRef idx="2">
+            <a:schemeClr val="accent1">
+              <a:shade val="15000"/>
+            </a:schemeClr>
+          </a:lnRef>
+          <a:fillRef idx="1">
+            <a:schemeClr val="accent1"/>
+          </a:fillRef>
+          <a:effectRef idx="0">
+            <a:schemeClr val="accent1"/>
+          </a:effectRef>
+          <a:fontRef idx="minor">
+            <a:schemeClr val="lt1"/>
+          </a:fontRef>
+        </p:style>
+        <p:txBody>
+          <a:bodyPr rtlCol="0" anchor="ctr"/>
+          <a:lstStyle/>
+          <a:p>
+            <a:pPr algn="ctr"/>
+            <a:r>
+              <a:rPr lang="de-DE" sz="12000" b="1" dirty="0">
+                <a:latin typeface="Perpetua Titling MT" panose="02020502060505020804" pitchFamily="18" charset="77"/>
+              </a:rPr>
+              <a:t>3</a:t>
+            </a:r>
+            <a:endParaRPr lang="de-DE" sz="12000" dirty="0"/>
+          </a:p>
+        </p:txBody>
+      </p:sp>
+      <p:sp>
+        <p:nvSpPr>
+          <p:cNvPr id="21" name="Textfeld 20">
+            <a:extLst>
+              <a:ext uri="{FF2B5EF4-FFF2-40B4-BE49-F238E27FC236}">
+                <a16:creationId xmlns:a16="http://schemas.microsoft.com/office/drawing/2014/main" id="{46BA6276-676E-5073-01F4-A41CE37C36BA}"/>
+              </a:ext>
+            </a:extLst>
+          </p:cNvPr>
+          <p:cNvSpPr txBox="1"/>
+          <p:nvPr/>
+        </p:nvSpPr>
+        <p:spPr>
+          <a:xfrm>
+            <a:off x="1545682" y="152401"/>
+            <a:ext cx="9100637" cy="1015663"/>
+          </a:xfrm>
+          <a:prstGeom prst="rect">
+            <a:avLst/>
+          </a:prstGeom>
+          <a:noFill/>
+        </p:spPr>
+        <p:txBody>
+          <a:bodyPr wrap="square" rtlCol="0">
+            <a:spAutoFit/>
+          </a:bodyPr>
+          <a:lstStyle/>
+          <a:p>
+            <a:pPr algn="ctr"/>
+            <a:r>
+              <a:rPr lang="de-DE" sz="6000" b="1" dirty="0">
+                <a:solidFill>
+                  <a:schemeClr val="bg1"/>
+                </a:solidFill>
+                <a:latin typeface="Perpetua" panose="02020502060401020303" pitchFamily="18" charset="77"/>
+              </a:rPr>
+              <a:t>UML Design</a:t>
+            </a:r>
+          </a:p>
+        </p:txBody>
+      </p:sp>
+      <p:pic>
+        <p:nvPicPr>
+          <p:cNvPr id="4" name="Grafik 3">
+            <a:extLst>
+              <a:ext uri="{FF2B5EF4-FFF2-40B4-BE49-F238E27FC236}">
+                <a16:creationId xmlns:a16="http://schemas.microsoft.com/office/drawing/2014/main" id="{ACB91FA9-8931-F7B3-C937-B4264DE75785}"/>
+              </a:ext>
+            </a:extLst>
+          </p:cNvPr>
+          <p:cNvPicPr>
+            <a:picLocks noChangeAspect="1"/>
+          </p:cNvPicPr>
+          <p:nvPr/>
+        </p:nvPicPr>
+        <p:blipFill>
+          <a:blip r:embed="rId2"/>
+          <a:stretch>
+            <a:fillRect/>
+          </a:stretch>
+        </p:blipFill>
+        <p:spPr>
+          <a:xfrm rot="360440">
+            <a:off x="385157" y="238157"/>
+            <a:ext cx="1443674" cy="1443674"/>
+          </a:xfrm>
+          <a:prstGeom prst="rect">
+            <a:avLst/>
+          </a:prstGeom>
+        </p:spPr>
+      </p:pic>
+      <p:sp>
+        <p:nvSpPr>
+          <p:cNvPr id="3" name="Textfeld 2">
+            <a:extLst>
+              <a:ext uri="{FF2B5EF4-FFF2-40B4-BE49-F238E27FC236}">
+                <a16:creationId xmlns:a16="http://schemas.microsoft.com/office/drawing/2014/main" id="{16727F0F-A09C-3556-A8D3-E2697ABE898D}"/>
+              </a:ext>
+            </a:extLst>
+          </p:cNvPr>
+          <p:cNvSpPr txBox="1"/>
+          <p:nvPr/>
+        </p:nvSpPr>
+        <p:spPr>
+          <a:xfrm>
+            <a:off x="1059618" y="2008932"/>
+            <a:ext cx="10072763" cy="2169825"/>
+          </a:xfrm>
+          <a:prstGeom prst="rect">
+            <a:avLst/>
+          </a:prstGeom>
+          <a:noFill/>
+        </p:spPr>
+        <p:txBody>
+          <a:bodyPr wrap="square" rtlCol="0">
+            <a:spAutoFit/>
+          </a:bodyPr>
+          <a:lstStyle/>
+          <a:p>
+            <a:pPr marL="571500" indent="-571500" algn="ctr">
+              <a:spcBef>
+                <a:spcPts val="900"/>
+              </a:spcBef>
+              <a:buFont typeface="Wingdings" pitchFamily="2" charset="2"/>
+              <a:buChar char="Ø"/>
+            </a:pPr>
+            <a:r>
+              <a:rPr lang="de-DE" sz="4000" b="1">
+                <a:solidFill>
+                  <a:schemeClr val="bg1"/>
+                </a:solidFill>
+                <a:effectLst/>
+                <a:latin typeface="Perpetua" panose="02020502060401020303" pitchFamily="18" charset="77"/>
+              </a:rPr>
+              <a:t>Visualized structure and connection</a:t>
+            </a:r>
+          </a:p>
+          <a:p>
+            <a:pPr marL="571500" indent="-571500" algn="ctr">
+              <a:spcBef>
+                <a:spcPts val="900"/>
+              </a:spcBef>
+              <a:buFont typeface="Wingdings" pitchFamily="2" charset="2"/>
+              <a:buChar char="Ø"/>
+            </a:pPr>
+            <a:r>
+              <a:rPr lang="de-DE" sz="4000" b="1">
+                <a:solidFill>
+                  <a:schemeClr val="bg1"/>
+                </a:solidFill>
+                <a:effectLst/>
+                <a:latin typeface="Perpetua" panose="02020502060401020303" pitchFamily="18" charset="77"/>
+              </a:rPr>
+              <a:t>Planned relationships</a:t>
+            </a:r>
+          </a:p>
+          <a:p>
+            <a:pPr marL="571500" indent="-571500" algn="ctr">
+              <a:spcBef>
+                <a:spcPts val="900"/>
+              </a:spcBef>
+              <a:buFont typeface="Wingdings" pitchFamily="2" charset="2"/>
+              <a:buChar char="Ø"/>
+            </a:pPr>
+            <a:r>
+              <a:rPr lang="de-DE" sz="4000" b="1">
+                <a:solidFill>
+                  <a:schemeClr val="bg1"/>
+                </a:solidFill>
+                <a:effectLst/>
+                <a:latin typeface="Perpetua" panose="02020502060401020303" pitchFamily="18" charset="77"/>
+              </a:rPr>
+              <a:t>Clear overview</a:t>
+            </a:r>
+          </a:p>
+        </p:txBody>
+      </p:sp>
+    </p:spTree>
+    <p:extLst>
+      <p:ext uri="{BB962C8B-B14F-4D97-AF65-F5344CB8AC3E}">
+        <p14:creationId xmlns:p14="http://schemas.microsoft.com/office/powerpoint/2010/main" val="1308767841"/>
+      </p:ext>
+    </p:extLst>
+  </p:cSld>
+  <p:clrMapOvr>
+    <a:masterClrMapping/>
+  </p:clrMapOvr>
+  <mc:AlternateContent xmlns:mc="http://schemas.openxmlformats.org/markup-compatibility/2006">
+    <mc:Choice xmlns:p159="http://schemas.microsoft.com/office/powerpoint/2015/09/main" Requires="p159">
+      <p:transition>
+        <p159:morph option="byObject"/>
+      </p:transition>
+    </mc:Choice>
+    <mc:Fallback>
+      <p:transition>
+        <p:fade/>
+      </p:transition>
+    </mc:Fallback>
+  </mc:AlternateContent>
+</p:sld>
+</file>
+
+<file path=ppt/slides/slide12.xml><?xml version="1.0" encoding="utf-8"?>
+<p:sld xmlns:a="http://schemas.openxmlformats.org/drawingml/2006/main" xmlns:r="http://schemas.openxmlformats.org/officeDocument/2006/relationships" xmlns:p="http://schemas.openxmlformats.org/presentationml/2006/main" showMasterSp="0">
+  <p:cSld>
+    <p:bg>
+      <p:bgPr>
+        <a:blipFill dpi="0" rotWithShape="1">
+          <a:blip r:embed="rId2">
+            <a:lum/>
+          </a:blip>
+          <a:srcRect/>
+          <a:stretch>
+            <a:fillRect t="-1000" b="-1000"/>
+          </a:stretch>
+        </a:blipFill>
+        <a:effectLst/>
+      </p:bgPr>
+    </p:bg>
+    <p:spTree>
+      <p:nvGrpSpPr>
+        <p:cNvPr id="1" name="">
+          <a:extLst>
+            <a:ext uri="{FF2B5EF4-FFF2-40B4-BE49-F238E27FC236}">
+              <a16:creationId xmlns:a16="http://schemas.microsoft.com/office/drawing/2014/main" id="{5089B367-346E-884D-7CD1-903959317DE0}"/>
+            </a:ext>
+          </a:extLst>
+        </p:cNvPr>
+        <p:cNvGrpSpPr/>
+        <p:nvPr/>
+      </p:nvGrpSpPr>
+      <p:grpSpPr>
+        <a:xfrm>
+          <a:off x="0" y="0"/>
+          <a:ext cx="0" cy="0"/>
+          <a:chOff x="0" y="0"/>
+          <a:chExt cx="0" cy="0"/>
+        </a:xfrm>
+      </p:grpSpPr>
+      <p:sp>
+        <p:nvSpPr>
+          <p:cNvPr id="18" name="Oval 17">
+            <a:extLst>
+              <a:ext uri="{FF2B5EF4-FFF2-40B4-BE49-F238E27FC236}">
+                <a16:creationId xmlns:a16="http://schemas.microsoft.com/office/drawing/2014/main" id="{623949CA-8C77-B2FC-0315-A9FEEAB643A4}"/>
+              </a:ext>
+            </a:extLst>
+          </p:cNvPr>
+          <p:cNvSpPr/>
+          <p:nvPr/>
+        </p:nvSpPr>
+        <p:spPr>
+          <a:xfrm>
+            <a:off x="11324030" y="1848639"/>
+            <a:ext cx="1080000" cy="1080000"/>
+          </a:xfrm>
+          <a:prstGeom prst="ellipse">
+            <a:avLst/>
+          </a:prstGeom>
+          <a:solidFill>
+            <a:schemeClr val="accent1">
+              <a:lumMod val="75000"/>
+            </a:schemeClr>
+          </a:solidFill>
+          <a:ln w="76200">
+            <a:noFill/>
+          </a:ln>
+        </p:spPr>
+        <p:style>
+          <a:lnRef idx="2">
+            <a:schemeClr val="accent1">
+              <a:shade val="15000"/>
+            </a:schemeClr>
+          </a:lnRef>
+          <a:fillRef idx="1">
+            <a:schemeClr val="accent1"/>
+          </a:fillRef>
+          <a:effectRef idx="0">
+            <a:schemeClr val="accent1"/>
+          </a:effectRef>
+          <a:fontRef idx="minor">
+            <a:schemeClr val="lt1"/>
+          </a:fontRef>
+        </p:style>
+        <p:txBody>
+          <a:bodyPr rtlCol="0" anchor="ctr"/>
+          <a:lstStyle/>
+          <a:p>
+            <a:pPr algn="ctr"/>
+            <a:r>
+              <a:rPr lang="de-DE" sz="5000" b="1" dirty="0">
+                <a:latin typeface="Perpetua Titling MT" panose="02020502060505020804" pitchFamily="18" charset="77"/>
+              </a:rPr>
+              <a:t>2</a:t>
+            </a:r>
+          </a:p>
+        </p:txBody>
+      </p:sp>
+      <p:sp>
+        <p:nvSpPr>
+          <p:cNvPr id="17" name="Oval 16">
+            <a:extLst>
+              <a:ext uri="{FF2B5EF4-FFF2-40B4-BE49-F238E27FC236}">
+                <a16:creationId xmlns:a16="http://schemas.microsoft.com/office/drawing/2014/main" id="{9FC77B56-E850-5D36-F293-2029F4EEB426}"/>
+              </a:ext>
+            </a:extLst>
+          </p:cNvPr>
+          <p:cNvSpPr/>
+          <p:nvPr/>
+        </p:nvSpPr>
+        <p:spPr>
+          <a:xfrm>
+            <a:off x="11324030" y="928932"/>
+            <a:ext cx="1080000" cy="1080000"/>
+          </a:xfrm>
+          <a:prstGeom prst="ellipse">
+            <a:avLst/>
+          </a:prstGeom>
+          <a:solidFill>
+            <a:schemeClr val="accent1">
+              <a:lumMod val="50000"/>
+            </a:schemeClr>
+          </a:solidFill>
+          <a:ln w="76200">
+            <a:noFill/>
+          </a:ln>
+        </p:spPr>
+        <p:style>
+          <a:lnRef idx="2">
+            <a:schemeClr val="accent1">
+              <a:shade val="15000"/>
+            </a:schemeClr>
+          </a:lnRef>
+          <a:fillRef idx="1">
+            <a:schemeClr val="accent1"/>
+          </a:fillRef>
+          <a:effectRef idx="0">
+            <a:schemeClr val="accent1"/>
+          </a:effectRef>
+          <a:fontRef idx="minor">
+            <a:schemeClr val="lt1"/>
+          </a:fontRef>
+        </p:style>
+        <p:txBody>
+          <a:bodyPr rtlCol="0" anchor="ctr"/>
+          <a:lstStyle/>
+          <a:p>
+            <a:pPr algn="ctr"/>
+            <a:r>
+              <a:rPr lang="de-DE" sz="5000" b="1" dirty="0">
+                <a:latin typeface="Perpetua Titling MT" panose="02020502060505020804" pitchFamily="18" charset="77"/>
+              </a:rPr>
+              <a:t>1</a:t>
+            </a:r>
+          </a:p>
+        </p:txBody>
+      </p:sp>
+      <p:sp>
+        <p:nvSpPr>
+          <p:cNvPr id="20" name="Oval 19">
+            <a:extLst>
+              <a:ext uri="{FF2B5EF4-FFF2-40B4-BE49-F238E27FC236}">
+                <a16:creationId xmlns:a16="http://schemas.microsoft.com/office/drawing/2014/main" id="{0F535C1C-565A-E090-D710-79CCE58B2FC5}"/>
+              </a:ext>
+            </a:extLst>
+          </p:cNvPr>
+          <p:cNvSpPr/>
+          <p:nvPr/>
+        </p:nvSpPr>
+        <p:spPr>
+          <a:xfrm>
+            <a:off x="11324030" y="4126566"/>
+            <a:ext cx="1080000" cy="1080000"/>
+          </a:xfrm>
+          <a:prstGeom prst="ellipse">
+            <a:avLst/>
+          </a:prstGeom>
+          <a:solidFill>
+            <a:schemeClr val="accent1">
+              <a:lumMod val="40000"/>
+              <a:lumOff val="60000"/>
+            </a:schemeClr>
+          </a:solidFill>
+          <a:ln>
+            <a:noFill/>
+          </a:ln>
+        </p:spPr>
+        <p:style>
+          <a:lnRef idx="2">
+            <a:schemeClr val="accent1">
+              <a:shade val="15000"/>
+            </a:schemeClr>
+          </a:lnRef>
+          <a:fillRef idx="1">
+            <a:schemeClr val="accent1"/>
+          </a:fillRef>
+          <a:effectRef idx="0">
+            <a:schemeClr val="accent1"/>
+          </a:effectRef>
+          <a:fontRef idx="minor">
+            <a:schemeClr val="lt1"/>
+          </a:fontRef>
+        </p:style>
+        <p:txBody>
+          <a:bodyPr rtlCol="0" anchor="ctr"/>
+          <a:lstStyle/>
+          <a:p>
+            <a:pPr algn="ctr"/>
+            <a:r>
+              <a:rPr lang="de-DE" sz="5000" b="1" dirty="0">
+                <a:latin typeface="Perpetua Titling MT" panose="02020502060505020804" pitchFamily="18" charset="77"/>
+              </a:rPr>
+              <a:t>4</a:t>
+            </a:r>
+          </a:p>
+        </p:txBody>
+      </p:sp>
+      <p:sp>
+        <p:nvSpPr>
+          <p:cNvPr id="19" name="Oval 18">
+            <a:extLst>
+              <a:ext uri="{FF2B5EF4-FFF2-40B4-BE49-F238E27FC236}">
+                <a16:creationId xmlns:a16="http://schemas.microsoft.com/office/drawing/2014/main" id="{57FB0548-F43F-34B6-5328-712426C0769C}"/>
+              </a:ext>
+            </a:extLst>
+          </p:cNvPr>
+          <p:cNvSpPr/>
+          <p:nvPr/>
+        </p:nvSpPr>
+        <p:spPr>
+          <a:xfrm>
+            <a:off x="10917138" y="2742918"/>
+            <a:ext cx="1800000" cy="1800000"/>
+          </a:xfrm>
+          <a:prstGeom prst="ellipse">
+            <a:avLst/>
+          </a:prstGeom>
+          <a:solidFill>
+            <a:schemeClr val="accent1">
+              <a:lumMod val="60000"/>
+              <a:lumOff val="40000"/>
+            </a:schemeClr>
+          </a:solidFill>
+          <a:ln w="76200">
+            <a:solidFill>
+              <a:srgbClr val="FF0000"/>
+            </a:solidFill>
+          </a:ln>
+        </p:spPr>
+        <p:style>
+          <a:lnRef idx="2">
+            <a:schemeClr val="accent1">
+              <a:shade val="15000"/>
+            </a:schemeClr>
+          </a:lnRef>
+          <a:fillRef idx="1">
+            <a:schemeClr val="accent1"/>
+          </a:fillRef>
+          <a:effectRef idx="0">
+            <a:schemeClr val="accent1"/>
+          </a:effectRef>
+          <a:fontRef idx="minor">
+            <a:schemeClr val="lt1"/>
+          </a:fontRef>
+        </p:style>
+        <p:txBody>
+          <a:bodyPr rtlCol="0" anchor="ctr"/>
+          <a:lstStyle/>
+          <a:p>
+            <a:pPr algn="ctr"/>
+            <a:r>
+              <a:rPr lang="de-DE" sz="12000" b="1" dirty="0">
+                <a:latin typeface="Perpetua Titling MT" panose="02020502060505020804" pitchFamily="18" charset="77"/>
+              </a:rPr>
+              <a:t>3</a:t>
+            </a:r>
+            <a:endParaRPr lang="de-DE" sz="12000" dirty="0"/>
+          </a:p>
+        </p:txBody>
+      </p:sp>
+    </p:spTree>
+    <p:extLst>
+      <p:ext uri="{BB962C8B-B14F-4D97-AF65-F5344CB8AC3E}">
+        <p14:creationId xmlns:p14="http://schemas.microsoft.com/office/powerpoint/2010/main" val="2007099018"/>
+      </p:ext>
+    </p:extLst>
+  </p:cSld>
+  <p:clrMapOvr>
+    <a:masterClrMapping/>
+  </p:clrMapOvr>
+  <p:transition spd="med">
+    <p:split orient="vert"/>
+  </p:transition>
+</p:sld>
+</file>
+
+<file path=ppt/slides/slide13.xml><?xml version="1.0" encoding="utf-8"?>
+<p:sld xmlns:a="http://schemas.openxmlformats.org/drawingml/2006/main" xmlns:r="http://schemas.openxmlformats.org/officeDocument/2006/relationships" xmlns:p="http://schemas.openxmlformats.org/presentationml/2006/main">
+  <p:cSld>
+    <p:spTree>
+      <p:nvGrpSpPr>
+        <p:cNvPr id="1" name="">
+          <a:extLst>
+            <a:ext uri="{FF2B5EF4-FFF2-40B4-BE49-F238E27FC236}">
+              <a16:creationId xmlns:a16="http://schemas.microsoft.com/office/drawing/2014/main" id="{5AF67787-38ED-8806-4FD3-9B928CC61EAB}"/>
+            </a:ext>
+          </a:extLst>
+        </p:cNvPr>
+        <p:cNvGrpSpPr/>
+        <p:nvPr/>
+      </p:nvGrpSpPr>
+      <p:grpSpPr>
+        <a:xfrm>
+          <a:off x="0" y="0"/>
+          <a:ext cx="0" cy="0"/>
+          <a:chOff x="0" y="0"/>
+          <a:chExt cx="0" cy="0"/>
+        </a:xfrm>
+      </p:grpSpPr>
+      <p:sp>
+        <p:nvSpPr>
+          <p:cNvPr id="18" name="Oval 17">
+            <a:extLst>
+              <a:ext uri="{FF2B5EF4-FFF2-40B4-BE49-F238E27FC236}">
+                <a16:creationId xmlns:a16="http://schemas.microsoft.com/office/drawing/2014/main" id="{B2009B7D-A892-D101-B54B-2B79F3D837CA}"/>
+              </a:ext>
+            </a:extLst>
+          </p:cNvPr>
+          <p:cNvSpPr/>
+          <p:nvPr/>
+        </p:nvSpPr>
+        <p:spPr>
+          <a:xfrm>
+            <a:off x="11324030" y="1848639"/>
+            <a:ext cx="1080000" cy="1080000"/>
+          </a:xfrm>
+          <a:prstGeom prst="ellipse">
+            <a:avLst/>
+          </a:prstGeom>
+          <a:solidFill>
+            <a:schemeClr val="accent1">
+              <a:lumMod val="75000"/>
+            </a:schemeClr>
+          </a:solidFill>
+          <a:ln w="76200">
+            <a:noFill/>
+          </a:ln>
+        </p:spPr>
+        <p:style>
+          <a:lnRef idx="2">
+            <a:schemeClr val="accent1">
+              <a:shade val="15000"/>
+            </a:schemeClr>
+          </a:lnRef>
+          <a:fillRef idx="1">
+            <a:schemeClr val="accent1"/>
+          </a:fillRef>
+          <a:effectRef idx="0">
+            <a:schemeClr val="accent1"/>
+          </a:effectRef>
+          <a:fontRef idx="minor">
+            <a:schemeClr val="lt1"/>
+          </a:fontRef>
+        </p:style>
+        <p:txBody>
+          <a:bodyPr rtlCol="0" anchor="ctr"/>
+          <a:lstStyle/>
+          <a:p>
+            <a:pPr algn="ctr"/>
+            <a:r>
+              <a:rPr lang="de-DE" sz="5000" b="1" dirty="0">
+                <a:latin typeface="Perpetua Titling MT" panose="02020502060505020804" pitchFamily="18" charset="77"/>
+              </a:rPr>
+              <a:t>2</a:t>
+            </a:r>
+          </a:p>
+        </p:txBody>
+      </p:sp>
+      <p:sp>
+        <p:nvSpPr>
+          <p:cNvPr id="17" name="Oval 16">
+            <a:extLst>
+              <a:ext uri="{FF2B5EF4-FFF2-40B4-BE49-F238E27FC236}">
+                <a16:creationId xmlns:a16="http://schemas.microsoft.com/office/drawing/2014/main" id="{8972C797-2730-11DB-4F34-F9B896A9BB4B}"/>
+              </a:ext>
+            </a:extLst>
+          </p:cNvPr>
+          <p:cNvSpPr/>
+          <p:nvPr/>
+        </p:nvSpPr>
+        <p:spPr>
+          <a:xfrm>
+            <a:off x="11324030" y="928932"/>
+            <a:ext cx="1080000" cy="1080000"/>
+          </a:xfrm>
+          <a:prstGeom prst="ellipse">
+            <a:avLst/>
+          </a:prstGeom>
+          <a:solidFill>
+            <a:schemeClr val="accent1">
+              <a:lumMod val="50000"/>
+            </a:schemeClr>
+          </a:solidFill>
+          <a:ln w="76200">
+            <a:noFill/>
+          </a:ln>
+        </p:spPr>
+        <p:style>
+          <a:lnRef idx="2">
+            <a:schemeClr val="accent1">
+              <a:shade val="15000"/>
+            </a:schemeClr>
+          </a:lnRef>
+          <a:fillRef idx="1">
+            <a:schemeClr val="accent1"/>
+          </a:fillRef>
+          <a:effectRef idx="0">
+            <a:schemeClr val="accent1"/>
+          </a:effectRef>
+          <a:fontRef idx="minor">
+            <a:schemeClr val="lt1"/>
+          </a:fontRef>
+        </p:style>
+        <p:txBody>
+          <a:bodyPr rtlCol="0" anchor="ctr"/>
+          <a:lstStyle/>
+          <a:p>
+            <a:pPr algn="ctr"/>
+            <a:r>
+              <a:rPr lang="de-DE" sz="5000" b="1" dirty="0">
+                <a:latin typeface="Perpetua Titling MT" panose="02020502060505020804" pitchFamily="18" charset="77"/>
+              </a:rPr>
+              <a:t>1</a:t>
+            </a:r>
+          </a:p>
+        </p:txBody>
+      </p:sp>
+      <p:sp>
+        <p:nvSpPr>
+          <p:cNvPr id="20" name="Oval 19">
+            <a:extLst>
+              <a:ext uri="{FF2B5EF4-FFF2-40B4-BE49-F238E27FC236}">
+                <a16:creationId xmlns:a16="http://schemas.microsoft.com/office/drawing/2014/main" id="{19395FBB-0C0B-C79C-A0E1-2766FD5D2427}"/>
+              </a:ext>
+            </a:extLst>
+          </p:cNvPr>
+          <p:cNvSpPr/>
+          <p:nvPr/>
+        </p:nvSpPr>
+        <p:spPr>
+          <a:xfrm>
+            <a:off x="11324030" y="4126566"/>
+            <a:ext cx="1080000" cy="1080000"/>
+          </a:xfrm>
+          <a:prstGeom prst="ellipse">
+            <a:avLst/>
+          </a:prstGeom>
+          <a:solidFill>
+            <a:schemeClr val="accent1">
+              <a:lumMod val="40000"/>
+              <a:lumOff val="60000"/>
+            </a:schemeClr>
+          </a:solidFill>
+          <a:ln>
+            <a:noFill/>
+          </a:ln>
+        </p:spPr>
+        <p:style>
+          <a:lnRef idx="2">
+            <a:schemeClr val="accent1">
+              <a:shade val="15000"/>
+            </a:schemeClr>
+          </a:lnRef>
+          <a:fillRef idx="1">
+            <a:schemeClr val="accent1"/>
+          </a:fillRef>
+          <a:effectRef idx="0">
+            <a:schemeClr val="accent1"/>
+          </a:effectRef>
+          <a:fontRef idx="minor">
+            <a:schemeClr val="lt1"/>
+          </a:fontRef>
+        </p:style>
+        <p:txBody>
+          <a:bodyPr rtlCol="0" anchor="ctr"/>
+          <a:lstStyle/>
+          <a:p>
+            <a:pPr algn="ctr"/>
+            <a:r>
+              <a:rPr lang="de-DE" sz="5000" b="1" dirty="0">
+                <a:latin typeface="Perpetua Titling MT" panose="02020502060505020804" pitchFamily="18" charset="77"/>
+              </a:rPr>
+              <a:t>4</a:t>
+            </a:r>
+          </a:p>
+        </p:txBody>
+      </p:sp>
+      <p:sp>
+        <p:nvSpPr>
+          <p:cNvPr id="19" name="Oval 18">
+            <a:extLst>
+              <a:ext uri="{FF2B5EF4-FFF2-40B4-BE49-F238E27FC236}">
+                <a16:creationId xmlns:a16="http://schemas.microsoft.com/office/drawing/2014/main" id="{F0A85480-4094-2596-D588-CE27C60F9CE0}"/>
+              </a:ext>
+            </a:extLst>
+          </p:cNvPr>
+          <p:cNvSpPr/>
+          <p:nvPr/>
+        </p:nvSpPr>
+        <p:spPr>
+          <a:xfrm>
+            <a:off x="10917138" y="2742918"/>
+            <a:ext cx="1800000" cy="1800000"/>
+          </a:xfrm>
+          <a:prstGeom prst="ellipse">
+            <a:avLst/>
+          </a:prstGeom>
+          <a:solidFill>
+            <a:schemeClr val="accent1">
+              <a:lumMod val="60000"/>
+              <a:lumOff val="40000"/>
+            </a:schemeClr>
+          </a:solidFill>
+          <a:ln w="76200">
+            <a:solidFill>
+              <a:srgbClr val="FF0000"/>
+            </a:solidFill>
+          </a:ln>
+        </p:spPr>
+        <p:style>
+          <a:lnRef idx="2">
+            <a:schemeClr val="accent1">
+              <a:shade val="15000"/>
+            </a:schemeClr>
+          </a:lnRef>
+          <a:fillRef idx="1">
+            <a:schemeClr val="accent1"/>
+          </a:fillRef>
+          <a:effectRef idx="0">
+            <a:schemeClr val="accent1"/>
+          </a:effectRef>
+          <a:fontRef idx="minor">
+            <a:schemeClr val="lt1"/>
+          </a:fontRef>
+        </p:style>
+        <p:txBody>
+          <a:bodyPr rtlCol="0" anchor="ctr"/>
+          <a:lstStyle/>
+          <a:p>
+            <a:pPr algn="ctr"/>
+            <a:r>
+              <a:rPr lang="de-DE" sz="12000" b="1" dirty="0">
+                <a:latin typeface="Perpetua Titling MT" panose="02020502060505020804" pitchFamily="18" charset="77"/>
+              </a:rPr>
+              <a:t>3</a:t>
+            </a:r>
+            <a:endParaRPr lang="de-DE" sz="12000" dirty="0"/>
+          </a:p>
+        </p:txBody>
+      </p:sp>
+      <p:sp>
+        <p:nvSpPr>
+          <p:cNvPr id="21" name="Textfeld 20">
+            <a:extLst>
+              <a:ext uri="{FF2B5EF4-FFF2-40B4-BE49-F238E27FC236}">
+                <a16:creationId xmlns:a16="http://schemas.microsoft.com/office/drawing/2014/main" id="{8043EE51-C437-3E91-903B-4C43F875DB0B}"/>
+              </a:ext>
+            </a:extLst>
+          </p:cNvPr>
+          <p:cNvSpPr txBox="1"/>
+          <p:nvPr/>
+        </p:nvSpPr>
+        <p:spPr>
+          <a:xfrm>
+            <a:off x="1545682" y="152401"/>
+            <a:ext cx="9100637" cy="1015663"/>
+          </a:xfrm>
+          <a:prstGeom prst="rect">
+            <a:avLst/>
+          </a:prstGeom>
+          <a:noFill/>
+        </p:spPr>
+        <p:txBody>
+          <a:bodyPr wrap="square" rtlCol="0">
+            <a:spAutoFit/>
+          </a:bodyPr>
+          <a:lstStyle/>
+          <a:p>
+            <a:pPr algn="ctr"/>
+            <a:r>
+              <a:rPr lang="de-DE" sz="6000" b="1" dirty="0">
+                <a:solidFill>
+                  <a:schemeClr val="bg1"/>
+                </a:solidFill>
+                <a:latin typeface="Perpetua" panose="02020502060401020303" pitchFamily="18" charset="77"/>
+              </a:rPr>
+              <a:t>Data Import</a:t>
+            </a:r>
+          </a:p>
+        </p:txBody>
+      </p:sp>
+      <p:pic>
+        <p:nvPicPr>
+          <p:cNvPr id="4" name="Grafik 3">
+            <a:extLst>
+              <a:ext uri="{FF2B5EF4-FFF2-40B4-BE49-F238E27FC236}">
+                <a16:creationId xmlns:a16="http://schemas.microsoft.com/office/drawing/2014/main" id="{36A51744-20D7-3DF9-B28B-8CEB01168700}"/>
+              </a:ext>
+            </a:extLst>
+          </p:cNvPr>
+          <p:cNvPicPr>
+            <a:picLocks noChangeAspect="1"/>
+          </p:cNvPicPr>
+          <p:nvPr/>
+        </p:nvPicPr>
+        <p:blipFill>
+          <a:blip r:embed="rId2"/>
+          <a:stretch>
+            <a:fillRect/>
+          </a:stretch>
+        </p:blipFill>
+        <p:spPr>
+          <a:xfrm rot="360440">
+            <a:off x="385157" y="238157"/>
+            <a:ext cx="1443674" cy="1443674"/>
+          </a:xfrm>
+          <a:prstGeom prst="rect">
+            <a:avLst/>
+          </a:prstGeom>
+        </p:spPr>
+      </p:pic>
+      <p:sp>
+        <p:nvSpPr>
+          <p:cNvPr id="3" name="Textfeld 2">
+            <a:extLst>
+              <a:ext uri="{FF2B5EF4-FFF2-40B4-BE49-F238E27FC236}">
+                <a16:creationId xmlns:a16="http://schemas.microsoft.com/office/drawing/2014/main" id="{A11DC43A-C196-AD99-9D67-C225ED8B6856}"/>
+              </a:ext>
+            </a:extLst>
+          </p:cNvPr>
+          <p:cNvSpPr txBox="1"/>
+          <p:nvPr/>
+        </p:nvSpPr>
+        <p:spPr>
+          <a:xfrm>
+            <a:off x="1973126" y="2008932"/>
+            <a:ext cx="8245747" cy="2669962"/>
+          </a:xfrm>
+          <a:prstGeom prst="rect">
+            <a:avLst/>
+          </a:prstGeom>
+          <a:noFill/>
+        </p:spPr>
+        <p:txBody>
+          <a:bodyPr wrap="square" rtlCol="0">
+            <a:spAutoFit/>
+          </a:bodyPr>
+          <a:lstStyle/>
+          <a:p>
+            <a:pPr marL="571500" indent="-571500" algn="ctr">
+              <a:spcBef>
+                <a:spcPts val="900"/>
+              </a:spcBef>
+              <a:buFont typeface="Wingdings" pitchFamily="2" charset="2"/>
+              <a:buChar char="Ø"/>
+            </a:pPr>
+            <a:r>
+              <a:rPr lang="de-DE" sz="4000" b="1">
+                <a:solidFill>
+                  <a:schemeClr val="bg1"/>
+                </a:solidFill>
+                <a:effectLst/>
+                <a:latin typeface="Perpetua" panose="02020502060401020303" pitchFamily="18" charset="77"/>
+              </a:rPr>
+              <a:t>Imported CSV files into PostgreSQL</a:t>
+            </a:r>
+          </a:p>
+          <a:p>
+            <a:pPr marL="571500" indent="-571500" algn="ctr">
+              <a:spcBef>
+                <a:spcPts val="900"/>
+              </a:spcBef>
+              <a:buFont typeface="Wingdings" pitchFamily="2" charset="2"/>
+              <a:buChar char="Ø"/>
+            </a:pPr>
+            <a:r>
+              <a:rPr lang="de-DE" sz="4000" b="1">
+                <a:solidFill>
+                  <a:schemeClr val="bg1"/>
+                </a:solidFill>
+                <a:effectLst/>
+                <a:latin typeface="Perpetua" panose="02020502060401020303" pitchFamily="18" charset="77"/>
+              </a:rPr>
+              <a:t>Followed UML design to create and tables</a:t>
+            </a:r>
+          </a:p>
+        </p:txBody>
+      </p:sp>
+    </p:spTree>
+    <p:extLst>
+      <p:ext uri="{BB962C8B-B14F-4D97-AF65-F5344CB8AC3E}">
+        <p14:creationId xmlns:p14="http://schemas.microsoft.com/office/powerpoint/2010/main" val="2241059802"/>
+      </p:ext>
+    </p:extLst>
+  </p:cSld>
+  <p:clrMapOvr>
+    <a:masterClrMapping/>
+  </p:clrMapOvr>
+  <mc:AlternateContent xmlns:mc="http://schemas.openxmlformats.org/markup-compatibility/2006">
+    <mc:Choice xmlns:p159="http://schemas.microsoft.com/office/powerpoint/2015/09/main" Requires="p159">
+      <p:transition>
+        <p159:morph option="byObject"/>
+      </p:transition>
+    </mc:Choice>
+    <mc:Fallback>
+      <p:transition>
+        <p:fade/>
+      </p:transition>
+    </mc:Fallback>
+  </mc:AlternateContent>
+</p:sld>
+</file>
+
+<file path=ppt/slides/slide14.xml><?xml version="1.0" encoding="utf-8"?>
+<p:sld xmlns:a="http://schemas.openxmlformats.org/drawingml/2006/main" xmlns:r="http://schemas.openxmlformats.org/officeDocument/2006/relationships" xmlns:p="http://schemas.openxmlformats.org/presentationml/2006/main">
+  <p:cSld>
+    <p:spTree>
+      <p:nvGrpSpPr>
+        <p:cNvPr id="1" name="">
+          <a:extLst>
+            <a:ext uri="{FF2B5EF4-FFF2-40B4-BE49-F238E27FC236}">
+              <a16:creationId xmlns:a16="http://schemas.microsoft.com/office/drawing/2014/main" id="{50131DA1-0E4E-0266-B948-A183EE7572DE}"/>
+            </a:ext>
+          </a:extLst>
+        </p:cNvPr>
+        <p:cNvGrpSpPr/>
+        <p:nvPr/>
+      </p:nvGrpSpPr>
+      <p:grpSpPr>
+        <a:xfrm>
+          <a:off x="0" y="0"/>
+          <a:ext cx="0" cy="0"/>
+          <a:chOff x="0" y="0"/>
+          <a:chExt cx="0" cy="0"/>
+        </a:xfrm>
+      </p:grpSpPr>
+      <p:sp>
+        <p:nvSpPr>
+          <p:cNvPr id="19" name="Oval 18">
+            <a:extLst>
+              <a:ext uri="{FF2B5EF4-FFF2-40B4-BE49-F238E27FC236}">
+                <a16:creationId xmlns:a16="http://schemas.microsoft.com/office/drawing/2014/main" id="{C1113901-83C2-999A-14EE-46BA8F572BE9}"/>
+              </a:ext>
+            </a:extLst>
+          </p:cNvPr>
+          <p:cNvSpPr/>
+          <p:nvPr/>
+        </p:nvSpPr>
+        <p:spPr>
+          <a:xfrm>
+            <a:off x="11324030" y="2791510"/>
+            <a:ext cx="1080000" cy="1080000"/>
+          </a:xfrm>
+          <a:prstGeom prst="ellipse">
+            <a:avLst/>
+          </a:prstGeom>
+          <a:solidFill>
+            <a:schemeClr val="accent1">
+              <a:lumMod val="60000"/>
+              <a:lumOff val="40000"/>
+            </a:schemeClr>
+          </a:solidFill>
+          <a:ln w="76200">
+            <a:noFill/>
+          </a:ln>
+        </p:spPr>
+        <p:style>
+          <a:lnRef idx="2">
+            <a:schemeClr val="accent1">
+              <a:shade val="15000"/>
+            </a:schemeClr>
+          </a:lnRef>
+          <a:fillRef idx="1">
+            <a:schemeClr val="accent1"/>
+          </a:fillRef>
+          <a:effectRef idx="0">
+            <a:schemeClr val="accent1"/>
+          </a:effectRef>
+          <a:fontRef idx="minor">
+            <a:schemeClr val="lt1"/>
+          </a:fontRef>
+        </p:style>
+        <p:txBody>
+          <a:bodyPr rtlCol="0" anchor="ctr"/>
+          <a:lstStyle/>
+          <a:p>
+            <a:pPr algn="ctr"/>
+            <a:r>
+              <a:rPr lang="de-DE" sz="5000" b="1" dirty="0">
+                <a:latin typeface="Perpetua Titling MT" panose="02020502060505020804" pitchFamily="18" charset="77"/>
+              </a:rPr>
+              <a:t>3</a:t>
+            </a:r>
+            <a:endParaRPr lang="de-DE" sz="5000" dirty="0"/>
+          </a:p>
+        </p:txBody>
+      </p:sp>
+      <p:sp>
+        <p:nvSpPr>
+          <p:cNvPr id="18" name="Oval 17">
+            <a:extLst>
+              <a:ext uri="{FF2B5EF4-FFF2-40B4-BE49-F238E27FC236}">
+                <a16:creationId xmlns:a16="http://schemas.microsoft.com/office/drawing/2014/main" id="{A47360C0-7E7E-46F5-A961-3839E3ADA356}"/>
+              </a:ext>
+            </a:extLst>
+          </p:cNvPr>
+          <p:cNvSpPr/>
+          <p:nvPr/>
+        </p:nvSpPr>
+        <p:spPr>
+          <a:xfrm>
+            <a:off x="11324030" y="1848639"/>
+            <a:ext cx="1080000" cy="1080000"/>
+          </a:xfrm>
+          <a:prstGeom prst="ellipse">
+            <a:avLst/>
+          </a:prstGeom>
+          <a:solidFill>
+            <a:schemeClr val="accent1">
+              <a:lumMod val="75000"/>
+            </a:schemeClr>
+          </a:solidFill>
+          <a:ln w="76200">
+            <a:noFill/>
+          </a:ln>
+        </p:spPr>
+        <p:style>
+          <a:lnRef idx="2">
+            <a:schemeClr val="accent1">
+              <a:shade val="15000"/>
+            </a:schemeClr>
+          </a:lnRef>
+          <a:fillRef idx="1">
+            <a:schemeClr val="accent1"/>
+          </a:fillRef>
+          <a:effectRef idx="0">
+            <a:schemeClr val="accent1"/>
+          </a:effectRef>
+          <a:fontRef idx="minor">
+            <a:schemeClr val="lt1"/>
+          </a:fontRef>
+        </p:style>
+        <p:txBody>
+          <a:bodyPr rtlCol="0" anchor="ctr"/>
+          <a:lstStyle/>
+          <a:p>
+            <a:pPr algn="ctr"/>
+            <a:r>
+              <a:rPr lang="de-DE" sz="5000" b="1" dirty="0">
+                <a:latin typeface="Perpetua Titling MT" panose="02020502060505020804" pitchFamily="18" charset="77"/>
+              </a:rPr>
+              <a:t>2</a:t>
+            </a:r>
+          </a:p>
+        </p:txBody>
+      </p:sp>
+      <p:sp>
+        <p:nvSpPr>
+          <p:cNvPr id="17" name="Oval 16">
+            <a:extLst>
+              <a:ext uri="{FF2B5EF4-FFF2-40B4-BE49-F238E27FC236}">
+                <a16:creationId xmlns:a16="http://schemas.microsoft.com/office/drawing/2014/main" id="{DEC65C03-7C21-2FFF-70F2-26A3E931C844}"/>
+              </a:ext>
+            </a:extLst>
+          </p:cNvPr>
+          <p:cNvSpPr/>
+          <p:nvPr/>
+        </p:nvSpPr>
+        <p:spPr>
+          <a:xfrm>
+            <a:off x="11324030" y="928932"/>
+            <a:ext cx="1080000" cy="1080000"/>
+          </a:xfrm>
+          <a:prstGeom prst="ellipse">
+            <a:avLst/>
+          </a:prstGeom>
+          <a:solidFill>
+            <a:schemeClr val="accent1">
+              <a:lumMod val="50000"/>
+            </a:schemeClr>
+          </a:solidFill>
+          <a:ln w="76200">
+            <a:noFill/>
+          </a:ln>
+        </p:spPr>
+        <p:style>
+          <a:lnRef idx="2">
+            <a:schemeClr val="accent1">
+              <a:shade val="15000"/>
+            </a:schemeClr>
+          </a:lnRef>
+          <a:fillRef idx="1">
+            <a:schemeClr val="accent1"/>
+          </a:fillRef>
+          <a:effectRef idx="0">
+            <a:schemeClr val="accent1"/>
+          </a:effectRef>
+          <a:fontRef idx="minor">
+            <a:schemeClr val="lt1"/>
+          </a:fontRef>
+        </p:style>
+        <p:txBody>
+          <a:bodyPr rtlCol="0" anchor="ctr"/>
+          <a:lstStyle/>
+          <a:p>
+            <a:pPr algn="ctr"/>
+            <a:r>
+              <a:rPr lang="de-DE" sz="5000" b="1" dirty="0">
+                <a:latin typeface="Perpetua Titling MT" panose="02020502060505020804" pitchFamily="18" charset="77"/>
+              </a:rPr>
+              <a:t>1</a:t>
+            </a:r>
+          </a:p>
+        </p:txBody>
+      </p:sp>
+      <p:sp>
+        <p:nvSpPr>
+          <p:cNvPr id="20" name="Oval 19">
+            <a:extLst>
+              <a:ext uri="{FF2B5EF4-FFF2-40B4-BE49-F238E27FC236}">
+                <a16:creationId xmlns:a16="http://schemas.microsoft.com/office/drawing/2014/main" id="{7B520A2C-9CFA-6AAD-8B4D-61FD55A629A5}"/>
+              </a:ext>
+            </a:extLst>
+          </p:cNvPr>
+          <p:cNvSpPr/>
+          <p:nvPr/>
+        </p:nvSpPr>
+        <p:spPr>
+          <a:xfrm>
+            <a:off x="10893692" y="3719393"/>
+            <a:ext cx="1800000" cy="1800000"/>
+          </a:xfrm>
+          <a:prstGeom prst="ellipse">
+            <a:avLst/>
+          </a:prstGeom>
+          <a:solidFill>
+            <a:schemeClr val="accent1">
+              <a:lumMod val="40000"/>
+              <a:lumOff val="60000"/>
+            </a:schemeClr>
+          </a:solidFill>
+          <a:ln w="76200">
+            <a:solidFill>
+              <a:srgbClr val="FF0000"/>
+            </a:solidFill>
+          </a:ln>
+        </p:spPr>
+        <p:style>
+          <a:lnRef idx="2">
+            <a:schemeClr val="accent1">
+              <a:shade val="15000"/>
+            </a:schemeClr>
+          </a:lnRef>
+          <a:fillRef idx="1">
+            <a:schemeClr val="accent1"/>
+          </a:fillRef>
+          <a:effectRef idx="0">
+            <a:schemeClr val="accent1"/>
+          </a:effectRef>
+          <a:fontRef idx="minor">
+            <a:schemeClr val="lt1"/>
+          </a:fontRef>
+        </p:style>
+        <p:txBody>
+          <a:bodyPr rtlCol="0" anchor="ctr"/>
+          <a:lstStyle/>
+          <a:p>
+            <a:pPr algn="ctr"/>
+            <a:r>
+              <a:rPr lang="de-DE" sz="12000" b="1" dirty="0">
+                <a:latin typeface="Perpetua Titling MT" panose="02020502060505020804" pitchFamily="18" charset="77"/>
+              </a:rPr>
+              <a:t>4</a:t>
+            </a:r>
+          </a:p>
+        </p:txBody>
+      </p:sp>
+      <p:sp>
+        <p:nvSpPr>
+          <p:cNvPr id="21" name="Textfeld 20">
+            <a:extLst>
+              <a:ext uri="{FF2B5EF4-FFF2-40B4-BE49-F238E27FC236}">
+                <a16:creationId xmlns:a16="http://schemas.microsoft.com/office/drawing/2014/main" id="{5C77B3BA-CC88-41F4-3C43-D1DC45E67537}"/>
+              </a:ext>
+            </a:extLst>
+          </p:cNvPr>
+          <p:cNvSpPr txBox="1"/>
+          <p:nvPr/>
+        </p:nvSpPr>
+        <p:spPr>
+          <a:xfrm>
+            <a:off x="4833796" y="152401"/>
+            <a:ext cx="2524409" cy="1015663"/>
+          </a:xfrm>
+          <a:prstGeom prst="rect">
+            <a:avLst/>
+          </a:prstGeom>
+          <a:noFill/>
+        </p:spPr>
+        <p:txBody>
+          <a:bodyPr wrap="none" rtlCol="0">
+            <a:spAutoFit/>
+          </a:bodyPr>
+          <a:lstStyle/>
+          <a:p>
+            <a:r>
+              <a:rPr lang="de-DE" sz="6000" b="1" dirty="0">
+                <a:solidFill>
+                  <a:schemeClr val="bg1"/>
+                </a:solidFill>
+                <a:latin typeface="Perpetua" panose="02020502060401020303" pitchFamily="18" charset="77"/>
+              </a:rPr>
+              <a:t>Querys</a:t>
+            </a:r>
+          </a:p>
+        </p:txBody>
+      </p:sp>
+      <p:pic>
+        <p:nvPicPr>
+          <p:cNvPr id="2" name="Grafik 1">
+            <a:extLst>
+              <a:ext uri="{FF2B5EF4-FFF2-40B4-BE49-F238E27FC236}">
+                <a16:creationId xmlns:a16="http://schemas.microsoft.com/office/drawing/2014/main" id="{42B342C2-D7F5-24FF-7D90-7F09A55C79BA}"/>
+              </a:ext>
+            </a:extLst>
+          </p:cNvPr>
+          <p:cNvPicPr>
+            <a:picLocks noChangeAspect="1"/>
+          </p:cNvPicPr>
+          <p:nvPr/>
+        </p:nvPicPr>
+        <p:blipFill>
+          <a:blip r:embed="rId2"/>
+          <a:stretch>
+            <a:fillRect/>
+          </a:stretch>
+        </p:blipFill>
+        <p:spPr>
+          <a:xfrm rot="21278525">
+            <a:off x="329245" y="308942"/>
+            <a:ext cx="1471190" cy="1471190"/>
+          </a:xfrm>
+          <a:prstGeom prst="rect">
+            <a:avLst/>
+          </a:prstGeom>
+        </p:spPr>
+      </p:pic>
+    </p:spTree>
+    <p:extLst>
+      <p:ext uri="{BB962C8B-B14F-4D97-AF65-F5344CB8AC3E}">
+        <p14:creationId xmlns:p14="http://schemas.microsoft.com/office/powerpoint/2010/main" val="3410645116"/>
+      </p:ext>
+    </p:extLst>
+  </p:cSld>
+  <p:clrMapOvr>
+    <a:masterClrMapping/>
+  </p:clrMapOvr>
+  <p:transition spd="slow">
+    <p:cover/>
+  </p:transition>
+</p:sld>
+</file>
+
+<file path=ppt/slides/slide15.xml><?xml version="1.0" encoding="utf-8"?>
+<p:sld xmlns:a="http://schemas.openxmlformats.org/drawingml/2006/main" xmlns:r="http://schemas.openxmlformats.org/officeDocument/2006/relationships" xmlns:p="http://schemas.openxmlformats.org/presentationml/2006/main">
+  <p:cSld>
+    <p:spTree>
+      <p:nvGrpSpPr>
+        <p:cNvPr id="1" name="">
+          <a:extLst>
+            <a:ext uri="{FF2B5EF4-FFF2-40B4-BE49-F238E27FC236}">
+              <a16:creationId xmlns:a16="http://schemas.microsoft.com/office/drawing/2014/main" id="{27AC532E-B425-9521-D9F6-F7C7FA420321}"/>
+            </a:ext>
+          </a:extLst>
+        </p:cNvPr>
+        <p:cNvGrpSpPr/>
+        <p:nvPr/>
+      </p:nvGrpSpPr>
+      <p:grpSpPr>
+        <a:xfrm>
+          <a:off x="0" y="0"/>
+          <a:ext cx="0" cy="0"/>
+          <a:chOff x="0" y="0"/>
+          <a:chExt cx="0" cy="0"/>
+        </a:xfrm>
+      </p:grpSpPr>
+      <p:pic>
+        <p:nvPicPr>
+          <p:cNvPr id="7172" name="Picture 4" descr="What are some common uses for views in SQL databases?">
+            <a:extLst>
+              <a:ext uri="{FF2B5EF4-FFF2-40B4-BE49-F238E27FC236}">
+                <a16:creationId xmlns:a16="http://schemas.microsoft.com/office/drawing/2014/main" id="{71B3B5E5-5F3A-8903-B0ED-A62DFE8EA800}"/>
+              </a:ext>
+            </a:extLst>
+          </p:cNvPr>
+          <p:cNvPicPr>
+            <a:picLocks noChangeAspect="1" noChangeArrowheads="1"/>
+          </p:cNvPicPr>
+          <p:nvPr/>
+        </p:nvPicPr>
+        <p:blipFill rotWithShape="1">
+          <a:blip r:embed="rId2">
+            <a:extLst>
+              <a:ext uri="{28A0092B-C50C-407E-A947-70E740481C1C}">
+                <a14:useLocalDpi xmlns:a14="http://schemas.microsoft.com/office/drawing/2010/main" val="0"/>
+              </a:ext>
+            </a:extLst>
+          </a:blip>
+          <a:srcRect l="23186" r="21920"/>
+          <a:stretch/>
+        </p:blipFill>
+        <p:spPr bwMode="auto">
+          <a:xfrm>
+            <a:off x="0" y="0"/>
+            <a:ext cx="6758354" cy="6858000"/>
+          </a:xfrm>
+          <a:prstGeom prst="rect">
+            <a:avLst/>
+          </a:prstGeom>
+          <a:noFill/>
+          <a:extLst>
+            <a:ext uri="{909E8E84-426E-40DD-AFC4-6F175D3DCCD1}">
+              <a14:hiddenFill xmlns:a14="http://schemas.microsoft.com/office/drawing/2010/main">
+                <a:solidFill>
+                  <a:srgbClr val="FFFFFF"/>
+                </a:solidFill>
+              </a14:hiddenFill>
+            </a:ext>
+          </a:extLst>
+        </p:spPr>
+      </p:pic>
+      <p:sp>
+        <p:nvSpPr>
+          <p:cNvPr id="21" name="Textfeld 20">
+            <a:extLst>
+              <a:ext uri="{FF2B5EF4-FFF2-40B4-BE49-F238E27FC236}">
+                <a16:creationId xmlns:a16="http://schemas.microsoft.com/office/drawing/2014/main" id="{EF350507-9D06-6F4D-5857-F48D5EAC0A99}"/>
+              </a:ext>
+            </a:extLst>
+          </p:cNvPr>
+          <p:cNvSpPr txBox="1"/>
+          <p:nvPr/>
+        </p:nvSpPr>
+        <p:spPr>
+          <a:xfrm>
+            <a:off x="5920153" y="828288"/>
+            <a:ext cx="6166339" cy="5201424"/>
+          </a:xfrm>
+          <a:prstGeom prst="rect">
+            <a:avLst/>
+          </a:prstGeom>
+          <a:noFill/>
+        </p:spPr>
+        <p:txBody>
+          <a:bodyPr wrap="square" rtlCol="0">
+            <a:spAutoFit/>
+          </a:bodyPr>
+          <a:lstStyle/>
+          <a:p>
+            <a:pPr algn="ctr"/>
+            <a:r>
+              <a:rPr lang="de-DE" sz="16600" b="1" dirty="0">
+                <a:solidFill>
+                  <a:schemeClr val="bg1"/>
+                </a:solidFill>
+                <a:effectLst>
+                  <a:outerShdw blurRad="50800" dist="50800" dir="5400000" sx="107000" sy="107000" algn="ctr" rotWithShape="0">
+                    <a:srgbClr val="000000">
+                      <a:alpha val="43137"/>
+                    </a:srgbClr>
+                  </a:outerShdw>
+                </a:effectLst>
+                <a:latin typeface="Perpetua" panose="02020502060401020303" pitchFamily="18" charset="77"/>
+              </a:rPr>
+              <a:t>Thank You!</a:t>
+            </a:r>
+          </a:p>
+        </p:txBody>
+      </p:sp>
+    </p:spTree>
+    <p:extLst>
+      <p:ext uri="{BB962C8B-B14F-4D97-AF65-F5344CB8AC3E}">
+        <p14:creationId xmlns:p14="http://schemas.microsoft.com/office/powerpoint/2010/main" val="3009347238"/>
+      </p:ext>
+    </p:extLst>
+  </p:cSld>
+  <p:clrMapOvr>
+    <a:masterClrMapping/>
+  </p:clrMapOvr>
+  <p:transition spd="slow">
+    <p:cover/>
+  </p:transition>
 </p:sld>
 </file>
 
@@ -5236,7 +7792,7 @@
             <p:spPr>
               <a:xfrm>
                 <a:off x="9616068" y="3434574"/>
-                <a:ext cx="2304586" cy="1323439"/>
+                <a:ext cx="2304586" cy="1077218"/>
               </a:xfrm>
               <a:prstGeom prst="rect">
                 <a:avLst/>
@@ -5251,7 +7807,7 @@
               <a:p>
                 <a:pPr algn="ctr"/>
                 <a:r>
-                  <a:rPr lang="de-DE" sz="1600" b="1" dirty="0">
+                  <a:rPr lang="de-DE" sz="1600" b="1">
                     <a:solidFill>
                       <a:schemeClr val="bg1"/>
                     </a:solidFill>
@@ -5259,7 +7815,7 @@
                     <a:latin typeface="Calibri" panose="020F0502020204030204" pitchFamily="34" charset="0"/>
                     <a:cs typeface="Calibri" panose="020F0502020204030204" pitchFamily="34" charset="0"/>
                   </a:rPr>
-                  <a:t>Showcase complex SQL queries used to analyze and process data. Explain their purpose and provide examples of results.</a:t>
+                  <a:t>Present SQL queries for data analysis. Explain their goals and highlight key results</a:t>
                 </a:r>
               </a:p>
             </p:txBody>
@@ -5697,7 +8253,7 @@
           <p:spPr>
             <a:xfrm>
               <a:off x="3430856" y="3412273"/>
-              <a:ext cx="2304586" cy="2092881"/>
+              <a:ext cx="2304586" cy="1323439"/>
             </a:xfrm>
             <a:prstGeom prst="rect">
               <a:avLst/>
@@ -5712,7 +8268,7 @@
             <a:p>
               <a:pPr algn="ctr"/>
               <a:r>
-                <a:rPr lang="de-DE" sz="1600" b="1" dirty="0">
+                <a:rPr lang="de-DE" sz="1600" b="1">
                   <a:solidFill>
                     <a:schemeClr val="bg1"/>
                   </a:solidFill>
@@ -5720,18 +8276,8 @@
                   <a:latin typeface="Calibri" panose="020F0502020204030204" pitchFamily="34" charset="0"/>
                   <a:cs typeface="Calibri" panose="020F0502020204030204" pitchFamily="34" charset="0"/>
                 </a:rPr>
-                <a:t>Discuss the basics of Git: version control, branches, commits, and merges. Demonstrate how Git was utilized in our development process.</a:t>
+                <a:t>Explain Git’s basics: version control, branches, commits, and merges. Highlight its role in our workflow.</a:t>
               </a:r>
-            </a:p>
-            <a:p>
-              <a:pPr algn="ctr"/>
-              <a:endParaRPr lang="de-DE" sz="1600" b="1" dirty="0">
-                <a:solidFill>
-                  <a:schemeClr val="bg1"/>
-                </a:solidFill>
-                <a:latin typeface="Calibri" panose="020F0502020204030204" pitchFamily="34" charset="0"/>
-                <a:cs typeface="Calibri" panose="020F0502020204030204" pitchFamily="34" charset="0"/>
-              </a:endParaRPr>
             </a:p>
           </p:txBody>
         </p:sp>
@@ -5963,7 +8509,7 @@
           <p:spPr>
             <a:xfrm>
               <a:off x="356836" y="3423424"/>
-              <a:ext cx="2304586" cy="1846659"/>
+              <a:ext cx="2304586" cy="830997"/>
             </a:xfrm>
             <a:prstGeom prst="rect">
               <a:avLst/>
@@ -5978,7 +8524,7 @@
             <a:p>
               <a:pPr algn="ctr"/>
               <a:r>
-                <a:rPr lang="de-DE" sz="1600" b="1" dirty="0">
+                <a:rPr lang="de-DE" sz="1600" b="1">
                   <a:solidFill>
                     <a:schemeClr val="bg1"/>
                   </a:solidFill>
@@ -5986,11 +8532,8 @@
                   <a:latin typeface="Calibri" panose="020F0502020204030204" pitchFamily="34" charset="0"/>
                   <a:cs typeface="Calibri" panose="020F0502020204030204" pitchFamily="34" charset="0"/>
                 </a:rPr>
-                <a:t>Explain the purpose of GitHub and how we used it to collaborate on our project. Showcase repositories and workflows.</a:t>
+                <a:t>Describe GitHub’s role in our project and its use for collaboration. </a:t>
               </a:r>
-            </a:p>
-            <a:p>
-              <a:pPr algn="just"/>
               <a:endParaRPr lang="de-DE" b="1" dirty="0">
                 <a:solidFill>
                   <a:schemeClr val="bg1"/>
@@ -6068,12 +8611,12 @@
   </p:clrMapOvr>
   <mc:AlternateContent xmlns:mc="http://schemas.openxmlformats.org/markup-compatibility/2006">
     <mc:Choice xmlns:p159="http://schemas.microsoft.com/office/powerpoint/2015/09/main" Requires="p159">
-      <p:transition spd="slow">
+      <p:transition spd="med">
         <p159:morph option="byObject"/>
       </p:transition>
     </mc:Choice>
     <mc:Fallback>
-      <p:transition spd="slow">
+      <p:transition spd="med">
         <p:fade/>
       </p:transition>
     </mc:Fallback>
@@ -6482,21 +9025,139 @@
           <p:nvPr/>
         </p:nvPicPr>
         <p:blipFill>
-          <a:blip r:embed="rId2"/>
+          <a:blip r:embed="rId3"/>
           <a:stretch>
             <a:fillRect/>
           </a:stretch>
         </p:blipFill>
         <p:spPr>
           <a:xfrm rot="457495">
-            <a:off x="230720" y="124338"/>
-            <a:ext cx="1440000" cy="1440000"/>
+            <a:off x="249826" y="107619"/>
+            <a:ext cx="1170000" cy="1170000"/>
           </a:xfrm>
           <a:prstGeom prst="rect">
             <a:avLst/>
           </a:prstGeom>
         </p:spPr>
       </p:pic>
+      <p:grpSp>
+        <p:nvGrpSpPr>
+          <p:cNvPr id="6" name="Gruppieren 5">
+            <a:extLst>
+              <a:ext uri="{FF2B5EF4-FFF2-40B4-BE49-F238E27FC236}">
+                <a16:creationId xmlns:a16="http://schemas.microsoft.com/office/drawing/2014/main" id="{2A649284-E78C-597B-38EB-E70B98E96D55}"/>
+              </a:ext>
+            </a:extLst>
+          </p:cNvPr>
+          <p:cNvGrpSpPr/>
+          <p:nvPr/>
+        </p:nvGrpSpPr>
+        <p:grpSpPr>
+          <a:xfrm>
+            <a:off x="1090578" y="4856405"/>
+            <a:ext cx="10010844" cy="1323439"/>
+            <a:chOff x="834826" y="4845894"/>
+            <a:chExt cx="10010844" cy="1323439"/>
+          </a:xfrm>
+        </p:grpSpPr>
+        <p:sp>
+          <p:nvSpPr>
+            <p:cNvPr id="4" name="Textfeld 3">
+              <a:extLst>
+                <a:ext uri="{FF2B5EF4-FFF2-40B4-BE49-F238E27FC236}">
+                  <a16:creationId xmlns:a16="http://schemas.microsoft.com/office/drawing/2014/main" id="{59F82740-AC50-A093-8327-637C7B5F5D9C}"/>
+                </a:ext>
+              </a:extLst>
+            </p:cNvPr>
+            <p:cNvSpPr txBox="1"/>
+            <p:nvPr/>
+          </p:nvSpPr>
+          <p:spPr>
+            <a:xfrm>
+              <a:off x="1346330" y="4845894"/>
+              <a:ext cx="9499340" cy="1323439"/>
+            </a:xfrm>
+            <a:prstGeom prst="rect">
+              <a:avLst/>
+            </a:prstGeom>
+            <a:noFill/>
+          </p:spPr>
+          <p:txBody>
+            <a:bodyPr wrap="square" rtlCol="0">
+              <a:spAutoFit/>
+            </a:bodyPr>
+            <a:lstStyle/>
+            <a:p>
+              <a:pPr algn="ctr"/>
+              <a:r>
+                <a:rPr lang="de-DE" sz="4000" b="1">
+                  <a:solidFill>
+                    <a:schemeClr val="bg1"/>
+                  </a:solidFill>
+                  <a:latin typeface="Perpetua" panose="02020502060401020303" pitchFamily="18" charset="77"/>
+                </a:rPr>
+                <a:t>GitHub combines these two features to enhance teamwork and code management.</a:t>
+              </a:r>
+            </a:p>
+          </p:txBody>
+        </p:sp>
+        <p:sp>
+          <p:nvSpPr>
+            <p:cNvPr id="5" name="Pfeil nach rechts 4">
+              <a:extLst>
+                <a:ext uri="{FF2B5EF4-FFF2-40B4-BE49-F238E27FC236}">
+                  <a16:creationId xmlns:a16="http://schemas.microsoft.com/office/drawing/2014/main" id="{7CB0FFA1-7C00-0A04-6F73-AC04F5804599}"/>
+                </a:ext>
+              </a:extLst>
+            </p:cNvPr>
+            <p:cNvSpPr/>
+            <p:nvPr/>
+          </p:nvSpPr>
+          <p:spPr>
+            <a:xfrm>
+              <a:off x="834826" y="4912465"/>
+              <a:ext cx="909891" cy="595148"/>
+            </a:xfrm>
+            <a:prstGeom prst="rightArrow">
+              <a:avLst/>
+            </a:prstGeom>
+            <a:solidFill>
+              <a:schemeClr val="accent4">
+                <a:lumMod val="75000"/>
+              </a:schemeClr>
+            </a:solidFill>
+            <a:ln>
+              <a:solidFill>
+                <a:schemeClr val="bg1"/>
+              </a:solidFill>
+            </a:ln>
+          </p:spPr>
+          <p:style>
+            <a:lnRef idx="2">
+              <a:schemeClr val="accent1">
+                <a:shade val="15000"/>
+              </a:schemeClr>
+            </a:lnRef>
+            <a:fillRef idx="1">
+              <a:schemeClr val="accent1"/>
+            </a:fillRef>
+            <a:effectRef idx="0">
+              <a:schemeClr val="accent1"/>
+            </a:effectRef>
+            <a:fontRef idx="minor">
+              <a:schemeClr val="lt1"/>
+            </a:fontRef>
+          </p:style>
+          <p:txBody>
+            <a:bodyPr rtlCol="0" anchor="ctr"/>
+            <a:lstStyle/>
+            <a:p>
+              <a:pPr algn="ctr"/>
+              <a:endParaRPr lang="de-DE"/>
+            </a:p>
+          </p:txBody>
+        </p:sp>
+      </p:grpSp>
     </p:spTree>
     <p:extLst>
       <p:ext uri="{BB962C8B-B14F-4D97-AF65-F5344CB8AC3E}">
@@ -6507,7 +9168,7 @@
   <p:clrMapOvr>
     <a:masterClrMapping/>
   </p:clrMapOvr>
-  <p:transition spd="slow">
+  <p:transition spd="med">
     <p:cover/>
   </p:transition>
 </p:sld>
@@ -6521,7 +9182,7 @@
         <p:cNvPr id="1" name="">
           <a:extLst>
             <a:ext uri="{FF2B5EF4-FFF2-40B4-BE49-F238E27FC236}">
-              <a16:creationId xmlns:a16="http://schemas.microsoft.com/office/drawing/2014/main" id="{73E248C8-3699-BB7A-4100-381A08DFF236}"/>
+              <a16:creationId xmlns:a16="http://schemas.microsoft.com/office/drawing/2014/main" id="{ED07943E-20F2-7D6F-7CFE-2490EE6ECBD1}"/>
             </a:ext>
           </a:extLst>
         </p:cNvPr>
@@ -6541,7 +9202,7 @@
           <p:cNvPr id="20" name="Oval 19">
             <a:extLst>
               <a:ext uri="{FF2B5EF4-FFF2-40B4-BE49-F238E27FC236}">
-                <a16:creationId xmlns:a16="http://schemas.microsoft.com/office/drawing/2014/main" id="{5EAACE2D-3925-EE95-F9AF-767CA523F267}"/>
+                <a16:creationId xmlns:a16="http://schemas.microsoft.com/office/drawing/2014/main" id="{4C3E4CA2-1A61-20E5-A65A-EB790CA058CC}"/>
               </a:ext>
             </a:extLst>
           </p:cNvPr>
@@ -6601,7 +9262,7 @@
           <p:cNvPr id="19" name="Oval 18">
             <a:extLst>
               <a:ext uri="{FF2B5EF4-FFF2-40B4-BE49-F238E27FC236}">
-                <a16:creationId xmlns:a16="http://schemas.microsoft.com/office/drawing/2014/main" id="{CDB8277A-C15B-CDC3-60F5-7C8B6EEEF8B0}"/>
+                <a16:creationId xmlns:a16="http://schemas.microsoft.com/office/drawing/2014/main" id="{AD2C016B-9772-DD53-606E-FA1E964FBC2F}"/>
               </a:ext>
             </a:extLst>
           </p:cNvPr>
@@ -6662,7 +9323,7 @@
           <p:cNvPr id="18" name="Oval 17">
             <a:extLst>
               <a:ext uri="{FF2B5EF4-FFF2-40B4-BE49-F238E27FC236}">
-                <a16:creationId xmlns:a16="http://schemas.microsoft.com/office/drawing/2014/main" id="{4C581430-ACA4-2AC7-46E9-BF63B51D36BE}"/>
+                <a16:creationId xmlns:a16="http://schemas.microsoft.com/office/drawing/2014/main" id="{4C652D20-9DDA-3870-C136-FD5C2D4071EA}"/>
               </a:ext>
             </a:extLst>
           </p:cNvPr>
@@ -6721,7 +9382,7 @@
           <p:cNvPr id="17" name="Oval 16">
             <a:extLst>
               <a:ext uri="{FF2B5EF4-FFF2-40B4-BE49-F238E27FC236}">
-                <a16:creationId xmlns:a16="http://schemas.microsoft.com/office/drawing/2014/main" id="{15CF9FFE-48DF-4045-B624-772851D63522}"/>
+                <a16:creationId xmlns:a16="http://schemas.microsoft.com/office/drawing/2014/main" id="{FA3100DE-5BC6-9686-CDA4-32550C9545E7}"/>
               </a:ext>
             </a:extLst>
           </p:cNvPr>
@@ -6782,7 +9443,7 @@
           <p:cNvPr id="21" name="Textfeld 20">
             <a:extLst>
               <a:ext uri="{FF2B5EF4-FFF2-40B4-BE49-F238E27FC236}">
-                <a16:creationId xmlns:a16="http://schemas.microsoft.com/office/drawing/2014/main" id="{9B6B494D-D0A9-D256-9D48-2DD4F065820F}"/>
+                <a16:creationId xmlns:a16="http://schemas.microsoft.com/office/drawing/2014/main" id="{68F67909-E514-B037-76E1-FAEFAF3AF1F0}"/>
               </a:ext>
             </a:extLst>
           </p:cNvPr>
@@ -6791,8 +9452,8 @@
         </p:nvSpPr>
         <p:spPr>
           <a:xfrm>
-            <a:off x="1953328" y="152401"/>
-            <a:ext cx="8285345" cy="1015663"/>
+            <a:off x="1771643" y="152401"/>
+            <a:ext cx="8648714" cy="1015663"/>
           </a:xfrm>
           <a:prstGeom prst="rect">
             <a:avLst/>
@@ -6805,6 +9466,7 @@
           </a:bodyPr>
           <a:lstStyle/>
           <a:p>
+            <a:pPr algn="ctr"/>
             <a:r>
               <a:rPr lang="de-DE" sz="6000" b="1" dirty="0">
                 <a:solidFill>
@@ -6812,7 +9474,7 @@
                 </a:solidFill>
                 <a:latin typeface="Perpetua" panose="02020502060401020303" pitchFamily="18" charset="77"/>
               </a:rPr>
-              <a:t>How did we use GitHub?</a:t>
+              <a:t>Why GitHub was essential</a:t>
             </a:r>
           </a:p>
         </p:txBody>
@@ -6822,7 +9484,7 @@
           <p:cNvPr id="23" name="Grafik 22">
             <a:extLst>
               <a:ext uri="{FF2B5EF4-FFF2-40B4-BE49-F238E27FC236}">
-                <a16:creationId xmlns:a16="http://schemas.microsoft.com/office/drawing/2014/main" id="{D406EA92-77AB-90B6-75E3-681B82FFD1BD}"/>
+                <a16:creationId xmlns:a16="http://schemas.microsoft.com/office/drawing/2014/main" id="{743F2C42-0ED5-F739-32FB-EBAF66ECE5A1}"/>
               </a:ext>
             </a:extLst>
           </p:cNvPr>
@@ -6839,8 +9501,8 @@
         </p:blipFill>
         <p:spPr>
           <a:xfrm rot="457495">
-            <a:off x="230721" y="124338"/>
-            <a:ext cx="1440000" cy="1440000"/>
+            <a:off x="248944" y="98459"/>
+            <a:ext cx="1173508" cy="1173508"/>
           </a:xfrm>
           <a:prstGeom prst="rect">
             <a:avLst/>
@@ -6852,7 +9514,7 @@
           <p:cNvPr id="3" name="Textfeld 2">
             <a:extLst>
               <a:ext uri="{FF2B5EF4-FFF2-40B4-BE49-F238E27FC236}">
-                <a16:creationId xmlns:a16="http://schemas.microsoft.com/office/drawing/2014/main" id="{F8150E5E-FD20-B317-1CFB-CAC7417EC8D8}"/>
+                <a16:creationId xmlns:a16="http://schemas.microsoft.com/office/drawing/2014/main" id="{3BC34DB4-08E1-C5AA-FB2B-6311E355D285}"/>
               </a:ext>
             </a:extLst>
           </p:cNvPr>
@@ -6861,8 +9523,8 @@
         </p:nvSpPr>
         <p:spPr>
           <a:xfrm>
-            <a:off x="2778370" y="2151728"/>
-            <a:ext cx="6635261" cy="2554545"/>
+            <a:off x="3239006" y="2551837"/>
+            <a:ext cx="5713989" cy="1938992"/>
           </a:xfrm>
           <a:prstGeom prst="rect">
             <a:avLst/>
@@ -6875,9 +9537,9 @@
           </a:bodyPr>
           <a:lstStyle/>
           <a:p>
-            <a:pPr marL="742950" indent="-742950" algn="ctr">
-              <a:buFont typeface="+mj-lt"/>
-              <a:buAutoNum type="arabicPeriod"/>
+            <a:pPr marL="571500" indent="-571500">
+              <a:buFont typeface="Wingdings" pitchFamily="2" charset="2"/>
+              <a:buChar char="Ø"/>
             </a:pPr>
             <a:r>
               <a:rPr lang="de-DE" sz="4000" b="1">
@@ -6886,13 +9548,13 @@
                 </a:solidFill>
                 <a:latin typeface="Perpetua" panose="02020502060401020303" pitchFamily="18" charset="77"/>
               </a:rPr>
-              <a:t>Clone Repository</a:t>
-            </a:r>
-          </a:p>
-          <a:p>
-            <a:pPr marL="742950" indent="-742950" algn="ctr">
-              <a:buFont typeface="+mj-lt"/>
-              <a:buAutoNum type="arabicPeriod"/>
+              <a:t>Efficient collaboration</a:t>
+            </a:r>
+          </a:p>
+          <a:p>
+            <a:pPr marL="571500" indent="-571500">
+              <a:buFont typeface="Wingdings" pitchFamily="2" charset="2"/>
+              <a:buChar char="Ø"/>
             </a:pPr>
             <a:r>
               <a:rPr lang="de-DE" sz="4000" b="1">
@@ -6901,13 +9563,13 @@
                 </a:solidFill>
                 <a:latin typeface="Perpetua" panose="02020502060401020303" pitchFamily="18" charset="77"/>
               </a:rPr>
-              <a:t>Creating Branches</a:t>
-            </a:r>
-          </a:p>
-          <a:p>
-            <a:pPr marL="742950" indent="-742950" algn="ctr">
-              <a:buFont typeface="+mj-lt"/>
-              <a:buAutoNum type="arabicPeriod"/>
+              <a:t>Traceability</a:t>
+            </a:r>
+          </a:p>
+          <a:p>
+            <a:pPr marL="571500" indent="-571500">
+              <a:buFont typeface="Wingdings" pitchFamily="2" charset="2"/>
+              <a:buChar char="Ø"/>
             </a:pPr>
             <a:r>
               <a:rPr lang="de-DE" sz="4000" b="1">
@@ -6916,465 +9578,156 @@
                 </a:solidFill>
                 <a:latin typeface="Perpetua" panose="02020502060401020303" pitchFamily="18" charset="77"/>
               </a:rPr>
-              <a:t>Commit and Push changes </a:t>
-            </a:r>
-          </a:p>
-          <a:p>
-            <a:pPr marL="742950" indent="-742950" algn="ctr">
-              <a:buFont typeface="+mj-lt"/>
-              <a:buAutoNum type="arabicPeriod"/>
-            </a:pPr>
-            <a:r>
-              <a:rPr lang="de-DE" sz="4000" b="1">
+              <a:t>Transparency</a:t>
+            </a:r>
+          </a:p>
+        </p:txBody>
+      </p:sp>
+      <p:grpSp>
+        <p:nvGrpSpPr>
+          <p:cNvPr id="5" name="Gruppieren 4">
+            <a:extLst>
+              <a:ext uri="{FF2B5EF4-FFF2-40B4-BE49-F238E27FC236}">
+                <a16:creationId xmlns:a16="http://schemas.microsoft.com/office/drawing/2014/main" id="{2D4C3AA0-F111-3169-CAF5-AEDA08F242CF}"/>
+              </a:ext>
+            </a:extLst>
+          </p:cNvPr>
+          <p:cNvGrpSpPr/>
+          <p:nvPr/>
+        </p:nvGrpSpPr>
+        <p:grpSpPr>
+          <a:xfrm>
+            <a:off x="1700595" y="4766607"/>
+            <a:ext cx="8790810" cy="1938992"/>
+            <a:chOff x="1950762" y="4564568"/>
+            <a:chExt cx="8790810" cy="1938992"/>
+          </a:xfrm>
+        </p:grpSpPr>
+        <p:sp>
+          <p:nvSpPr>
+            <p:cNvPr id="2" name="Textfeld 1">
+              <a:extLst>
+                <a:ext uri="{FF2B5EF4-FFF2-40B4-BE49-F238E27FC236}">
+                  <a16:creationId xmlns:a16="http://schemas.microsoft.com/office/drawing/2014/main" id="{D6BF34F3-2874-C2E5-BF51-EBFC1C6F1AB2}"/>
+                </a:ext>
+              </a:extLst>
+            </p:cNvPr>
+            <p:cNvSpPr txBox="1"/>
+            <p:nvPr/>
+          </p:nvSpPr>
+          <p:spPr>
+            <a:xfrm>
+              <a:off x="2778369" y="4564568"/>
+              <a:ext cx="7963203" cy="1938992"/>
+            </a:xfrm>
+            <a:prstGeom prst="rect">
+              <a:avLst/>
+            </a:prstGeom>
+            <a:noFill/>
+          </p:spPr>
+          <p:txBody>
+            <a:bodyPr wrap="square" rtlCol="0">
+              <a:spAutoFit/>
+            </a:bodyPr>
+            <a:lstStyle/>
+            <a:p>
+              <a:pPr algn="ctr"/>
+              <a:r>
+                <a:rPr lang="de-DE" sz="4000" b="1">
+                  <a:solidFill>
+                    <a:schemeClr val="bg1"/>
+                  </a:solidFill>
+                  <a:latin typeface="Perpetua" panose="02020502060401020303" pitchFamily="18" charset="77"/>
+                </a:rPr>
+                <a:t>These features are powered by </a:t>
+              </a:r>
+              <a:r>
+                <a:rPr lang="de-DE" sz="4000" b="1" u="sng">
+                  <a:solidFill>
+                    <a:schemeClr val="bg1"/>
+                  </a:solidFill>
+                  <a:latin typeface="Perpetua" panose="02020502060401020303" pitchFamily="18" charset="77"/>
+                </a:rPr>
+                <a:t>Git</a:t>
+              </a:r>
+              <a:r>
+                <a:rPr lang="de-DE" sz="4000" b="1">
+                  <a:solidFill>
+                    <a:schemeClr val="bg1"/>
+                  </a:solidFill>
+                  <a:latin typeface="Perpetua" panose="02020502060401020303" pitchFamily="18" charset="77"/>
+                </a:rPr>
+                <a:t>, the version control system.</a:t>
+              </a:r>
+            </a:p>
+            <a:p>
+              <a:pPr algn="ctr"/>
+              <a:endParaRPr lang="de-DE" sz="4000" b="1">
                 <a:solidFill>
                   <a:schemeClr val="bg1"/>
                 </a:solidFill>
                 <a:latin typeface="Perpetua" panose="02020502060401020303" pitchFamily="18" charset="77"/>
-              </a:rPr>
-              <a:t>Pull Requests and Merge</a:t>
-            </a:r>
-            <a:endParaRPr lang="de-DE" sz="3600" b="1">
+              </a:endParaRPr>
+            </a:p>
+          </p:txBody>
+        </p:sp>
+        <p:sp>
+          <p:nvSpPr>
+            <p:cNvPr id="4" name="Pfeil nach rechts 3">
+              <a:extLst>
+                <a:ext uri="{FF2B5EF4-FFF2-40B4-BE49-F238E27FC236}">
+                  <a16:creationId xmlns:a16="http://schemas.microsoft.com/office/drawing/2014/main" id="{3D2236B4-B6BA-FACC-1582-A5248CBC59EE}"/>
+                </a:ext>
+              </a:extLst>
+            </p:cNvPr>
+            <p:cNvSpPr/>
+            <p:nvPr/>
+          </p:nvSpPr>
+          <p:spPr>
+            <a:xfrm>
+              <a:off x="1950762" y="4564568"/>
+              <a:ext cx="909891" cy="595148"/>
+            </a:xfrm>
+            <a:prstGeom prst="rightArrow">
+              <a:avLst/>
+            </a:prstGeom>
+            <a:solidFill>
+              <a:schemeClr val="accent4">
+                <a:lumMod val="75000"/>
+              </a:schemeClr>
+            </a:solidFill>
+            <a:ln w="19050">
               <a:solidFill>
                 <a:schemeClr val="bg1"/>
               </a:solidFill>
-              <a:latin typeface="Perpetua" panose="02020502060401020303" pitchFamily="18" charset="77"/>
-            </a:endParaRPr>
-          </a:p>
-        </p:txBody>
-      </p:sp>
-    </p:spTree>
-    <p:extLst>
-      <p:ext uri="{BB962C8B-B14F-4D97-AF65-F5344CB8AC3E}">
-        <p14:creationId xmlns:p14="http://schemas.microsoft.com/office/powerpoint/2010/main" val="1719780683"/>
-      </p:ext>
-    </p:extLst>
-  </p:cSld>
-  <p:clrMapOvr>
-    <a:masterClrMapping/>
-  </p:clrMapOvr>
-  <mc:AlternateContent xmlns:mc="http://schemas.openxmlformats.org/markup-compatibility/2006">
-    <mc:Choice xmlns:p159="http://schemas.microsoft.com/office/powerpoint/2015/09/main" Requires="p159">
-      <p:transition xmlns:p14="http://schemas.microsoft.com/office/powerpoint/2010/main" spd="slow" p14:dur="2000">
-        <p159:morph option="byObject"/>
-      </p:transition>
-    </mc:Choice>
-    <mc:Fallback>
-      <p:transition spd="slow">
-        <p:fade/>
-      </p:transition>
-    </mc:Fallback>
-  </mc:AlternateContent>
-</p:sld>
-</file>
-
-<file path=ppt/slides/slide5.xml><?xml version="1.0" encoding="utf-8"?>
-<p:sld xmlns:a="http://schemas.openxmlformats.org/drawingml/2006/main" xmlns:r="http://schemas.openxmlformats.org/officeDocument/2006/relationships" xmlns:p="http://schemas.openxmlformats.org/presentationml/2006/main">
-  <p:cSld>
-    <p:spTree>
-      <p:nvGrpSpPr>
-        <p:cNvPr id="1" name="">
-          <a:extLst>
-            <a:ext uri="{FF2B5EF4-FFF2-40B4-BE49-F238E27FC236}">
-              <a16:creationId xmlns:a16="http://schemas.microsoft.com/office/drawing/2014/main" id="{ED07943E-20F2-7D6F-7CFE-2490EE6ECBD1}"/>
-            </a:ext>
-          </a:extLst>
-        </p:cNvPr>
-        <p:cNvGrpSpPr/>
-        <p:nvPr/>
-      </p:nvGrpSpPr>
-      <p:grpSpPr>
-        <a:xfrm>
-          <a:off x="0" y="0"/>
-          <a:ext cx="0" cy="0"/>
-          <a:chOff x="0" y="0"/>
-          <a:chExt cx="0" cy="0"/>
-        </a:xfrm>
-      </p:grpSpPr>
-      <p:sp>
-        <p:nvSpPr>
-          <p:cNvPr id="20" name="Oval 19">
-            <a:extLst>
-              <a:ext uri="{FF2B5EF4-FFF2-40B4-BE49-F238E27FC236}">
-                <a16:creationId xmlns:a16="http://schemas.microsoft.com/office/drawing/2014/main" id="{4C3E4CA2-1A61-20E5-A65A-EB790CA058CC}"/>
-              </a:ext>
-            </a:extLst>
-          </p:cNvPr>
-          <p:cNvSpPr/>
-          <p:nvPr/>
-        </p:nvSpPr>
-        <p:spPr>
-          <a:xfrm>
-            <a:off x="11324030" y="4115082"/>
-            <a:ext cx="1080000" cy="1080000"/>
-          </a:xfrm>
-          <a:prstGeom prst="ellipse">
-            <a:avLst/>
-          </a:prstGeom>
-          <a:solidFill>
-            <a:schemeClr val="accent1">
-              <a:lumMod val="40000"/>
-              <a:lumOff val="60000"/>
-            </a:schemeClr>
-          </a:solidFill>
-          <a:ln>
-            <a:noFill/>
-          </a:ln>
-        </p:spPr>
-        <p:style>
-          <a:lnRef idx="2">
-            <a:schemeClr val="accent1">
-              <a:shade val="15000"/>
-            </a:schemeClr>
-          </a:lnRef>
-          <a:fillRef idx="1">
-            <a:schemeClr val="accent1"/>
-          </a:fillRef>
-          <a:effectRef idx="0">
-            <a:schemeClr val="accent1"/>
-          </a:effectRef>
-          <a:fontRef idx="minor">
-            <a:schemeClr val="lt1"/>
-          </a:fontRef>
-        </p:style>
-        <p:txBody>
-          <a:bodyPr rtlCol="0" anchor="ctr"/>
-          <a:lstStyle/>
-          <a:p>
-            <a:pPr algn="ctr"/>
-            <a:r>
-              <a:rPr lang="de-DE" sz="5000" b="1" dirty="0">
-                <a:latin typeface="Perpetua Titling MT" panose="02020502060505020804" pitchFamily="18" charset="77"/>
-              </a:rPr>
-              <a:t>4</a:t>
-            </a:r>
-          </a:p>
-        </p:txBody>
-      </p:sp>
-      <p:sp>
-        <p:nvSpPr>
-          <p:cNvPr id="19" name="Oval 18">
-            <a:extLst>
-              <a:ext uri="{FF2B5EF4-FFF2-40B4-BE49-F238E27FC236}">
-                <a16:creationId xmlns:a16="http://schemas.microsoft.com/office/drawing/2014/main" id="{AD2C016B-9772-DD53-606E-FA1E964FBC2F}"/>
-              </a:ext>
-            </a:extLst>
-          </p:cNvPr>
-          <p:cNvSpPr/>
-          <p:nvPr/>
-        </p:nvSpPr>
-        <p:spPr>
-          <a:xfrm>
-            <a:off x="11324030" y="3324120"/>
-            <a:ext cx="1080000" cy="1080000"/>
-          </a:xfrm>
-          <a:prstGeom prst="ellipse">
-            <a:avLst/>
-          </a:prstGeom>
-          <a:solidFill>
-            <a:schemeClr val="accent1">
-              <a:lumMod val="60000"/>
-              <a:lumOff val="40000"/>
-            </a:schemeClr>
-          </a:solidFill>
-          <a:ln>
-            <a:noFill/>
-          </a:ln>
-        </p:spPr>
-        <p:style>
-          <a:lnRef idx="2">
-            <a:schemeClr val="accent1">
-              <a:shade val="15000"/>
-            </a:schemeClr>
-          </a:lnRef>
-          <a:fillRef idx="1">
-            <a:schemeClr val="accent1"/>
-          </a:fillRef>
-          <a:effectRef idx="0">
-            <a:schemeClr val="accent1"/>
-          </a:effectRef>
-          <a:fontRef idx="minor">
-            <a:schemeClr val="lt1"/>
-          </a:fontRef>
-        </p:style>
-        <p:txBody>
-          <a:bodyPr rtlCol="0" anchor="ctr"/>
-          <a:lstStyle/>
-          <a:p>
-            <a:pPr algn="ctr"/>
-            <a:r>
-              <a:rPr lang="de-DE" sz="5000" b="1" dirty="0">
-                <a:latin typeface="Perpetua Titling MT" panose="02020502060505020804" pitchFamily="18" charset="77"/>
-              </a:rPr>
-              <a:t>3</a:t>
-            </a:r>
-            <a:endParaRPr lang="de-DE" sz="5000" dirty="0"/>
-          </a:p>
-        </p:txBody>
-      </p:sp>
-      <p:sp>
-        <p:nvSpPr>
-          <p:cNvPr id="18" name="Oval 17">
-            <a:extLst>
-              <a:ext uri="{FF2B5EF4-FFF2-40B4-BE49-F238E27FC236}">
-                <a16:creationId xmlns:a16="http://schemas.microsoft.com/office/drawing/2014/main" id="{4C652D20-9DDA-3870-C136-FD5C2D4071EA}"/>
-              </a:ext>
-            </a:extLst>
-          </p:cNvPr>
-          <p:cNvSpPr/>
-          <p:nvPr/>
-        </p:nvSpPr>
-        <p:spPr>
-          <a:xfrm>
-            <a:off x="11324030" y="2447328"/>
-            <a:ext cx="1080000" cy="1080000"/>
-          </a:xfrm>
-          <a:prstGeom prst="ellipse">
-            <a:avLst/>
-          </a:prstGeom>
-          <a:solidFill>
-            <a:schemeClr val="accent1">
-              <a:lumMod val="75000"/>
-            </a:schemeClr>
-          </a:solidFill>
-          <a:ln>
-            <a:noFill/>
-          </a:ln>
-        </p:spPr>
-        <p:style>
-          <a:lnRef idx="2">
-            <a:schemeClr val="accent1">
-              <a:shade val="15000"/>
-            </a:schemeClr>
-          </a:lnRef>
-          <a:fillRef idx="1">
-            <a:schemeClr val="accent1"/>
-          </a:fillRef>
-          <a:effectRef idx="0">
-            <a:schemeClr val="accent1"/>
-          </a:effectRef>
-          <a:fontRef idx="minor">
-            <a:schemeClr val="lt1"/>
-          </a:fontRef>
-        </p:style>
-        <p:txBody>
-          <a:bodyPr rtlCol="0" anchor="ctr"/>
-          <a:lstStyle/>
-          <a:p>
-            <a:pPr algn="ctr"/>
-            <a:r>
-              <a:rPr lang="de-DE" sz="5000" b="1" dirty="0">
-                <a:latin typeface="Perpetua Titling MT" panose="02020502060505020804" pitchFamily="18" charset="77"/>
-              </a:rPr>
-              <a:t>2</a:t>
-            </a:r>
-          </a:p>
-        </p:txBody>
-      </p:sp>
-      <p:sp>
-        <p:nvSpPr>
-          <p:cNvPr id="17" name="Oval 16">
-            <a:extLst>
-              <a:ext uri="{FF2B5EF4-FFF2-40B4-BE49-F238E27FC236}">
-                <a16:creationId xmlns:a16="http://schemas.microsoft.com/office/drawing/2014/main" id="{FA3100DE-5BC6-9686-CDA4-32550C9545E7}"/>
-              </a:ext>
-            </a:extLst>
-          </p:cNvPr>
-          <p:cNvSpPr/>
-          <p:nvPr/>
-        </p:nvSpPr>
-        <p:spPr>
-          <a:xfrm>
-            <a:off x="10917138" y="936366"/>
-            <a:ext cx="1800000" cy="1800000"/>
-          </a:xfrm>
-          <a:prstGeom prst="ellipse">
-            <a:avLst/>
-          </a:prstGeom>
-          <a:solidFill>
-            <a:schemeClr val="accent1">
-              <a:lumMod val="50000"/>
-            </a:schemeClr>
-          </a:solidFill>
-          <a:ln w="76200">
-            <a:solidFill>
-              <a:srgbClr val="FF0000"/>
-            </a:solidFill>
-          </a:ln>
-        </p:spPr>
-        <p:style>
-          <a:lnRef idx="2">
-            <a:schemeClr val="accent1">
-              <a:shade val="15000"/>
-            </a:schemeClr>
-          </a:lnRef>
-          <a:fillRef idx="1">
-            <a:schemeClr val="accent1"/>
-          </a:fillRef>
-          <a:effectRef idx="0">
-            <a:schemeClr val="accent1"/>
-          </a:effectRef>
-          <a:fontRef idx="minor">
-            <a:schemeClr val="lt1"/>
-          </a:fontRef>
-        </p:style>
-        <p:txBody>
-          <a:bodyPr rtlCol="0" anchor="ctr"/>
-          <a:lstStyle/>
-          <a:p>
-            <a:pPr algn="ctr"/>
-            <a:r>
-              <a:rPr lang="de-DE" sz="12000" b="1" dirty="0">
-                <a:latin typeface="Perpetua Titling MT" panose="02020502060505020804" pitchFamily="18" charset="77"/>
-              </a:rPr>
-              <a:t>1</a:t>
-            </a:r>
-          </a:p>
-        </p:txBody>
-      </p:sp>
-      <p:sp>
-        <p:nvSpPr>
-          <p:cNvPr id="21" name="Textfeld 20">
-            <a:extLst>
-              <a:ext uri="{FF2B5EF4-FFF2-40B4-BE49-F238E27FC236}">
-                <a16:creationId xmlns:a16="http://schemas.microsoft.com/office/drawing/2014/main" id="{68F67909-E514-B037-76E1-FAEFAF3AF1F0}"/>
-              </a:ext>
-            </a:extLst>
-          </p:cNvPr>
-          <p:cNvSpPr txBox="1"/>
-          <p:nvPr/>
-        </p:nvSpPr>
-        <p:spPr>
-          <a:xfrm>
-            <a:off x="1771643" y="152401"/>
-            <a:ext cx="8648714" cy="1015663"/>
-          </a:xfrm>
-          <a:prstGeom prst="rect">
-            <a:avLst/>
-          </a:prstGeom>
-          <a:noFill/>
-        </p:spPr>
-        <p:txBody>
-          <a:bodyPr wrap="none" rtlCol="0">
-            <a:spAutoFit/>
-          </a:bodyPr>
-          <a:lstStyle/>
-          <a:p>
-            <a:r>
-              <a:rPr lang="de-DE" sz="6000" b="1" dirty="0">
-                <a:solidFill>
-                  <a:schemeClr val="bg1"/>
-                </a:solidFill>
-                <a:latin typeface="Perpetua" panose="02020502060401020303" pitchFamily="18" charset="77"/>
-              </a:rPr>
-              <a:t>Why GitHub was essential</a:t>
-            </a:r>
-          </a:p>
-        </p:txBody>
-      </p:sp>
-      <p:pic>
-        <p:nvPicPr>
-          <p:cNvPr id="23" name="Grafik 22">
-            <a:extLst>
-              <a:ext uri="{FF2B5EF4-FFF2-40B4-BE49-F238E27FC236}">
-                <a16:creationId xmlns:a16="http://schemas.microsoft.com/office/drawing/2014/main" id="{743F2C42-0ED5-F739-32FB-EBAF66ECE5A1}"/>
-              </a:ext>
-            </a:extLst>
-          </p:cNvPr>
-          <p:cNvPicPr>
-            <a:picLocks noChangeAspect="1"/>
-          </p:cNvPicPr>
-          <p:nvPr/>
-        </p:nvPicPr>
-        <p:blipFill>
-          <a:blip r:embed="rId2"/>
-          <a:stretch>
-            <a:fillRect/>
-          </a:stretch>
-        </p:blipFill>
-        <p:spPr>
-          <a:xfrm rot="457495">
-            <a:off x="230721" y="124338"/>
-            <a:ext cx="1440000" cy="1440000"/>
-          </a:xfrm>
-          <a:prstGeom prst="rect">
-            <a:avLst/>
-          </a:prstGeom>
-        </p:spPr>
-      </p:pic>
-      <p:sp>
-        <p:nvSpPr>
-          <p:cNvPr id="3" name="Textfeld 2">
-            <a:extLst>
-              <a:ext uri="{FF2B5EF4-FFF2-40B4-BE49-F238E27FC236}">
-                <a16:creationId xmlns:a16="http://schemas.microsoft.com/office/drawing/2014/main" id="{3BC34DB4-08E1-C5AA-FB2B-6311E355D285}"/>
-              </a:ext>
-            </a:extLst>
-          </p:cNvPr>
-          <p:cNvSpPr txBox="1"/>
-          <p:nvPr/>
-        </p:nvSpPr>
-        <p:spPr>
-          <a:xfrm>
-            <a:off x="2778370" y="2551837"/>
-            <a:ext cx="6635261" cy="1754326"/>
-          </a:xfrm>
-          <a:prstGeom prst="rect">
-            <a:avLst/>
-          </a:prstGeom>
-          <a:noFill/>
-        </p:spPr>
-        <p:txBody>
-          <a:bodyPr wrap="square" rtlCol="0">
-            <a:spAutoFit/>
-          </a:bodyPr>
-          <a:lstStyle/>
-          <a:p>
-            <a:pPr marL="571500" indent="-571500" algn="ctr">
-              <a:buFont typeface="Wingdings" pitchFamily="2" charset="2"/>
-              <a:buChar char="Ø"/>
-            </a:pPr>
-            <a:r>
-              <a:rPr lang="de-DE" sz="3600" b="1">
-                <a:solidFill>
-                  <a:schemeClr val="bg1"/>
-                </a:solidFill>
-                <a:latin typeface="Perpetua" panose="02020502060401020303" pitchFamily="18" charset="77"/>
-              </a:rPr>
-              <a:t>Efficient collaboration</a:t>
-            </a:r>
-          </a:p>
-          <a:p>
-            <a:pPr marL="571500" indent="-571500" algn="ctr">
-              <a:buFont typeface="Wingdings" pitchFamily="2" charset="2"/>
-              <a:buChar char="Ø"/>
-            </a:pPr>
-            <a:r>
-              <a:rPr lang="de-DE" sz="3600" b="1">
-                <a:solidFill>
-                  <a:schemeClr val="bg1"/>
-                </a:solidFill>
-                <a:latin typeface="Perpetua" panose="02020502060401020303" pitchFamily="18" charset="77"/>
-              </a:rPr>
-              <a:t>Traceability</a:t>
-            </a:r>
-          </a:p>
-          <a:p>
-            <a:pPr marL="571500" indent="-571500" algn="ctr">
-              <a:buFont typeface="Wingdings" pitchFamily="2" charset="2"/>
-              <a:buChar char="Ø"/>
-            </a:pPr>
-            <a:r>
-              <a:rPr lang="de-DE" sz="3600" b="1">
-                <a:solidFill>
-                  <a:schemeClr val="bg1"/>
-                </a:solidFill>
-                <a:latin typeface="Perpetua" panose="02020502060401020303" pitchFamily="18" charset="77"/>
-              </a:rPr>
-              <a:t>Transparency</a:t>
-            </a:r>
-          </a:p>
-        </p:txBody>
-      </p:sp>
+            </a:ln>
+          </p:spPr>
+          <p:style>
+            <a:lnRef idx="2">
+              <a:schemeClr val="accent1">
+                <a:shade val="15000"/>
+              </a:schemeClr>
+            </a:lnRef>
+            <a:fillRef idx="1">
+              <a:schemeClr val="accent1"/>
+            </a:fillRef>
+            <a:effectRef idx="0">
+              <a:schemeClr val="accent1"/>
+            </a:effectRef>
+            <a:fontRef idx="minor">
+              <a:schemeClr val="lt1"/>
+            </a:fontRef>
+          </p:style>
+          <p:txBody>
+            <a:bodyPr rtlCol="0" anchor="ctr"/>
+            <a:lstStyle/>
+            <a:p>
+              <a:pPr algn="ctr"/>
+              <a:endParaRPr lang="de-DE"/>
+            </a:p>
+          </p:txBody>
+        </p:sp>
+      </p:grpSp>
     </p:spTree>
     <p:extLst>
       <p:ext uri="{BB962C8B-B14F-4D97-AF65-F5344CB8AC3E}">
@@ -7387,12 +9740,12 @@
   </p:clrMapOvr>
   <mc:AlternateContent xmlns:mc="http://schemas.openxmlformats.org/markup-compatibility/2006">
     <mc:Choice xmlns:p159="http://schemas.microsoft.com/office/powerpoint/2015/09/main" Requires="p159">
-      <p:transition xmlns:p14="http://schemas.microsoft.com/office/powerpoint/2010/main" spd="slow" p14:dur="2000">
+      <p:transition>
         <p159:morph option="byObject"/>
       </p:transition>
     </mc:Choice>
     <mc:Fallback>
-      <p:transition spd="slow">
+      <p:transition>
         <p:fade/>
       </p:transition>
     </mc:Fallback>
@@ -7400,7 +9753,7 @@
 </p:sld>
 </file>
 
-<file path=ppt/slides/slide6.xml><?xml version="1.0" encoding="utf-8"?>
+<file path=ppt/slides/slide5.xml><?xml version="1.0" encoding="utf-8"?>
 <p:sld xmlns:a="http://schemas.openxmlformats.org/drawingml/2006/main" xmlns:r="http://schemas.openxmlformats.org/officeDocument/2006/relationships" xmlns:p="http://schemas.openxmlformats.org/presentationml/2006/main">
   <p:cSld>
     <p:spTree>
@@ -7678,8 +10031,8 @@
         </p:nvSpPr>
         <p:spPr>
           <a:xfrm>
-            <a:off x="5502729" y="152401"/>
-            <a:ext cx="1186543" cy="1015663"/>
+            <a:off x="4058968" y="152401"/>
+            <a:ext cx="4074064" cy="1015663"/>
           </a:xfrm>
           <a:prstGeom prst="rect">
             <a:avLst/>
@@ -7699,7 +10052,7 @@
                 </a:solidFill>
                 <a:latin typeface="Perpetua" panose="02020502060401020303" pitchFamily="18" charset="77"/>
               </a:rPr>
-              <a:t>Git</a:t>
+              <a:t>What is Git?</a:t>
             </a:r>
           </a:p>
         </p:txBody>
@@ -7726,14 +10079,147 @@
         </p:blipFill>
         <p:spPr>
           <a:xfrm rot="214387">
-            <a:off x="188758" y="136402"/>
-            <a:ext cx="1800000" cy="1800000"/>
+            <a:off x="222402" y="185005"/>
+            <a:ext cx="1080000" cy="1080000"/>
           </a:xfrm>
           <a:prstGeom prst="rect">
             <a:avLst/>
           </a:prstGeom>
         </p:spPr>
       </p:pic>
+      <p:pic>
+        <p:nvPicPr>
+          <p:cNvPr id="3" name="Grafik 2">
+            <a:extLst>
+              <a:ext uri="{FF2B5EF4-FFF2-40B4-BE49-F238E27FC236}">
+                <a16:creationId xmlns:a16="http://schemas.microsoft.com/office/drawing/2014/main" id="{70340C55-AB30-1F84-3633-E468484FBF1A}"/>
+              </a:ext>
+            </a:extLst>
+          </p:cNvPr>
+          <p:cNvPicPr>
+            <a:picLocks noChangeAspect="1"/>
+          </p:cNvPicPr>
+          <p:nvPr/>
+        </p:nvPicPr>
+        <p:blipFill>
+          <a:blip r:embed="rId3"/>
+          <a:stretch>
+            <a:fillRect/>
+          </a:stretch>
+        </p:blipFill>
+        <p:spPr>
+          <a:xfrm>
+            <a:off x="5196000" y="4708806"/>
+            <a:ext cx="1800000" cy="1800000"/>
+          </a:xfrm>
+          <a:prstGeom prst="rect">
+            <a:avLst/>
+          </a:prstGeom>
+          <a:ln>
+            <a:noFill/>
+          </a:ln>
+          <a:effectLst>
+            <a:reflection blurRad="12700" stA="30000" endPos="30000" dist="5000" dir="5400000" sy="-100000" algn="bl" rotWithShape="0"/>
+          </a:effectLst>
+          <a:scene3d>
+            <a:camera prst="perspectiveContrastingLeftFacing">
+              <a:rot lat="300000" lon="19800000" rev="0"/>
+            </a:camera>
+            <a:lightRig rig="threePt" dir="t">
+              <a:rot lat="0" lon="0" rev="2700000"/>
+            </a:lightRig>
+          </a:scene3d>
+          <a:sp3d>
+            <a:bevelT w="63500" h="50800"/>
+          </a:sp3d>
+        </p:spPr>
+      </p:pic>
+      <p:sp>
+        <p:nvSpPr>
+          <p:cNvPr id="5" name="Textfeld 4">
+            <a:extLst>
+              <a:ext uri="{FF2B5EF4-FFF2-40B4-BE49-F238E27FC236}">
+                <a16:creationId xmlns:a16="http://schemas.microsoft.com/office/drawing/2014/main" id="{C07AC94A-EABF-0844-327B-B999DA84E154}"/>
+              </a:ext>
+            </a:extLst>
+          </p:cNvPr>
+          <p:cNvSpPr txBox="1"/>
+          <p:nvPr/>
+        </p:nvSpPr>
+        <p:spPr>
+          <a:xfrm>
+            <a:off x="1221827" y="2002359"/>
+            <a:ext cx="9748346" cy="2554545"/>
+          </a:xfrm>
+          <a:prstGeom prst="rect">
+            <a:avLst/>
+          </a:prstGeom>
+          <a:noFill/>
+        </p:spPr>
+        <p:txBody>
+          <a:bodyPr wrap="square">
+            <a:spAutoFit/>
+          </a:bodyPr>
+          <a:lstStyle/>
+          <a:p>
+            <a:pPr algn="ctr"/>
+            <a:r>
+              <a:rPr lang="de-DE" sz="4000" b="1">
+                <a:solidFill>
+                  <a:schemeClr val="bg1"/>
+                </a:solidFill>
+                <a:latin typeface="Perpetua" panose="02020502060401020303" pitchFamily="18" charset="77"/>
+              </a:rPr>
+              <a:t>Functions:</a:t>
+            </a:r>
+          </a:p>
+          <a:p>
+            <a:pPr marL="571500" indent="-571500" algn="ctr">
+              <a:buFont typeface="Wingdings" pitchFamily="2" charset="2"/>
+              <a:buChar char="Ø"/>
+            </a:pPr>
+            <a:r>
+              <a:rPr lang="de-DE" sz="4000" b="1">
+                <a:solidFill>
+                  <a:schemeClr val="bg1"/>
+                </a:solidFill>
+                <a:latin typeface="Perpetua" panose="02020502060401020303" pitchFamily="18" charset="77"/>
+              </a:rPr>
+              <a:t>Tracks changes in files</a:t>
+            </a:r>
+          </a:p>
+          <a:p>
+            <a:pPr marL="571500" indent="-571500" algn="ctr">
+              <a:buFont typeface="Wingdings" pitchFamily="2" charset="2"/>
+              <a:buChar char="Ø"/>
+            </a:pPr>
+            <a:r>
+              <a:rPr lang="de-DE" sz="4000" b="1">
+                <a:solidFill>
+                  <a:schemeClr val="bg1"/>
+                </a:solidFill>
+                <a:latin typeface="Perpetua" panose="02020502060401020303" pitchFamily="18" charset="77"/>
+              </a:rPr>
+              <a:t>Allows you to load previous versions</a:t>
+            </a:r>
+          </a:p>
+          <a:p>
+            <a:pPr marL="571500" indent="-571500" algn="ctr">
+              <a:buFont typeface="Wingdings" pitchFamily="2" charset="2"/>
+              <a:buChar char="Ø"/>
+            </a:pPr>
+            <a:r>
+              <a:rPr lang="de-DE" sz="4000" b="1">
+                <a:solidFill>
+                  <a:schemeClr val="bg1"/>
+                </a:solidFill>
+                <a:latin typeface="Perpetua" panose="02020502060401020303" pitchFamily="18" charset="77"/>
+              </a:rPr>
+              <a:t>Supports branching and merging</a:t>
+            </a:r>
+          </a:p>
+        </p:txBody>
+      </p:sp>
     </p:spTree>
     <p:extLst>
       <p:ext uri="{BB962C8B-B14F-4D97-AF65-F5344CB8AC3E}">
@@ -7744,13 +10230,1347 @@
   <p:clrMapOvr>
     <a:masterClrMapping/>
   </p:clrMapOvr>
-  <p:transition spd="slow">
+  <p:transition spd="med">
     <p:cover/>
   </p:transition>
 </p:sld>
 </file>
 
+<file path=ppt/slides/slide6.xml><?xml version="1.0" encoding="utf-8"?>
+<p:sld xmlns:a="http://schemas.openxmlformats.org/drawingml/2006/main" xmlns:r="http://schemas.openxmlformats.org/officeDocument/2006/relationships" xmlns:p="http://schemas.openxmlformats.org/presentationml/2006/main">
+  <p:cSld>
+    <p:spTree>
+      <p:nvGrpSpPr>
+        <p:cNvPr id="1" name="">
+          <a:extLst>
+            <a:ext uri="{FF2B5EF4-FFF2-40B4-BE49-F238E27FC236}">
+              <a16:creationId xmlns:a16="http://schemas.microsoft.com/office/drawing/2014/main" id="{D19C3FD1-B2BB-AF1F-7616-AC7744E7A476}"/>
+            </a:ext>
+          </a:extLst>
+        </p:cNvPr>
+        <p:cNvGrpSpPr/>
+        <p:nvPr/>
+      </p:nvGrpSpPr>
+      <p:grpSpPr>
+        <a:xfrm>
+          <a:off x="0" y="0"/>
+          <a:ext cx="0" cy="0"/>
+          <a:chOff x="0" y="0"/>
+          <a:chExt cx="0" cy="0"/>
+        </a:xfrm>
+      </p:grpSpPr>
+      <p:sp>
+        <p:nvSpPr>
+          <p:cNvPr id="17" name="Oval 16">
+            <a:extLst>
+              <a:ext uri="{FF2B5EF4-FFF2-40B4-BE49-F238E27FC236}">
+                <a16:creationId xmlns:a16="http://schemas.microsoft.com/office/drawing/2014/main" id="{A57BBABF-2799-3C54-0422-FA27D8016A62}"/>
+              </a:ext>
+            </a:extLst>
+          </p:cNvPr>
+          <p:cNvSpPr/>
+          <p:nvPr/>
+        </p:nvSpPr>
+        <p:spPr>
+          <a:xfrm>
+            <a:off x="11324030" y="928932"/>
+            <a:ext cx="1080000" cy="1080000"/>
+          </a:xfrm>
+          <a:prstGeom prst="ellipse">
+            <a:avLst/>
+          </a:prstGeom>
+          <a:solidFill>
+            <a:schemeClr val="accent1">
+              <a:lumMod val="50000"/>
+            </a:schemeClr>
+          </a:solidFill>
+          <a:ln w="76200">
+            <a:noFill/>
+          </a:ln>
+        </p:spPr>
+        <p:style>
+          <a:lnRef idx="2">
+            <a:schemeClr val="accent1">
+              <a:shade val="15000"/>
+            </a:schemeClr>
+          </a:lnRef>
+          <a:fillRef idx="1">
+            <a:schemeClr val="accent1"/>
+          </a:fillRef>
+          <a:effectRef idx="0">
+            <a:schemeClr val="accent1"/>
+          </a:effectRef>
+          <a:fontRef idx="minor">
+            <a:schemeClr val="lt1"/>
+          </a:fontRef>
+        </p:style>
+        <p:txBody>
+          <a:bodyPr rtlCol="0" anchor="ctr"/>
+          <a:lstStyle/>
+          <a:p>
+            <a:pPr algn="ctr"/>
+            <a:r>
+              <a:rPr lang="de-DE" sz="5000" b="1" dirty="0">
+                <a:latin typeface="Perpetua Titling MT" panose="02020502060505020804" pitchFamily="18" charset="77"/>
+              </a:rPr>
+              <a:t>1</a:t>
+            </a:r>
+          </a:p>
+        </p:txBody>
+      </p:sp>
+      <p:sp>
+        <p:nvSpPr>
+          <p:cNvPr id="20" name="Oval 19">
+            <a:extLst>
+              <a:ext uri="{FF2B5EF4-FFF2-40B4-BE49-F238E27FC236}">
+                <a16:creationId xmlns:a16="http://schemas.microsoft.com/office/drawing/2014/main" id="{7431DD83-91FD-5114-DA84-8FB2E78A802D}"/>
+              </a:ext>
+            </a:extLst>
+          </p:cNvPr>
+          <p:cNvSpPr/>
+          <p:nvPr/>
+        </p:nvSpPr>
+        <p:spPr>
+          <a:xfrm>
+            <a:off x="11324030" y="4115082"/>
+            <a:ext cx="1080000" cy="1080000"/>
+          </a:xfrm>
+          <a:prstGeom prst="ellipse">
+            <a:avLst/>
+          </a:prstGeom>
+          <a:solidFill>
+            <a:schemeClr val="accent1">
+              <a:lumMod val="40000"/>
+              <a:lumOff val="60000"/>
+            </a:schemeClr>
+          </a:solidFill>
+          <a:ln>
+            <a:noFill/>
+          </a:ln>
+        </p:spPr>
+        <p:style>
+          <a:lnRef idx="2">
+            <a:schemeClr val="accent1">
+              <a:shade val="15000"/>
+            </a:schemeClr>
+          </a:lnRef>
+          <a:fillRef idx="1">
+            <a:schemeClr val="accent1"/>
+          </a:fillRef>
+          <a:effectRef idx="0">
+            <a:schemeClr val="accent1"/>
+          </a:effectRef>
+          <a:fontRef idx="minor">
+            <a:schemeClr val="lt1"/>
+          </a:fontRef>
+        </p:style>
+        <p:txBody>
+          <a:bodyPr rtlCol="0" anchor="ctr"/>
+          <a:lstStyle/>
+          <a:p>
+            <a:pPr algn="ctr"/>
+            <a:r>
+              <a:rPr lang="de-DE" sz="5000" b="1" dirty="0">
+                <a:latin typeface="Perpetua Titling MT" panose="02020502060505020804" pitchFamily="18" charset="77"/>
+              </a:rPr>
+              <a:t>4</a:t>
+            </a:r>
+          </a:p>
+        </p:txBody>
+      </p:sp>
+      <p:sp>
+        <p:nvSpPr>
+          <p:cNvPr id="19" name="Oval 18">
+            <a:extLst>
+              <a:ext uri="{FF2B5EF4-FFF2-40B4-BE49-F238E27FC236}">
+                <a16:creationId xmlns:a16="http://schemas.microsoft.com/office/drawing/2014/main" id="{3D1B349F-9DB3-5256-A81E-122229FC3E84}"/>
+              </a:ext>
+            </a:extLst>
+          </p:cNvPr>
+          <p:cNvSpPr/>
+          <p:nvPr/>
+        </p:nvSpPr>
+        <p:spPr>
+          <a:xfrm>
+            <a:off x="11324030" y="3324120"/>
+            <a:ext cx="1080000" cy="1080000"/>
+          </a:xfrm>
+          <a:prstGeom prst="ellipse">
+            <a:avLst/>
+          </a:prstGeom>
+          <a:solidFill>
+            <a:schemeClr val="accent1">
+              <a:lumMod val="60000"/>
+              <a:lumOff val="40000"/>
+            </a:schemeClr>
+          </a:solidFill>
+          <a:ln>
+            <a:noFill/>
+          </a:ln>
+        </p:spPr>
+        <p:style>
+          <a:lnRef idx="2">
+            <a:schemeClr val="accent1">
+              <a:shade val="15000"/>
+            </a:schemeClr>
+          </a:lnRef>
+          <a:fillRef idx="1">
+            <a:schemeClr val="accent1"/>
+          </a:fillRef>
+          <a:effectRef idx="0">
+            <a:schemeClr val="accent1"/>
+          </a:effectRef>
+          <a:fontRef idx="minor">
+            <a:schemeClr val="lt1"/>
+          </a:fontRef>
+        </p:style>
+        <p:txBody>
+          <a:bodyPr rtlCol="0" anchor="ctr"/>
+          <a:lstStyle/>
+          <a:p>
+            <a:pPr algn="ctr"/>
+            <a:r>
+              <a:rPr lang="de-DE" sz="5000" b="1" dirty="0">
+                <a:latin typeface="Perpetua Titling MT" panose="02020502060505020804" pitchFamily="18" charset="77"/>
+              </a:rPr>
+              <a:t>3</a:t>
+            </a:r>
+            <a:endParaRPr lang="de-DE" sz="5000" dirty="0"/>
+          </a:p>
+        </p:txBody>
+      </p:sp>
+      <p:sp>
+        <p:nvSpPr>
+          <p:cNvPr id="18" name="Oval 17">
+            <a:extLst>
+              <a:ext uri="{FF2B5EF4-FFF2-40B4-BE49-F238E27FC236}">
+                <a16:creationId xmlns:a16="http://schemas.microsoft.com/office/drawing/2014/main" id="{F08DC70C-42F4-C41A-CEF4-95806787A400}"/>
+              </a:ext>
+            </a:extLst>
+          </p:cNvPr>
+          <p:cNvSpPr/>
+          <p:nvPr/>
+        </p:nvSpPr>
+        <p:spPr>
+          <a:xfrm>
+            <a:off x="10917138" y="1842918"/>
+            <a:ext cx="1800000" cy="1800000"/>
+          </a:xfrm>
+          <a:prstGeom prst="ellipse">
+            <a:avLst/>
+          </a:prstGeom>
+          <a:solidFill>
+            <a:schemeClr val="accent1">
+              <a:lumMod val="75000"/>
+            </a:schemeClr>
+          </a:solidFill>
+          <a:ln w="76200">
+            <a:solidFill>
+              <a:schemeClr val="accent4"/>
+            </a:solidFill>
+          </a:ln>
+        </p:spPr>
+        <p:style>
+          <a:lnRef idx="2">
+            <a:schemeClr val="accent1">
+              <a:shade val="15000"/>
+            </a:schemeClr>
+          </a:lnRef>
+          <a:fillRef idx="1">
+            <a:schemeClr val="accent1"/>
+          </a:fillRef>
+          <a:effectRef idx="0">
+            <a:schemeClr val="accent1"/>
+          </a:effectRef>
+          <a:fontRef idx="minor">
+            <a:schemeClr val="lt1"/>
+          </a:fontRef>
+        </p:style>
+        <p:txBody>
+          <a:bodyPr rtlCol="0" anchor="ctr"/>
+          <a:lstStyle/>
+          <a:p>
+            <a:pPr algn="ctr"/>
+            <a:r>
+              <a:rPr lang="de-DE" sz="12000" b="1" dirty="0">
+                <a:latin typeface="Perpetua Titling MT" panose="02020502060505020804" pitchFamily="18" charset="77"/>
+              </a:rPr>
+              <a:t>2</a:t>
+            </a:r>
+          </a:p>
+        </p:txBody>
+      </p:sp>
+      <p:sp>
+        <p:nvSpPr>
+          <p:cNvPr id="21" name="Textfeld 20">
+            <a:extLst>
+              <a:ext uri="{FF2B5EF4-FFF2-40B4-BE49-F238E27FC236}">
+                <a16:creationId xmlns:a16="http://schemas.microsoft.com/office/drawing/2014/main" id="{E2B4077A-B248-BD24-193A-7EC360BB6415}"/>
+              </a:ext>
+            </a:extLst>
+          </p:cNvPr>
+          <p:cNvSpPr txBox="1"/>
+          <p:nvPr/>
+        </p:nvSpPr>
+        <p:spPr>
+          <a:xfrm>
+            <a:off x="2678686" y="152401"/>
+            <a:ext cx="6834628" cy="1015663"/>
+          </a:xfrm>
+          <a:prstGeom prst="rect">
+            <a:avLst/>
+          </a:prstGeom>
+          <a:noFill/>
+        </p:spPr>
+        <p:txBody>
+          <a:bodyPr wrap="none" rtlCol="0">
+            <a:spAutoFit/>
+          </a:bodyPr>
+          <a:lstStyle/>
+          <a:p>
+            <a:pPr algn="ctr"/>
+            <a:r>
+              <a:rPr lang="de-DE" sz="6000" b="1" dirty="0">
+                <a:solidFill>
+                  <a:schemeClr val="bg1"/>
+                </a:solidFill>
+                <a:latin typeface="Perpetua" panose="02020502060401020303" pitchFamily="18" charset="77"/>
+              </a:rPr>
+              <a:t>How did we use Git?</a:t>
+            </a:r>
+          </a:p>
+        </p:txBody>
+      </p:sp>
+      <p:pic>
+        <p:nvPicPr>
+          <p:cNvPr id="2" name="Grafik 1">
+            <a:extLst>
+              <a:ext uri="{FF2B5EF4-FFF2-40B4-BE49-F238E27FC236}">
+                <a16:creationId xmlns:a16="http://schemas.microsoft.com/office/drawing/2014/main" id="{BFAD7D78-7BB7-FB4B-93B5-DA7222E39D23}"/>
+              </a:ext>
+            </a:extLst>
+          </p:cNvPr>
+          <p:cNvPicPr>
+            <a:picLocks noChangeAspect="1"/>
+          </p:cNvPicPr>
+          <p:nvPr/>
+        </p:nvPicPr>
+        <p:blipFill>
+          <a:blip r:embed="rId3"/>
+          <a:stretch>
+            <a:fillRect/>
+          </a:stretch>
+        </p:blipFill>
+        <p:spPr>
+          <a:xfrm rot="214387">
+            <a:off x="222402" y="185005"/>
+            <a:ext cx="1080000" cy="1080000"/>
+          </a:xfrm>
+          <a:prstGeom prst="rect">
+            <a:avLst/>
+          </a:prstGeom>
+        </p:spPr>
+      </p:pic>
+      <p:grpSp>
+        <p:nvGrpSpPr>
+          <p:cNvPr id="5" name="Gruppieren 4">
+            <a:extLst>
+              <a:ext uri="{FF2B5EF4-FFF2-40B4-BE49-F238E27FC236}">
+                <a16:creationId xmlns:a16="http://schemas.microsoft.com/office/drawing/2014/main" id="{490175CC-8ADC-FE98-5A6E-3AFF05013209}"/>
+              </a:ext>
+            </a:extLst>
+          </p:cNvPr>
+          <p:cNvGrpSpPr/>
+          <p:nvPr/>
+        </p:nvGrpSpPr>
+        <p:grpSpPr>
+          <a:xfrm>
+            <a:off x="1953328" y="2151728"/>
+            <a:ext cx="7460303" cy="2554545"/>
+            <a:chOff x="1953328" y="2151728"/>
+            <a:chExt cx="7460303" cy="2554545"/>
+          </a:xfrm>
+        </p:grpSpPr>
+        <p:sp>
+          <p:nvSpPr>
+            <p:cNvPr id="3" name="Textfeld 2">
+              <a:extLst>
+                <a:ext uri="{FF2B5EF4-FFF2-40B4-BE49-F238E27FC236}">
+                  <a16:creationId xmlns:a16="http://schemas.microsoft.com/office/drawing/2014/main" id="{BDF82D5E-3C4C-41DB-91D7-707A2C908A5D}"/>
+                </a:ext>
+              </a:extLst>
+            </p:cNvPr>
+            <p:cNvSpPr txBox="1"/>
+            <p:nvPr/>
+          </p:nvSpPr>
+          <p:spPr>
+            <a:xfrm>
+              <a:off x="2778370" y="2151728"/>
+              <a:ext cx="6635261" cy="2554545"/>
+            </a:xfrm>
+            <a:prstGeom prst="rect">
+              <a:avLst/>
+            </a:prstGeom>
+            <a:noFill/>
+          </p:spPr>
+          <p:txBody>
+            <a:bodyPr wrap="square" rtlCol="0">
+              <a:spAutoFit/>
+            </a:bodyPr>
+            <a:lstStyle/>
+            <a:p>
+              <a:pPr marL="742950" indent="-742950">
+                <a:buFont typeface="+mj-lt"/>
+                <a:buAutoNum type="arabicPeriod"/>
+              </a:pPr>
+              <a:r>
+                <a:rPr lang="de-DE" sz="4000" b="1">
+                  <a:solidFill>
+                    <a:schemeClr val="bg1"/>
+                  </a:solidFill>
+                  <a:latin typeface="Perpetua" panose="02020502060401020303" pitchFamily="18" charset="77"/>
+                </a:rPr>
+                <a:t>Clone Repository</a:t>
+              </a:r>
+            </a:p>
+            <a:p>
+              <a:pPr marL="742950" indent="-742950">
+                <a:buFont typeface="+mj-lt"/>
+                <a:buAutoNum type="arabicPeriod"/>
+              </a:pPr>
+              <a:r>
+                <a:rPr lang="de-DE" sz="4000" b="1">
+                  <a:solidFill>
+                    <a:schemeClr val="bg1"/>
+                  </a:solidFill>
+                  <a:latin typeface="Perpetua" panose="02020502060401020303" pitchFamily="18" charset="77"/>
+                </a:rPr>
+                <a:t>Creating Branches</a:t>
+              </a:r>
+            </a:p>
+            <a:p>
+              <a:pPr marL="742950" indent="-742950">
+                <a:buFont typeface="+mj-lt"/>
+                <a:buAutoNum type="arabicPeriod"/>
+              </a:pPr>
+              <a:r>
+                <a:rPr lang="de-DE" sz="4000" b="1">
+                  <a:solidFill>
+                    <a:schemeClr val="bg1"/>
+                  </a:solidFill>
+                  <a:latin typeface="Perpetua" panose="02020502060401020303" pitchFamily="18" charset="77"/>
+                </a:rPr>
+                <a:t>Commit and Push changes </a:t>
+              </a:r>
+            </a:p>
+            <a:p>
+              <a:pPr marL="742950" indent="-742950">
+                <a:buFont typeface="+mj-lt"/>
+                <a:buAutoNum type="arabicPeriod"/>
+              </a:pPr>
+              <a:r>
+                <a:rPr lang="de-DE" sz="4000" b="1">
+                  <a:solidFill>
+                    <a:schemeClr val="bg1"/>
+                  </a:solidFill>
+                  <a:latin typeface="Perpetua" panose="02020502060401020303" pitchFamily="18" charset="77"/>
+                </a:rPr>
+                <a:t>Pull Requests and Merge</a:t>
+              </a:r>
+              <a:endParaRPr lang="de-DE" sz="3600" b="1">
+                <a:solidFill>
+                  <a:schemeClr val="bg1"/>
+                </a:solidFill>
+                <a:latin typeface="Perpetua" panose="02020502060401020303" pitchFamily="18" charset="77"/>
+              </a:endParaRPr>
+            </a:p>
+          </p:txBody>
+        </p:sp>
+        <p:sp>
+          <p:nvSpPr>
+            <p:cNvPr id="4" name="Pfeil nach unten 3">
+              <a:extLst>
+                <a:ext uri="{FF2B5EF4-FFF2-40B4-BE49-F238E27FC236}">
+                  <a16:creationId xmlns:a16="http://schemas.microsoft.com/office/drawing/2014/main" id="{A8BA5BE6-9432-AEDE-CAF8-C002FEDA396D}"/>
+                </a:ext>
+              </a:extLst>
+            </p:cNvPr>
+            <p:cNvSpPr/>
+            <p:nvPr/>
+          </p:nvSpPr>
+          <p:spPr>
+            <a:xfrm>
+              <a:off x="1953328" y="2217687"/>
+              <a:ext cx="825042" cy="2362466"/>
+            </a:xfrm>
+            <a:prstGeom prst="downArrow">
+              <a:avLst/>
+            </a:prstGeom>
+            <a:solidFill>
+              <a:schemeClr val="accent4">
+                <a:lumMod val="75000"/>
+              </a:schemeClr>
+            </a:solidFill>
+            <a:ln w="19050">
+              <a:solidFill>
+                <a:schemeClr val="bg1"/>
+              </a:solidFill>
+            </a:ln>
+          </p:spPr>
+          <p:style>
+            <a:lnRef idx="2">
+              <a:schemeClr val="accent1">
+                <a:shade val="15000"/>
+              </a:schemeClr>
+            </a:lnRef>
+            <a:fillRef idx="1">
+              <a:schemeClr val="accent1"/>
+            </a:fillRef>
+            <a:effectRef idx="0">
+              <a:schemeClr val="accent1"/>
+            </a:effectRef>
+            <a:fontRef idx="minor">
+              <a:schemeClr val="lt1"/>
+            </a:fontRef>
+          </p:style>
+          <p:txBody>
+            <a:bodyPr rtlCol="0" anchor="ctr"/>
+            <a:lstStyle/>
+            <a:p>
+              <a:pPr algn="ctr"/>
+              <a:endParaRPr lang="de-DE"/>
+            </a:p>
+          </p:txBody>
+        </p:sp>
+      </p:grpSp>
+    </p:spTree>
+    <p:extLst>
+      <p:ext uri="{BB962C8B-B14F-4D97-AF65-F5344CB8AC3E}">
+        <p14:creationId xmlns:p14="http://schemas.microsoft.com/office/powerpoint/2010/main" val="3794651065"/>
+      </p:ext>
+    </p:extLst>
+  </p:cSld>
+  <p:clrMapOvr>
+    <a:masterClrMapping/>
+  </p:clrMapOvr>
+  <mc:AlternateContent xmlns:mc="http://schemas.openxmlformats.org/markup-compatibility/2006">
+    <mc:Choice xmlns:p159="http://schemas.microsoft.com/office/powerpoint/2015/09/main" Requires="p159">
+      <p:transition>
+        <p159:morph option="byObject"/>
+      </p:transition>
+    </mc:Choice>
+    <mc:Fallback>
+      <p:transition>
+        <p:fade/>
+      </p:transition>
+    </mc:Fallback>
+  </mc:AlternateContent>
+</p:sld>
+</file>
+
 <file path=ppt/slides/slide7.xml><?xml version="1.0" encoding="utf-8"?>
+<p:sld xmlns:a="http://schemas.openxmlformats.org/drawingml/2006/main" xmlns:r="http://schemas.openxmlformats.org/officeDocument/2006/relationships" xmlns:p="http://schemas.openxmlformats.org/presentationml/2006/main">
+  <p:cSld>
+    <p:bg>
+      <p:bgPr>
+        <a:blipFill dpi="0" rotWithShape="1">
+          <a:blip r:embed="rId3">
+            <a:lum/>
+          </a:blip>
+          <a:srcRect/>
+          <a:stretch>
+            <a:fillRect l="-1000" r="-1000"/>
+          </a:stretch>
+        </a:blipFill>
+        <a:effectLst/>
+      </p:bgPr>
+    </p:bg>
+    <p:spTree>
+      <p:nvGrpSpPr>
+        <p:cNvPr id="1" name="">
+          <a:extLst>
+            <a:ext uri="{FF2B5EF4-FFF2-40B4-BE49-F238E27FC236}">
+              <a16:creationId xmlns:a16="http://schemas.microsoft.com/office/drawing/2014/main" id="{BEA52291-435E-4E31-6A01-EBBE2EE86591}"/>
+            </a:ext>
+          </a:extLst>
+        </p:cNvPr>
+        <p:cNvGrpSpPr/>
+        <p:nvPr/>
+      </p:nvGrpSpPr>
+      <p:grpSpPr>
+        <a:xfrm>
+          <a:off x="0" y="0"/>
+          <a:ext cx="0" cy="0"/>
+          <a:chOff x="0" y="0"/>
+          <a:chExt cx="0" cy="0"/>
+        </a:xfrm>
+      </p:grpSpPr>
+      <p:sp>
+        <p:nvSpPr>
+          <p:cNvPr id="17" name="Oval 16">
+            <a:extLst>
+              <a:ext uri="{FF2B5EF4-FFF2-40B4-BE49-F238E27FC236}">
+                <a16:creationId xmlns:a16="http://schemas.microsoft.com/office/drawing/2014/main" id="{41D42430-6267-9554-CAC0-FAC046492D77}"/>
+              </a:ext>
+            </a:extLst>
+          </p:cNvPr>
+          <p:cNvSpPr/>
+          <p:nvPr/>
+        </p:nvSpPr>
+        <p:spPr>
+          <a:xfrm>
+            <a:off x="11324030" y="928932"/>
+            <a:ext cx="1080000" cy="1080000"/>
+          </a:xfrm>
+          <a:prstGeom prst="ellipse">
+            <a:avLst/>
+          </a:prstGeom>
+          <a:solidFill>
+            <a:schemeClr val="accent1">
+              <a:lumMod val="50000"/>
+            </a:schemeClr>
+          </a:solidFill>
+          <a:ln w="76200">
+            <a:noFill/>
+          </a:ln>
+        </p:spPr>
+        <p:style>
+          <a:lnRef idx="2">
+            <a:schemeClr val="accent1">
+              <a:shade val="15000"/>
+            </a:schemeClr>
+          </a:lnRef>
+          <a:fillRef idx="1">
+            <a:schemeClr val="accent1"/>
+          </a:fillRef>
+          <a:effectRef idx="0">
+            <a:schemeClr val="accent1"/>
+          </a:effectRef>
+          <a:fontRef idx="minor">
+            <a:schemeClr val="lt1"/>
+          </a:fontRef>
+        </p:style>
+        <p:txBody>
+          <a:bodyPr rtlCol="0" anchor="ctr"/>
+          <a:lstStyle/>
+          <a:p>
+            <a:pPr algn="ctr"/>
+            <a:r>
+              <a:rPr lang="de-DE" sz="5000" b="1" dirty="0">
+                <a:latin typeface="Perpetua Titling MT" panose="02020502060505020804" pitchFamily="18" charset="77"/>
+              </a:rPr>
+              <a:t>1</a:t>
+            </a:r>
+          </a:p>
+        </p:txBody>
+      </p:sp>
+      <p:sp>
+        <p:nvSpPr>
+          <p:cNvPr id="20" name="Oval 19">
+            <a:extLst>
+              <a:ext uri="{FF2B5EF4-FFF2-40B4-BE49-F238E27FC236}">
+                <a16:creationId xmlns:a16="http://schemas.microsoft.com/office/drawing/2014/main" id="{4E069821-2B5B-B681-3AAB-E71C275D6533}"/>
+              </a:ext>
+            </a:extLst>
+          </p:cNvPr>
+          <p:cNvSpPr/>
+          <p:nvPr/>
+        </p:nvSpPr>
+        <p:spPr>
+          <a:xfrm>
+            <a:off x="11324030" y="4115082"/>
+            <a:ext cx="1080000" cy="1080000"/>
+          </a:xfrm>
+          <a:prstGeom prst="ellipse">
+            <a:avLst/>
+          </a:prstGeom>
+          <a:solidFill>
+            <a:schemeClr val="accent1">
+              <a:lumMod val="40000"/>
+              <a:lumOff val="60000"/>
+            </a:schemeClr>
+          </a:solidFill>
+          <a:ln>
+            <a:noFill/>
+          </a:ln>
+        </p:spPr>
+        <p:style>
+          <a:lnRef idx="2">
+            <a:schemeClr val="accent1">
+              <a:shade val="15000"/>
+            </a:schemeClr>
+          </a:lnRef>
+          <a:fillRef idx="1">
+            <a:schemeClr val="accent1"/>
+          </a:fillRef>
+          <a:effectRef idx="0">
+            <a:schemeClr val="accent1"/>
+          </a:effectRef>
+          <a:fontRef idx="minor">
+            <a:schemeClr val="lt1"/>
+          </a:fontRef>
+        </p:style>
+        <p:txBody>
+          <a:bodyPr rtlCol="0" anchor="ctr"/>
+          <a:lstStyle/>
+          <a:p>
+            <a:pPr algn="ctr"/>
+            <a:r>
+              <a:rPr lang="de-DE" sz="5000" b="1" dirty="0">
+                <a:latin typeface="Perpetua Titling MT" panose="02020502060505020804" pitchFamily="18" charset="77"/>
+              </a:rPr>
+              <a:t>4</a:t>
+            </a:r>
+          </a:p>
+        </p:txBody>
+      </p:sp>
+      <p:sp>
+        <p:nvSpPr>
+          <p:cNvPr id="19" name="Oval 18">
+            <a:extLst>
+              <a:ext uri="{FF2B5EF4-FFF2-40B4-BE49-F238E27FC236}">
+                <a16:creationId xmlns:a16="http://schemas.microsoft.com/office/drawing/2014/main" id="{0F0892B5-F8F1-EFD5-FB4B-8F26A06E7BCB}"/>
+              </a:ext>
+            </a:extLst>
+          </p:cNvPr>
+          <p:cNvSpPr/>
+          <p:nvPr/>
+        </p:nvSpPr>
+        <p:spPr>
+          <a:xfrm>
+            <a:off x="11324030" y="3324120"/>
+            <a:ext cx="1080000" cy="1080000"/>
+          </a:xfrm>
+          <a:prstGeom prst="ellipse">
+            <a:avLst/>
+          </a:prstGeom>
+          <a:solidFill>
+            <a:schemeClr val="accent1">
+              <a:lumMod val="60000"/>
+              <a:lumOff val="40000"/>
+            </a:schemeClr>
+          </a:solidFill>
+          <a:ln>
+            <a:noFill/>
+          </a:ln>
+        </p:spPr>
+        <p:style>
+          <a:lnRef idx="2">
+            <a:schemeClr val="accent1">
+              <a:shade val="15000"/>
+            </a:schemeClr>
+          </a:lnRef>
+          <a:fillRef idx="1">
+            <a:schemeClr val="accent1"/>
+          </a:fillRef>
+          <a:effectRef idx="0">
+            <a:schemeClr val="accent1"/>
+          </a:effectRef>
+          <a:fontRef idx="minor">
+            <a:schemeClr val="lt1"/>
+          </a:fontRef>
+        </p:style>
+        <p:txBody>
+          <a:bodyPr rtlCol="0" anchor="ctr"/>
+          <a:lstStyle/>
+          <a:p>
+            <a:pPr algn="ctr"/>
+            <a:r>
+              <a:rPr lang="de-DE" sz="5000" b="1" dirty="0">
+                <a:latin typeface="Perpetua Titling MT" panose="02020502060505020804" pitchFamily="18" charset="77"/>
+              </a:rPr>
+              <a:t>3</a:t>
+            </a:r>
+            <a:endParaRPr lang="de-DE" sz="5000" dirty="0"/>
+          </a:p>
+        </p:txBody>
+      </p:sp>
+      <p:sp>
+        <p:nvSpPr>
+          <p:cNvPr id="18" name="Oval 17">
+            <a:extLst>
+              <a:ext uri="{FF2B5EF4-FFF2-40B4-BE49-F238E27FC236}">
+                <a16:creationId xmlns:a16="http://schemas.microsoft.com/office/drawing/2014/main" id="{282421FA-E6A9-3E89-38CE-D00E7E95E347}"/>
+              </a:ext>
+            </a:extLst>
+          </p:cNvPr>
+          <p:cNvSpPr/>
+          <p:nvPr/>
+        </p:nvSpPr>
+        <p:spPr>
+          <a:xfrm>
+            <a:off x="10917138" y="1842918"/>
+            <a:ext cx="1800000" cy="1800000"/>
+          </a:xfrm>
+          <a:prstGeom prst="ellipse">
+            <a:avLst/>
+          </a:prstGeom>
+          <a:solidFill>
+            <a:schemeClr val="accent1">
+              <a:lumMod val="75000"/>
+            </a:schemeClr>
+          </a:solidFill>
+          <a:ln w="76200">
+            <a:solidFill>
+              <a:schemeClr val="accent4"/>
+            </a:solidFill>
+          </a:ln>
+        </p:spPr>
+        <p:style>
+          <a:lnRef idx="2">
+            <a:schemeClr val="accent1">
+              <a:shade val="15000"/>
+            </a:schemeClr>
+          </a:lnRef>
+          <a:fillRef idx="1">
+            <a:schemeClr val="accent1"/>
+          </a:fillRef>
+          <a:effectRef idx="0">
+            <a:schemeClr val="accent1"/>
+          </a:effectRef>
+          <a:fontRef idx="minor">
+            <a:schemeClr val="lt1"/>
+          </a:fontRef>
+        </p:style>
+        <p:txBody>
+          <a:bodyPr rtlCol="0" anchor="ctr"/>
+          <a:lstStyle/>
+          <a:p>
+            <a:pPr algn="ctr"/>
+            <a:r>
+              <a:rPr lang="de-DE" sz="12000" b="1" dirty="0">
+                <a:latin typeface="Perpetua Titling MT" panose="02020502060505020804" pitchFamily="18" charset="77"/>
+              </a:rPr>
+              <a:t>2</a:t>
+            </a:r>
+          </a:p>
+        </p:txBody>
+      </p:sp>
+      <p:sp>
+        <p:nvSpPr>
+          <p:cNvPr id="4" name="Rechteck 3">
+            <a:extLst>
+              <a:ext uri="{FF2B5EF4-FFF2-40B4-BE49-F238E27FC236}">
+                <a16:creationId xmlns:a16="http://schemas.microsoft.com/office/drawing/2014/main" id="{3D9431A5-ABF9-6561-240E-61C3C4643C24}"/>
+              </a:ext>
+            </a:extLst>
+          </p:cNvPr>
+          <p:cNvSpPr/>
+          <p:nvPr/>
+        </p:nvSpPr>
+        <p:spPr>
+          <a:xfrm>
+            <a:off x="367862" y="1629103"/>
+            <a:ext cx="4582510" cy="4172607"/>
+          </a:xfrm>
+          <a:prstGeom prst="rect">
+            <a:avLst/>
+          </a:prstGeom>
+          <a:noFill/>
+          <a:ln w="57150">
+            <a:solidFill>
+              <a:schemeClr val="accent4"/>
+            </a:solidFill>
+          </a:ln>
+        </p:spPr>
+        <p:style>
+          <a:lnRef idx="2">
+            <a:schemeClr val="accent1">
+              <a:shade val="15000"/>
+            </a:schemeClr>
+          </a:lnRef>
+          <a:fillRef idx="1">
+            <a:schemeClr val="accent1"/>
+          </a:fillRef>
+          <a:effectRef idx="0">
+            <a:schemeClr val="accent1"/>
+          </a:effectRef>
+          <a:fontRef idx="minor">
+            <a:schemeClr val="lt1"/>
+          </a:fontRef>
+        </p:style>
+        <p:txBody>
+          <a:bodyPr rtlCol="0" anchor="ctr"/>
+          <a:lstStyle/>
+          <a:p>
+            <a:pPr algn="ctr"/>
+            <a:endParaRPr lang="de-DE"/>
+          </a:p>
+        </p:txBody>
+      </p:sp>
+      <p:sp>
+        <p:nvSpPr>
+          <p:cNvPr id="5" name="Pfeil nach rechts 4">
+            <a:extLst>
+              <a:ext uri="{FF2B5EF4-FFF2-40B4-BE49-F238E27FC236}">
+                <a16:creationId xmlns:a16="http://schemas.microsoft.com/office/drawing/2014/main" id="{AEE6B8AE-97E9-F5F1-8B1F-225DF4379428}"/>
+              </a:ext>
+            </a:extLst>
+          </p:cNvPr>
+          <p:cNvSpPr/>
+          <p:nvPr/>
+        </p:nvSpPr>
+        <p:spPr>
+          <a:xfrm flipH="1">
+            <a:off x="5197367" y="3093611"/>
+            <a:ext cx="3541987" cy="1098613"/>
+          </a:xfrm>
+          <a:prstGeom prst="rightArrow">
+            <a:avLst/>
+          </a:prstGeom>
+          <a:solidFill>
+            <a:schemeClr val="accent4"/>
+          </a:solidFill>
+          <a:ln w="19050">
+            <a:solidFill>
+              <a:schemeClr val="bg1"/>
+            </a:solidFill>
+          </a:ln>
+        </p:spPr>
+        <p:style>
+          <a:lnRef idx="2">
+            <a:schemeClr val="accent1">
+              <a:shade val="15000"/>
+            </a:schemeClr>
+          </a:lnRef>
+          <a:fillRef idx="1">
+            <a:schemeClr val="accent1"/>
+          </a:fillRef>
+          <a:effectRef idx="0">
+            <a:schemeClr val="accent1"/>
+          </a:effectRef>
+          <a:fontRef idx="minor">
+            <a:schemeClr val="lt1"/>
+          </a:fontRef>
+        </p:style>
+        <p:txBody>
+          <a:bodyPr rtlCol="0" anchor="ctr"/>
+          <a:lstStyle/>
+          <a:p>
+            <a:pPr algn="ctr"/>
+            <a:endParaRPr lang="de-DE"/>
+          </a:p>
+        </p:txBody>
+      </p:sp>
+      <p:sp>
+        <p:nvSpPr>
+          <p:cNvPr id="6" name="Textfeld 5">
+            <a:extLst>
+              <a:ext uri="{FF2B5EF4-FFF2-40B4-BE49-F238E27FC236}">
+                <a16:creationId xmlns:a16="http://schemas.microsoft.com/office/drawing/2014/main" id="{04C90E2A-6C3C-D14A-46C5-BF892C2718FD}"/>
+              </a:ext>
+            </a:extLst>
+          </p:cNvPr>
+          <p:cNvSpPr txBox="1"/>
+          <p:nvPr/>
+        </p:nvSpPr>
+        <p:spPr>
+          <a:xfrm>
+            <a:off x="2509754" y="199694"/>
+            <a:ext cx="7319632" cy="1015663"/>
+          </a:xfrm>
+          <a:prstGeom prst="rect">
+            <a:avLst/>
+          </a:prstGeom>
+          <a:solidFill>
+            <a:schemeClr val="accent1">
+              <a:lumMod val="75000"/>
+            </a:schemeClr>
+          </a:solidFill>
+        </p:spPr>
+        <p:txBody>
+          <a:bodyPr wrap="none" rtlCol="0">
+            <a:spAutoFit/>
+          </a:bodyPr>
+          <a:lstStyle/>
+          <a:p>
+            <a:pPr algn="ctr"/>
+            <a:r>
+              <a:rPr lang="de-DE" sz="6000" b="1" dirty="0">
+                <a:solidFill>
+                  <a:schemeClr val="bg1"/>
+                </a:solidFill>
+                <a:latin typeface="Perpetua" panose="02020502060401020303" pitchFamily="18" charset="77"/>
+              </a:rPr>
+              <a:t>Example for Branches</a:t>
+            </a:r>
+          </a:p>
+        </p:txBody>
+      </p:sp>
+    </p:spTree>
+    <p:extLst>
+      <p:ext uri="{BB962C8B-B14F-4D97-AF65-F5344CB8AC3E}">
+        <p14:creationId xmlns:p14="http://schemas.microsoft.com/office/powerpoint/2010/main" val="2512830738"/>
+      </p:ext>
+    </p:extLst>
+  </p:cSld>
+  <p:clrMapOvr>
+    <a:masterClrMapping/>
+  </p:clrMapOvr>
+  <mc:AlternateContent xmlns:mc="http://schemas.openxmlformats.org/markup-compatibility/2006">
+    <mc:Choice xmlns:p159="http://schemas.microsoft.com/office/powerpoint/2015/09/main" Requires="p159">
+      <p:transition>
+        <p159:morph option="byObject"/>
+      </p:transition>
+    </mc:Choice>
+    <mc:Fallback>
+      <p:transition>
+        <p:fade/>
+      </p:transition>
+    </mc:Fallback>
+  </mc:AlternateContent>
+</p:sld>
+</file>
+
+<file path=ppt/slides/slide8.xml><?xml version="1.0" encoding="utf-8"?>
+<p:sld xmlns:a="http://schemas.openxmlformats.org/drawingml/2006/main" xmlns:r="http://schemas.openxmlformats.org/officeDocument/2006/relationships" xmlns:p="http://schemas.openxmlformats.org/presentationml/2006/main">
+  <p:cSld>
+    <p:bg>
+      <p:bgPr>
+        <a:blipFill dpi="0" rotWithShape="1">
+          <a:blip r:embed="rId3">
+            <a:lum/>
+          </a:blip>
+          <a:srcRect/>
+          <a:stretch>
+            <a:fillRect t="-8000" b="-8000"/>
+          </a:stretch>
+        </a:blipFill>
+        <a:effectLst/>
+      </p:bgPr>
+    </p:bg>
+    <p:spTree>
+      <p:nvGrpSpPr>
+        <p:cNvPr id="1" name="">
+          <a:extLst>
+            <a:ext uri="{FF2B5EF4-FFF2-40B4-BE49-F238E27FC236}">
+              <a16:creationId xmlns:a16="http://schemas.microsoft.com/office/drawing/2014/main" id="{808251FA-3E9E-F8C1-1334-375D30E84753}"/>
+            </a:ext>
+          </a:extLst>
+        </p:cNvPr>
+        <p:cNvGrpSpPr/>
+        <p:nvPr/>
+      </p:nvGrpSpPr>
+      <p:grpSpPr>
+        <a:xfrm>
+          <a:off x="0" y="0"/>
+          <a:ext cx="0" cy="0"/>
+          <a:chOff x="0" y="0"/>
+          <a:chExt cx="0" cy="0"/>
+        </a:xfrm>
+      </p:grpSpPr>
+      <p:sp>
+        <p:nvSpPr>
+          <p:cNvPr id="17" name="Oval 16">
+            <a:extLst>
+              <a:ext uri="{FF2B5EF4-FFF2-40B4-BE49-F238E27FC236}">
+                <a16:creationId xmlns:a16="http://schemas.microsoft.com/office/drawing/2014/main" id="{ADFFFB91-9322-256D-70CA-1F57B8ED6CC0}"/>
+              </a:ext>
+            </a:extLst>
+          </p:cNvPr>
+          <p:cNvSpPr/>
+          <p:nvPr/>
+        </p:nvSpPr>
+        <p:spPr>
+          <a:xfrm>
+            <a:off x="11324030" y="928932"/>
+            <a:ext cx="1080000" cy="1080000"/>
+          </a:xfrm>
+          <a:prstGeom prst="ellipse">
+            <a:avLst/>
+          </a:prstGeom>
+          <a:solidFill>
+            <a:schemeClr val="accent1">
+              <a:lumMod val="50000"/>
+            </a:schemeClr>
+          </a:solidFill>
+          <a:ln w="76200">
+            <a:noFill/>
+          </a:ln>
+        </p:spPr>
+        <p:style>
+          <a:lnRef idx="2">
+            <a:schemeClr val="accent1">
+              <a:shade val="15000"/>
+            </a:schemeClr>
+          </a:lnRef>
+          <a:fillRef idx="1">
+            <a:schemeClr val="accent1"/>
+          </a:fillRef>
+          <a:effectRef idx="0">
+            <a:schemeClr val="accent1"/>
+          </a:effectRef>
+          <a:fontRef idx="minor">
+            <a:schemeClr val="lt1"/>
+          </a:fontRef>
+        </p:style>
+        <p:txBody>
+          <a:bodyPr rtlCol="0" anchor="ctr"/>
+          <a:lstStyle/>
+          <a:p>
+            <a:pPr algn="ctr"/>
+            <a:r>
+              <a:rPr lang="de-DE" sz="5000" b="1" dirty="0">
+                <a:latin typeface="Perpetua Titling MT" panose="02020502060505020804" pitchFamily="18" charset="77"/>
+              </a:rPr>
+              <a:t>1</a:t>
+            </a:r>
+          </a:p>
+        </p:txBody>
+      </p:sp>
+      <p:sp>
+        <p:nvSpPr>
+          <p:cNvPr id="20" name="Oval 19">
+            <a:extLst>
+              <a:ext uri="{FF2B5EF4-FFF2-40B4-BE49-F238E27FC236}">
+                <a16:creationId xmlns:a16="http://schemas.microsoft.com/office/drawing/2014/main" id="{142F76FD-F0E7-CC90-D906-36A3F16971F7}"/>
+              </a:ext>
+            </a:extLst>
+          </p:cNvPr>
+          <p:cNvSpPr/>
+          <p:nvPr/>
+        </p:nvSpPr>
+        <p:spPr>
+          <a:xfrm>
+            <a:off x="11324030" y="4115082"/>
+            <a:ext cx="1080000" cy="1080000"/>
+          </a:xfrm>
+          <a:prstGeom prst="ellipse">
+            <a:avLst/>
+          </a:prstGeom>
+          <a:solidFill>
+            <a:schemeClr val="accent1">
+              <a:lumMod val="40000"/>
+              <a:lumOff val="60000"/>
+            </a:schemeClr>
+          </a:solidFill>
+          <a:ln>
+            <a:noFill/>
+          </a:ln>
+        </p:spPr>
+        <p:style>
+          <a:lnRef idx="2">
+            <a:schemeClr val="accent1">
+              <a:shade val="15000"/>
+            </a:schemeClr>
+          </a:lnRef>
+          <a:fillRef idx="1">
+            <a:schemeClr val="accent1"/>
+          </a:fillRef>
+          <a:effectRef idx="0">
+            <a:schemeClr val="accent1"/>
+          </a:effectRef>
+          <a:fontRef idx="minor">
+            <a:schemeClr val="lt1"/>
+          </a:fontRef>
+        </p:style>
+        <p:txBody>
+          <a:bodyPr rtlCol="0" anchor="ctr"/>
+          <a:lstStyle/>
+          <a:p>
+            <a:pPr algn="ctr"/>
+            <a:r>
+              <a:rPr lang="de-DE" sz="5000" b="1" dirty="0">
+                <a:latin typeface="Perpetua Titling MT" panose="02020502060505020804" pitchFamily="18" charset="77"/>
+              </a:rPr>
+              <a:t>4</a:t>
+            </a:r>
+          </a:p>
+        </p:txBody>
+      </p:sp>
+      <p:sp>
+        <p:nvSpPr>
+          <p:cNvPr id="19" name="Oval 18">
+            <a:extLst>
+              <a:ext uri="{FF2B5EF4-FFF2-40B4-BE49-F238E27FC236}">
+                <a16:creationId xmlns:a16="http://schemas.microsoft.com/office/drawing/2014/main" id="{F84382D3-7A2B-4105-7C88-1ACAEDCB29F5}"/>
+              </a:ext>
+            </a:extLst>
+          </p:cNvPr>
+          <p:cNvSpPr/>
+          <p:nvPr/>
+        </p:nvSpPr>
+        <p:spPr>
+          <a:xfrm>
+            <a:off x="11324030" y="3324120"/>
+            <a:ext cx="1080000" cy="1080000"/>
+          </a:xfrm>
+          <a:prstGeom prst="ellipse">
+            <a:avLst/>
+          </a:prstGeom>
+          <a:solidFill>
+            <a:schemeClr val="accent1">
+              <a:lumMod val="60000"/>
+              <a:lumOff val="40000"/>
+            </a:schemeClr>
+          </a:solidFill>
+          <a:ln>
+            <a:noFill/>
+          </a:ln>
+        </p:spPr>
+        <p:style>
+          <a:lnRef idx="2">
+            <a:schemeClr val="accent1">
+              <a:shade val="15000"/>
+            </a:schemeClr>
+          </a:lnRef>
+          <a:fillRef idx="1">
+            <a:schemeClr val="accent1"/>
+          </a:fillRef>
+          <a:effectRef idx="0">
+            <a:schemeClr val="accent1"/>
+          </a:effectRef>
+          <a:fontRef idx="minor">
+            <a:schemeClr val="lt1"/>
+          </a:fontRef>
+        </p:style>
+        <p:txBody>
+          <a:bodyPr rtlCol="0" anchor="ctr"/>
+          <a:lstStyle/>
+          <a:p>
+            <a:pPr algn="ctr"/>
+            <a:r>
+              <a:rPr lang="de-DE" sz="5000" b="1" dirty="0">
+                <a:latin typeface="Perpetua Titling MT" panose="02020502060505020804" pitchFamily="18" charset="77"/>
+              </a:rPr>
+              <a:t>3</a:t>
+            </a:r>
+            <a:endParaRPr lang="de-DE" sz="5000" dirty="0"/>
+          </a:p>
+        </p:txBody>
+      </p:sp>
+      <p:sp>
+        <p:nvSpPr>
+          <p:cNvPr id="18" name="Oval 17">
+            <a:extLst>
+              <a:ext uri="{FF2B5EF4-FFF2-40B4-BE49-F238E27FC236}">
+                <a16:creationId xmlns:a16="http://schemas.microsoft.com/office/drawing/2014/main" id="{572D30E8-B016-720B-2742-FA213FE3EBC4}"/>
+              </a:ext>
+            </a:extLst>
+          </p:cNvPr>
+          <p:cNvSpPr/>
+          <p:nvPr/>
+        </p:nvSpPr>
+        <p:spPr>
+          <a:xfrm>
+            <a:off x="10917138" y="1842918"/>
+            <a:ext cx="1800000" cy="1800000"/>
+          </a:xfrm>
+          <a:prstGeom prst="ellipse">
+            <a:avLst/>
+          </a:prstGeom>
+          <a:solidFill>
+            <a:schemeClr val="accent1">
+              <a:lumMod val="75000"/>
+            </a:schemeClr>
+          </a:solidFill>
+          <a:ln w="76200">
+            <a:solidFill>
+              <a:schemeClr val="accent4"/>
+            </a:solidFill>
+          </a:ln>
+        </p:spPr>
+        <p:style>
+          <a:lnRef idx="2">
+            <a:schemeClr val="accent1">
+              <a:shade val="15000"/>
+            </a:schemeClr>
+          </a:lnRef>
+          <a:fillRef idx="1">
+            <a:schemeClr val="accent1"/>
+          </a:fillRef>
+          <a:effectRef idx="0">
+            <a:schemeClr val="accent1"/>
+          </a:effectRef>
+          <a:fontRef idx="minor">
+            <a:schemeClr val="lt1"/>
+          </a:fontRef>
+        </p:style>
+        <p:txBody>
+          <a:bodyPr rtlCol="0" anchor="ctr"/>
+          <a:lstStyle/>
+          <a:p>
+            <a:pPr algn="ctr"/>
+            <a:r>
+              <a:rPr lang="de-DE" sz="12000" b="1" dirty="0">
+                <a:latin typeface="Perpetua Titling MT" panose="02020502060505020804" pitchFamily="18" charset="77"/>
+              </a:rPr>
+              <a:t>2</a:t>
+            </a:r>
+          </a:p>
+        </p:txBody>
+      </p:sp>
+      <p:sp>
+        <p:nvSpPr>
+          <p:cNvPr id="7" name="Textfeld 6">
+            <a:extLst>
+              <a:ext uri="{FF2B5EF4-FFF2-40B4-BE49-F238E27FC236}">
+                <a16:creationId xmlns:a16="http://schemas.microsoft.com/office/drawing/2014/main" id="{C7A9EDF9-84E3-6652-5FA9-68E775D62B5B}"/>
+              </a:ext>
+            </a:extLst>
+          </p:cNvPr>
+          <p:cNvSpPr txBox="1"/>
+          <p:nvPr/>
+        </p:nvSpPr>
+        <p:spPr>
+          <a:xfrm>
+            <a:off x="2492289" y="199694"/>
+            <a:ext cx="7207422" cy="1015663"/>
+          </a:xfrm>
+          <a:prstGeom prst="rect">
+            <a:avLst/>
+          </a:prstGeom>
+          <a:solidFill>
+            <a:schemeClr val="accent1">
+              <a:lumMod val="75000"/>
+            </a:schemeClr>
+          </a:solidFill>
+        </p:spPr>
+        <p:txBody>
+          <a:bodyPr wrap="none" rtlCol="0">
+            <a:spAutoFit/>
+          </a:bodyPr>
+          <a:lstStyle/>
+          <a:p>
+            <a:pPr algn="ctr"/>
+            <a:r>
+              <a:rPr lang="de-DE" sz="6000" b="1" dirty="0">
+                <a:solidFill>
+                  <a:schemeClr val="bg1"/>
+                </a:solidFill>
+                <a:latin typeface="Perpetua" panose="02020502060401020303" pitchFamily="18" charset="77"/>
+              </a:rPr>
+              <a:t>Example for Commits</a:t>
+            </a:r>
+          </a:p>
+        </p:txBody>
+      </p:sp>
+    </p:spTree>
+    <p:extLst>
+      <p:ext uri="{BB962C8B-B14F-4D97-AF65-F5344CB8AC3E}">
+        <p14:creationId xmlns:p14="http://schemas.microsoft.com/office/powerpoint/2010/main" val="813696981"/>
+      </p:ext>
+    </p:extLst>
+  </p:cSld>
+  <p:clrMapOvr>
+    <a:masterClrMapping/>
+  </p:clrMapOvr>
+  <mc:AlternateContent xmlns:mc="http://schemas.openxmlformats.org/markup-compatibility/2006">
+    <mc:Choice xmlns:p159="http://schemas.microsoft.com/office/powerpoint/2015/09/main" Requires="p159">
+      <p:transition>
+        <p159:morph option="byObject"/>
+      </p:transition>
+    </mc:Choice>
+    <mc:Fallback>
+      <p:transition>
+        <p:fade/>
+      </p:transition>
+    </mc:Fallback>
+  </mc:AlternateContent>
+</p:sld>
+</file>
+
+<file path=ppt/slides/slide9.xml><?xml version="1.0" encoding="utf-8"?>
 <p:sld xmlns:a="http://schemas.openxmlformats.org/drawingml/2006/main" xmlns:r="http://schemas.openxmlformats.org/officeDocument/2006/relationships" xmlns:p="http://schemas.openxmlformats.org/presentationml/2006/main">
   <p:cSld>
     <p:spTree>
@@ -8028,8 +11848,8 @@
         </p:nvSpPr>
         <p:spPr>
           <a:xfrm>
-            <a:off x="5004259" y="152401"/>
-            <a:ext cx="2183483" cy="1015663"/>
+            <a:off x="2951348" y="152401"/>
+            <a:ext cx="6289305" cy="1938992"/>
           </a:xfrm>
           <a:prstGeom prst="rect">
             <a:avLst/>
@@ -8037,11 +11857,12 @@
           <a:noFill/>
         </p:spPr>
         <p:txBody>
-          <a:bodyPr wrap="none" rtlCol="0">
+          <a:bodyPr wrap="square" rtlCol="0">
             <a:spAutoFit/>
           </a:bodyPr>
           <a:lstStyle/>
           <a:p>
+            <a:pPr algn="ctr"/>
             <a:r>
               <a:rPr lang="de-DE" sz="6000" b="1" dirty="0">
                 <a:solidFill>
@@ -8049,86 +11870,127 @@
                 </a:solidFill>
                 <a:latin typeface="Perpetua" panose="02020502060401020303" pitchFamily="18" charset="77"/>
               </a:rPr>
-              <a:t>Tables</a:t>
-            </a:r>
-          </a:p>
-        </p:txBody>
-      </p:sp>
-      <p:pic>
-        <p:nvPicPr>
-          <p:cNvPr id="4" name="Grafik 3">
-            <a:extLst>
-              <a:ext uri="{FF2B5EF4-FFF2-40B4-BE49-F238E27FC236}">
-                <a16:creationId xmlns:a16="http://schemas.microsoft.com/office/drawing/2014/main" id="{3B86B580-1907-2F64-37ED-A0E5C70911B1}"/>
-              </a:ext>
-            </a:extLst>
-          </p:cNvPr>
-          <p:cNvPicPr>
-            <a:picLocks noChangeAspect="1"/>
-          </p:cNvPicPr>
+              <a:t>How did we start? </a:t>
+            </a:r>
+          </a:p>
+          <a:p>
+            <a:pPr algn="ctr"/>
+            <a:endParaRPr lang="de-DE" sz="6000" b="1" dirty="0">
+              <a:solidFill>
+                <a:schemeClr val="bg1"/>
+              </a:solidFill>
+              <a:latin typeface="Perpetua" panose="02020502060401020303" pitchFamily="18" charset="77"/>
+            </a:endParaRPr>
+          </a:p>
+        </p:txBody>
+      </p:sp>
+      <p:sp>
+        <p:nvSpPr>
+          <p:cNvPr id="3" name="Textfeld 2">
+            <a:extLst>
+              <a:ext uri="{FF2B5EF4-FFF2-40B4-BE49-F238E27FC236}">
+                <a16:creationId xmlns:a16="http://schemas.microsoft.com/office/drawing/2014/main" id="{6F362368-D318-2713-9220-EC449A7B3BCF}"/>
+              </a:ext>
+            </a:extLst>
+          </p:cNvPr>
+          <p:cNvSpPr txBox="1"/>
           <p:nvPr/>
-        </p:nvPicPr>
-        <p:blipFill>
-          <a:blip r:embed="rId2"/>
-          <a:stretch>
-            <a:fillRect/>
-          </a:stretch>
-        </p:blipFill>
+        </p:nvSpPr>
         <p:spPr>
-          <a:xfrm rot="360440">
-            <a:off x="365532" y="255824"/>
-            <a:ext cx="1800000" cy="1800000"/>
+          <a:xfrm>
+            <a:off x="3877653" y="2002359"/>
+            <a:ext cx="4436695" cy="3170099"/>
           </a:xfrm>
           <a:prstGeom prst="rect">
             <a:avLst/>
           </a:prstGeom>
+          <a:noFill/>
         </p:spPr>
-      </p:pic>
-    </p:spTree>
-    <p:extLst>
-      <p:ext uri="{BB962C8B-B14F-4D97-AF65-F5344CB8AC3E}">
-        <p14:creationId xmlns:p14="http://schemas.microsoft.com/office/powerpoint/2010/main" val="2564952388"/>
-      </p:ext>
-    </p:extLst>
-  </p:cSld>
-  <p:clrMapOvr>
-    <a:masterClrMapping/>
-  </p:clrMapOvr>
-  <p:transition spd="slow">
-    <p:cover/>
-  </p:transition>
-</p:sld>
-</file>
-
-<file path=ppt/slides/slide8.xml><?xml version="1.0" encoding="utf-8"?>
-<p:sld xmlns:a="http://schemas.openxmlformats.org/drawingml/2006/main" xmlns:r="http://schemas.openxmlformats.org/officeDocument/2006/relationships" xmlns:p="http://schemas.openxmlformats.org/presentationml/2006/main">
-  <p:cSld>
-    <p:spTree>
-      <p:nvGrpSpPr>
-        <p:cNvPr id="1" name="">
-          <a:extLst>
-            <a:ext uri="{FF2B5EF4-FFF2-40B4-BE49-F238E27FC236}">
-              <a16:creationId xmlns:a16="http://schemas.microsoft.com/office/drawing/2014/main" id="{50131DA1-0E4E-0266-B948-A183EE7572DE}"/>
-            </a:ext>
-          </a:extLst>
-        </p:cNvPr>
-        <p:cNvGrpSpPr/>
-        <p:nvPr/>
-      </p:nvGrpSpPr>
-      <p:grpSpPr>
-        <a:xfrm>
-          <a:off x="0" y="0"/>
-          <a:ext cx="0" cy="0"/>
-          <a:chOff x="0" y="0"/>
-          <a:chExt cx="0" cy="0"/>
-        </a:xfrm>
-      </p:grpSpPr>
-      <p:sp>
-        <p:nvSpPr>
-          <p:cNvPr id="19" name="Oval 18">
-            <a:extLst>
-              <a:ext uri="{FF2B5EF4-FFF2-40B4-BE49-F238E27FC236}">
-                <a16:creationId xmlns:a16="http://schemas.microsoft.com/office/drawing/2014/main" id="{C1113901-83C2-999A-14EE-46BA8F572BE9}"/>
+        <p:txBody>
+          <a:bodyPr wrap="square">
+            <a:spAutoFit/>
+          </a:bodyPr>
+          <a:lstStyle/>
+          <a:p>
+            <a:pPr marL="742950" indent="-742950">
+              <a:buFont typeface="+mj-lt"/>
+              <a:buAutoNum type="arabicPeriod"/>
+            </a:pPr>
+            <a:r>
+              <a:rPr lang="de-DE" sz="4000" b="1">
+                <a:solidFill>
+                  <a:schemeClr val="bg1"/>
+                </a:solidFill>
+                <a:latin typeface="Perpetua" panose="02020502060401020303" pitchFamily="18" charset="77"/>
+              </a:rPr>
+              <a:t>Data Collection </a:t>
+            </a:r>
+          </a:p>
+          <a:p>
+            <a:pPr marL="742950" indent="-742950">
+              <a:buFont typeface="+mj-lt"/>
+              <a:buAutoNum type="arabicPeriod"/>
+            </a:pPr>
+            <a:r>
+              <a:rPr lang="de-DE" sz="4000" b="1">
+                <a:solidFill>
+                  <a:schemeClr val="bg1"/>
+                </a:solidFill>
+                <a:latin typeface="Perpetua" panose="02020502060401020303" pitchFamily="18" charset="77"/>
+              </a:rPr>
+              <a:t>GitHub Setup</a:t>
+            </a:r>
+          </a:p>
+          <a:p>
+            <a:pPr marL="742950" indent="-742950">
+              <a:buFont typeface="+mj-lt"/>
+              <a:buAutoNum type="arabicPeriod"/>
+            </a:pPr>
+            <a:r>
+              <a:rPr lang="de-DE" sz="4000" b="1">
+                <a:solidFill>
+                  <a:schemeClr val="bg1"/>
+                </a:solidFill>
+                <a:latin typeface="Perpetua" panose="02020502060401020303" pitchFamily="18" charset="77"/>
+              </a:rPr>
+              <a:t>UML Design</a:t>
+            </a:r>
+          </a:p>
+          <a:p>
+            <a:pPr marL="742950" indent="-742950">
+              <a:buFont typeface="+mj-lt"/>
+              <a:buAutoNum type="arabicPeriod"/>
+            </a:pPr>
+            <a:r>
+              <a:rPr lang="de-DE" sz="4000" b="1">
+                <a:solidFill>
+                  <a:schemeClr val="bg1"/>
+                </a:solidFill>
+                <a:latin typeface="Perpetua" panose="02020502060401020303" pitchFamily="18" charset="77"/>
+              </a:rPr>
+              <a:t>Data Import </a:t>
+            </a:r>
+          </a:p>
+          <a:p>
+            <a:pPr marL="571500" indent="-571500">
+              <a:buFont typeface="Wingdings" pitchFamily="2" charset="2"/>
+              <a:buChar char="Ø"/>
+            </a:pPr>
+            <a:endParaRPr lang="de-DE" sz="4000" b="1">
+              <a:solidFill>
+                <a:schemeClr val="bg1"/>
+              </a:solidFill>
+              <a:latin typeface="Perpetua" panose="02020502060401020303" pitchFamily="18" charset="77"/>
+            </a:endParaRPr>
+          </a:p>
+        </p:txBody>
+      </p:sp>
+      <p:sp>
+        <p:nvSpPr>
+          <p:cNvPr id="5" name="Pfeil nach unten 4">
+            <a:extLst>
+              <a:ext uri="{FF2B5EF4-FFF2-40B4-BE49-F238E27FC236}">
+                <a16:creationId xmlns:a16="http://schemas.microsoft.com/office/drawing/2014/main" id="{80BBA129-FCC6-C574-42BC-27EFD344114C}"/>
               </a:ext>
             </a:extLst>
           </p:cNvPr>
@@ -8137,200 +11999,20 @@
         </p:nvSpPr>
         <p:spPr>
           <a:xfrm>
-            <a:off x="11324030" y="2791510"/>
-            <a:ext cx="1080000" cy="1080000"/>
+            <a:off x="2992361" y="2113294"/>
+            <a:ext cx="825042" cy="2362466"/>
           </a:xfrm>
-          <a:prstGeom prst="ellipse">
+          <a:prstGeom prst="downArrow">
             <a:avLst/>
           </a:prstGeom>
           <a:solidFill>
-            <a:schemeClr val="accent1">
-              <a:lumMod val="60000"/>
-              <a:lumOff val="40000"/>
-            </a:schemeClr>
-          </a:solidFill>
-          <a:ln w="76200">
-            <a:noFill/>
-          </a:ln>
-        </p:spPr>
-        <p:style>
-          <a:lnRef idx="2">
-            <a:schemeClr val="accent1">
-              <a:shade val="15000"/>
-            </a:schemeClr>
-          </a:lnRef>
-          <a:fillRef idx="1">
-            <a:schemeClr val="accent1"/>
-          </a:fillRef>
-          <a:effectRef idx="0">
-            <a:schemeClr val="accent1"/>
-          </a:effectRef>
-          <a:fontRef idx="minor">
-            <a:schemeClr val="lt1"/>
-          </a:fontRef>
-        </p:style>
-        <p:txBody>
-          <a:bodyPr rtlCol="0" anchor="ctr"/>
-          <a:lstStyle/>
-          <a:p>
-            <a:pPr algn="ctr"/>
-            <a:r>
-              <a:rPr lang="de-DE" sz="5000" b="1" dirty="0">
-                <a:latin typeface="Perpetua Titling MT" panose="02020502060505020804" pitchFamily="18" charset="77"/>
-              </a:rPr>
-              <a:t>3</a:t>
-            </a:r>
-            <a:endParaRPr lang="de-DE" sz="5000" dirty="0"/>
-          </a:p>
-        </p:txBody>
-      </p:sp>
-      <p:sp>
-        <p:nvSpPr>
-          <p:cNvPr id="18" name="Oval 17">
-            <a:extLst>
-              <a:ext uri="{FF2B5EF4-FFF2-40B4-BE49-F238E27FC236}">
-                <a16:creationId xmlns:a16="http://schemas.microsoft.com/office/drawing/2014/main" id="{A47360C0-7E7E-46F5-A961-3839E3ADA356}"/>
-              </a:ext>
-            </a:extLst>
-          </p:cNvPr>
-          <p:cNvSpPr/>
-          <p:nvPr/>
-        </p:nvSpPr>
-        <p:spPr>
-          <a:xfrm>
-            <a:off x="11324030" y="1848639"/>
-            <a:ext cx="1080000" cy="1080000"/>
-          </a:xfrm>
-          <a:prstGeom prst="ellipse">
-            <a:avLst/>
-          </a:prstGeom>
-          <a:solidFill>
-            <a:schemeClr val="accent1">
+            <a:schemeClr val="accent4">
               <a:lumMod val="75000"/>
             </a:schemeClr>
           </a:solidFill>
-          <a:ln w="76200">
-            <a:noFill/>
-          </a:ln>
-        </p:spPr>
-        <p:style>
-          <a:lnRef idx="2">
-            <a:schemeClr val="accent1">
-              <a:shade val="15000"/>
-            </a:schemeClr>
-          </a:lnRef>
-          <a:fillRef idx="1">
-            <a:schemeClr val="accent1"/>
-          </a:fillRef>
-          <a:effectRef idx="0">
-            <a:schemeClr val="accent1"/>
-          </a:effectRef>
-          <a:fontRef idx="minor">
-            <a:schemeClr val="lt1"/>
-          </a:fontRef>
-        </p:style>
-        <p:txBody>
-          <a:bodyPr rtlCol="0" anchor="ctr"/>
-          <a:lstStyle/>
-          <a:p>
-            <a:pPr algn="ctr"/>
-            <a:r>
-              <a:rPr lang="de-DE" sz="5000" b="1" dirty="0">
-                <a:latin typeface="Perpetua Titling MT" panose="02020502060505020804" pitchFamily="18" charset="77"/>
-              </a:rPr>
-              <a:t>2</a:t>
-            </a:r>
-          </a:p>
-        </p:txBody>
-      </p:sp>
-      <p:sp>
-        <p:nvSpPr>
-          <p:cNvPr id="17" name="Oval 16">
-            <a:extLst>
-              <a:ext uri="{FF2B5EF4-FFF2-40B4-BE49-F238E27FC236}">
-                <a16:creationId xmlns:a16="http://schemas.microsoft.com/office/drawing/2014/main" id="{DEC65C03-7C21-2FFF-70F2-26A3E931C844}"/>
-              </a:ext>
-            </a:extLst>
-          </p:cNvPr>
-          <p:cNvSpPr/>
-          <p:nvPr/>
-        </p:nvSpPr>
-        <p:spPr>
-          <a:xfrm>
-            <a:off x="11324030" y="928932"/>
-            <a:ext cx="1080000" cy="1080000"/>
-          </a:xfrm>
-          <a:prstGeom prst="ellipse">
-            <a:avLst/>
-          </a:prstGeom>
-          <a:solidFill>
-            <a:schemeClr val="accent1">
-              <a:lumMod val="50000"/>
-            </a:schemeClr>
-          </a:solidFill>
-          <a:ln w="76200">
-            <a:noFill/>
-          </a:ln>
-        </p:spPr>
-        <p:style>
-          <a:lnRef idx="2">
-            <a:schemeClr val="accent1">
-              <a:shade val="15000"/>
-            </a:schemeClr>
-          </a:lnRef>
-          <a:fillRef idx="1">
-            <a:schemeClr val="accent1"/>
-          </a:fillRef>
-          <a:effectRef idx="0">
-            <a:schemeClr val="accent1"/>
-          </a:effectRef>
-          <a:fontRef idx="minor">
-            <a:schemeClr val="lt1"/>
-          </a:fontRef>
-        </p:style>
-        <p:txBody>
-          <a:bodyPr rtlCol="0" anchor="ctr"/>
-          <a:lstStyle/>
-          <a:p>
-            <a:pPr algn="ctr"/>
-            <a:r>
-              <a:rPr lang="de-DE" sz="5000" b="1" dirty="0">
-                <a:latin typeface="Perpetua Titling MT" panose="02020502060505020804" pitchFamily="18" charset="77"/>
-              </a:rPr>
-              <a:t>1</a:t>
-            </a:r>
-          </a:p>
-        </p:txBody>
-      </p:sp>
-      <p:sp>
-        <p:nvSpPr>
-          <p:cNvPr id="20" name="Oval 19">
-            <a:extLst>
-              <a:ext uri="{FF2B5EF4-FFF2-40B4-BE49-F238E27FC236}">
-                <a16:creationId xmlns:a16="http://schemas.microsoft.com/office/drawing/2014/main" id="{7B520A2C-9CFA-6AAD-8B4D-61FD55A629A5}"/>
-              </a:ext>
-            </a:extLst>
-          </p:cNvPr>
-          <p:cNvSpPr/>
-          <p:nvPr/>
-        </p:nvSpPr>
-        <p:spPr>
-          <a:xfrm>
-            <a:off x="10893692" y="3719393"/>
-            <a:ext cx="1800000" cy="1800000"/>
-          </a:xfrm>
-          <a:prstGeom prst="ellipse">
-            <a:avLst/>
-          </a:prstGeom>
-          <a:solidFill>
-            <a:schemeClr val="accent1">
-              <a:lumMod val="40000"/>
-              <a:lumOff val="60000"/>
-            </a:schemeClr>
-          </a:solidFill>
-          <a:ln w="76200">
+          <a:ln w="19050">
             <a:solidFill>
-              <a:srgbClr val="FF0000"/>
+              <a:schemeClr val="bg1"/>
             </a:solidFill>
           </a:ln>
         </p:spPr>
@@ -8355,61 +12037,16 @@
           <a:lstStyle/>
           <a:p>
             <a:pPr algn="ctr"/>
-            <a:r>
-              <a:rPr lang="de-DE" sz="12000" b="1" dirty="0">
-                <a:latin typeface="Perpetua Titling MT" panose="02020502060505020804" pitchFamily="18" charset="77"/>
-              </a:rPr>
-              <a:t>4</a:t>
-            </a:r>
-          </a:p>
-        </p:txBody>
-      </p:sp>
-      <p:sp>
-        <p:nvSpPr>
-          <p:cNvPr id="21" name="Textfeld 20">
-            <a:extLst>
-              <a:ext uri="{FF2B5EF4-FFF2-40B4-BE49-F238E27FC236}">
-                <a16:creationId xmlns:a16="http://schemas.microsoft.com/office/drawing/2014/main" id="{5C77B3BA-CC88-41F4-3C43-D1DC45E67537}"/>
-              </a:ext>
-            </a:extLst>
-          </p:cNvPr>
-          <p:cNvSpPr txBox="1"/>
-          <p:nvPr/>
-        </p:nvSpPr>
-        <p:spPr>
-          <a:xfrm>
-            <a:off x="4833796" y="152401"/>
-            <a:ext cx="2524409" cy="1015663"/>
-          </a:xfrm>
-          <a:prstGeom prst="rect">
-            <a:avLst/>
-          </a:prstGeom>
-          <a:noFill/>
-        </p:spPr>
-        <p:txBody>
-          <a:bodyPr wrap="none" rtlCol="0">
-            <a:spAutoFit/>
-          </a:bodyPr>
-          <a:lstStyle/>
-          <a:p>
-            <a:r>
-              <a:rPr lang="de-DE" sz="6000" b="1" dirty="0">
-                <a:solidFill>
-                  <a:schemeClr val="bg1"/>
-                </a:solidFill>
-                <a:latin typeface="Perpetua" panose="02020502060401020303" pitchFamily="18" charset="77"/>
-              </a:rPr>
-              <a:t>Querys</a:t>
-            </a:r>
+            <a:endParaRPr lang="de-DE"/>
           </a:p>
         </p:txBody>
       </p:sp>
       <p:pic>
         <p:nvPicPr>
-          <p:cNvPr id="2" name="Grafik 1">
-            <a:extLst>
-              <a:ext uri="{FF2B5EF4-FFF2-40B4-BE49-F238E27FC236}">
-                <a16:creationId xmlns:a16="http://schemas.microsoft.com/office/drawing/2014/main" id="{42B342C2-D7F5-24FF-7D90-7F09A55C79BA}"/>
+          <p:cNvPr id="6" name="Grafik 5">
+            <a:extLst>
+              <a:ext uri="{FF2B5EF4-FFF2-40B4-BE49-F238E27FC236}">
+                <a16:creationId xmlns:a16="http://schemas.microsoft.com/office/drawing/2014/main" id="{686FA5C4-D971-A2BC-CF44-B9821E776EE5}"/>
               </a:ext>
             </a:extLst>
           </p:cNvPr>
@@ -8425,9 +12062,9 @@
           </a:stretch>
         </p:blipFill>
         <p:spPr>
-          <a:xfrm rot="21278525">
-            <a:off x="343878" y="292872"/>
-            <a:ext cx="1800000" cy="1800000"/>
+          <a:xfrm rot="360440">
+            <a:off x="385157" y="238157"/>
+            <a:ext cx="1443674" cy="1443674"/>
           </a:xfrm>
           <a:prstGeom prst="rect">
             <a:avLst/>
@@ -8437,146 +12074,14 @@
     </p:spTree>
     <p:extLst>
       <p:ext uri="{BB962C8B-B14F-4D97-AF65-F5344CB8AC3E}">
-        <p14:creationId xmlns:p14="http://schemas.microsoft.com/office/powerpoint/2010/main" val="3410645116"/>
+        <p14:creationId xmlns:p14="http://schemas.microsoft.com/office/powerpoint/2010/main" val="2564952388"/>
       </p:ext>
     </p:extLst>
   </p:cSld>
   <p:clrMapOvr>
     <a:masterClrMapping/>
   </p:clrMapOvr>
-  <p:transition spd="slow">
-    <p:cover/>
-  </p:transition>
-</p:sld>
-</file>
-
-<file path=ppt/slides/slide9.xml><?xml version="1.0" encoding="utf-8"?>
-<p:sld xmlns:a="http://schemas.openxmlformats.org/drawingml/2006/main" xmlns:r="http://schemas.openxmlformats.org/officeDocument/2006/relationships" xmlns:p="http://schemas.openxmlformats.org/presentationml/2006/main">
-  <p:cSld>
-    <p:spTree>
-      <p:nvGrpSpPr>
-        <p:cNvPr id="1" name="">
-          <a:extLst>
-            <a:ext uri="{FF2B5EF4-FFF2-40B4-BE49-F238E27FC236}">
-              <a16:creationId xmlns:a16="http://schemas.microsoft.com/office/drawing/2014/main" id="{27AC532E-B425-9521-D9F6-F7C7FA420321}"/>
-            </a:ext>
-          </a:extLst>
-        </p:cNvPr>
-        <p:cNvGrpSpPr/>
-        <p:nvPr/>
-      </p:nvGrpSpPr>
-      <p:grpSpPr>
-        <a:xfrm>
-          <a:off x="0" y="0"/>
-          <a:ext cx="0" cy="0"/>
-          <a:chOff x="0" y="0"/>
-          <a:chExt cx="0" cy="0"/>
-        </a:xfrm>
-      </p:grpSpPr>
-      <p:pic>
-        <p:nvPicPr>
-          <p:cNvPr id="7172" name="Picture 4" descr="What are some common uses for views in SQL databases?">
-            <a:extLst>
-              <a:ext uri="{FF2B5EF4-FFF2-40B4-BE49-F238E27FC236}">
-                <a16:creationId xmlns:a16="http://schemas.microsoft.com/office/drawing/2014/main" id="{71B3B5E5-5F3A-8903-B0ED-A62DFE8EA800}"/>
-              </a:ext>
-            </a:extLst>
-          </p:cNvPr>
-          <p:cNvPicPr>
-            <a:picLocks noChangeAspect="1" noChangeArrowheads="1"/>
-          </p:cNvPicPr>
-          <p:nvPr/>
-        </p:nvPicPr>
-        <p:blipFill rotWithShape="1">
-          <a:blip r:embed="rId2">
-            <a:extLst>
-              <a:ext uri="{28A0092B-C50C-407E-A947-70E740481C1C}">
-                <a14:useLocalDpi xmlns:a14="http://schemas.microsoft.com/office/drawing/2010/main" val="0"/>
-              </a:ext>
-            </a:extLst>
-          </a:blip>
-          <a:srcRect l="23186" r="21920"/>
-          <a:stretch/>
-        </p:blipFill>
-        <p:spPr bwMode="auto">
-          <a:xfrm>
-            <a:off x="0" y="0"/>
-            <a:ext cx="6758354" cy="6858000"/>
-          </a:xfrm>
-          <a:prstGeom prst="rect">
-            <a:avLst/>
-          </a:prstGeom>
-          <a:noFill/>
-          <a:extLst>
-            <a:ext uri="{909E8E84-426E-40DD-AFC4-6F175D3DCCD1}">
-              <a14:hiddenFill xmlns:a14="http://schemas.microsoft.com/office/drawing/2010/main">
-                <a:solidFill>
-                  <a:srgbClr val="FFFFFF"/>
-                </a:solidFill>
-              </a14:hiddenFill>
-            </a:ext>
-          </a:extLst>
-        </p:spPr>
-      </p:pic>
-      <p:sp>
-        <p:nvSpPr>
-          <p:cNvPr id="21" name="Textfeld 20">
-            <a:extLst>
-              <a:ext uri="{FF2B5EF4-FFF2-40B4-BE49-F238E27FC236}">
-                <a16:creationId xmlns:a16="http://schemas.microsoft.com/office/drawing/2014/main" id="{EF350507-9D06-6F4D-5857-F48D5EAC0A99}"/>
-              </a:ext>
-            </a:extLst>
-          </p:cNvPr>
-          <p:cNvSpPr txBox="1"/>
-          <p:nvPr/>
-        </p:nvSpPr>
-        <p:spPr>
-          <a:xfrm>
-            <a:off x="5920153" y="828288"/>
-            <a:ext cx="6166339" cy="5201424"/>
-          </a:xfrm>
-          <a:prstGeom prst="rect">
-            <a:avLst/>
-          </a:prstGeom>
-          <a:noFill/>
-        </p:spPr>
-        <p:txBody>
-          <a:bodyPr wrap="square" rtlCol="0">
-            <a:spAutoFit/>
-          </a:bodyPr>
-          <a:lstStyle/>
-          <a:p>
-            <a:pPr algn="ctr"/>
-            <a:r>
-              <a:rPr lang="de-DE" sz="16600" b="1" dirty="0">
-                <a:solidFill>
-                  <a:schemeClr val="bg1"/>
-                </a:solidFill>
-                <a:effectLst>
-                  <a:outerShdw blurRad="50800" dist="50800" dir="5400000" sx="107000" sy="107000" algn="ctr" rotWithShape="0">
-                    <a:srgbClr val="000000">
-                      <a:alpha val="43137"/>
-                    </a:srgbClr>
-                  </a:outerShdw>
-                </a:effectLst>
-                <a:latin typeface="Perpetua" panose="02020502060401020303" pitchFamily="18" charset="77"/>
-              </a:rPr>
-              <a:t>Thank You!</a:t>
-            </a:r>
-          </a:p>
-        </p:txBody>
-      </p:sp>
-    </p:spTree>
-    <p:extLst>
-      <p:ext uri="{BB962C8B-B14F-4D97-AF65-F5344CB8AC3E}">
-        <p14:creationId xmlns:p14="http://schemas.microsoft.com/office/powerpoint/2010/main" val="3009347238"/>
-      </p:ext>
-    </p:extLst>
-  </p:cSld>
-  <p:clrMapOvr>
-    <a:masterClrMapping/>
-  </p:clrMapOvr>
-  <p:transition spd="slow">
+  <p:transition spd="med">
     <p:cover/>
   </p:transition>
 </p:sld>
